--- a/curs11.pptx
+++ b/curs11.pptx
@@ -5,14 +5,32 @@
     <p:sldMasterId id="2147483648" r:id="rId1"/>
   </p:sldMasterIdLst>
   <p:notesMasterIdLst>
-    <p:notesMasterId r:id="rId4"/>
+    <p:notesMasterId r:id="rId22"/>
   </p:notesMasterIdLst>
   <p:handoutMasterIdLst>
-    <p:handoutMasterId r:id="rId5"/>
+    <p:handoutMasterId r:id="rId23"/>
   </p:handoutMasterIdLst>
   <p:sldIdLst>
     <p:sldId id="256" r:id="rId2"/>
     <p:sldId id="257" r:id="rId3"/>
+    <p:sldId id="275" r:id="rId4"/>
+    <p:sldId id="258" r:id="rId5"/>
+    <p:sldId id="274" r:id="rId6"/>
+    <p:sldId id="259" r:id="rId7"/>
+    <p:sldId id="260" r:id="rId8"/>
+    <p:sldId id="261" r:id="rId9"/>
+    <p:sldId id="262" r:id="rId10"/>
+    <p:sldId id="264" r:id="rId11"/>
+    <p:sldId id="263" r:id="rId12"/>
+    <p:sldId id="265" r:id="rId13"/>
+    <p:sldId id="266" r:id="rId14"/>
+    <p:sldId id="267" r:id="rId15"/>
+    <p:sldId id="268" r:id="rId16"/>
+    <p:sldId id="269" r:id="rId17"/>
+    <p:sldId id="270" r:id="rId18"/>
+    <p:sldId id="271" r:id="rId19"/>
+    <p:sldId id="272" r:id="rId20"/>
+    <p:sldId id="273" r:id="rId21"/>
   </p:sldIdLst>
   <p:sldSz cx="9144000" cy="6858000" type="screen4x3"/>
   <p:notesSz cx="6858000" cy="9144000"/>
@@ -3268,10 +3286,10 @@
           <a:lstStyle/>
           <a:p>
             <a:r>
-              <a:rPr lang="en-US" smtClean="0"/>
+              <a:rPr lang="en-US" dirty="0" smtClean="0"/>
               <a:t>Click to edit Master title style</a:t>
             </a:r>
-            <a:endParaRPr lang="en-US"/>
+            <a:endParaRPr lang="en-US" dirty="0"/>
           </a:p>
         </p:txBody>
       </p:sp>
@@ -3302,38 +3320,38 @@
           <a:p>
             <a:pPr lvl="0"/>
             <a:r>
-              <a:rPr lang="en-US" smtClean="0"/>
+              <a:rPr lang="en-US" dirty="0" smtClean="0"/>
               <a:t>Click to edit Master text styles</a:t>
             </a:r>
           </a:p>
           <a:p>
             <a:pPr lvl="1"/>
             <a:r>
-              <a:rPr lang="en-US" smtClean="0"/>
+              <a:rPr lang="en-US" dirty="0" smtClean="0"/>
               <a:t>Second level</a:t>
             </a:r>
           </a:p>
           <a:p>
             <a:pPr lvl="2"/>
             <a:r>
-              <a:rPr lang="en-US" smtClean="0"/>
+              <a:rPr lang="en-US" dirty="0" smtClean="0"/>
               <a:t>Third level</a:t>
             </a:r>
           </a:p>
           <a:p>
             <a:pPr lvl="3"/>
             <a:r>
-              <a:rPr lang="en-US" smtClean="0"/>
+              <a:rPr lang="en-US" dirty="0" smtClean="0"/>
               <a:t>Fourth level</a:t>
             </a:r>
           </a:p>
           <a:p>
             <a:pPr lvl="4"/>
             <a:r>
-              <a:rPr lang="en-US" smtClean="0"/>
+              <a:rPr lang="en-US" dirty="0" smtClean="0"/>
               <a:t>Fifth level</a:t>
             </a:r>
-            <a:endParaRPr lang="en-US"/>
+            <a:endParaRPr lang="en-US" dirty="0"/>
           </a:p>
         </p:txBody>
       </p:sp>
@@ -3460,6 +3478,38 @@
           </a:p>
         </p:txBody>
       </p:sp>
+      <p:pic>
+        <p:nvPicPr>
+          <p:cNvPr id="7" name="Picture 2"/>
+          <p:cNvPicPr>
+            <a:picLocks noChangeAspect="1" noChangeArrowheads="1"/>
+          </p:cNvPicPr>
+          <p:nvPr userDrawn="1"/>
+        </p:nvPicPr>
+        <p:blipFill>
+          <a:blip r:embed="rId13" cstate="print"/>
+          <a:srcRect/>
+          <a:stretch>
+            <a:fillRect/>
+          </a:stretch>
+        </p:blipFill>
+        <p:spPr bwMode="auto">
+          <a:xfrm>
+            <a:off x="152400" y="228600"/>
+            <a:ext cx="1166813" cy="903288"/>
+          </a:xfrm>
+          <a:prstGeom prst="rect">
+            <a:avLst/>
+          </a:prstGeom>
+          <a:noFill/>
+          <a:ln w="9525">
+            <a:noFill/>
+            <a:miter lim="800000"/>
+            <a:headEnd/>
+            <a:tailEnd/>
+          </a:ln>
+        </p:spPr>
+      </p:pic>
     </p:spTree>
     <p:extLst>
       <p:ext uri="{BB962C8B-B14F-4D97-AF65-F5344CB8AC3E}">
@@ -3481,6 +3531,13 @@
     <p:sldLayoutId id="2147483658" r:id="rId10"/>
     <p:sldLayoutId id="2147483659" r:id="rId11"/>
   </p:sldLayoutIdLst>
+  <p:timing>
+    <p:tnLst>
+      <p:par>
+        <p:cTn xmlns:p14="http://schemas.microsoft.com/office/powerpoint/2010/main" id="1" dur="indefinite" restart="never" nodeType="tmRoot"/>
+      </p:par>
+    </p:tnLst>
+  </p:timing>
   <p:hf hdr="0"/>
   <p:txStyles>
     <p:titleStyle>
@@ -3489,7 +3546,7 @@
           <a:spcPct val="0"/>
         </a:spcBef>
         <a:buNone/>
-        <a:defRPr sz="4400" kern="1200">
+        <a:defRPr sz="3500" kern="1200">
           <a:solidFill>
             <a:schemeClr val="tx1"/>
           </a:solidFill>
@@ -3506,7 +3563,7 @@
         </a:spcBef>
         <a:buFont typeface="Arial"/>
         <a:buChar char="•"/>
-        <a:defRPr sz="3200" kern="1200">
+        <a:defRPr sz="2500" kern="1200">
           <a:solidFill>
             <a:schemeClr val="tx1"/>
           </a:solidFill>
@@ -3521,7 +3578,7 @@
         </a:spcBef>
         <a:buFont typeface="Arial"/>
         <a:buChar char="–"/>
-        <a:defRPr sz="2800" kern="1200">
+        <a:defRPr sz="2300" kern="1200">
           <a:solidFill>
             <a:schemeClr val="tx1"/>
           </a:solidFill>
@@ -3764,7 +3821,9 @@
         </p:nvSpPr>
         <p:spPr/>
         <p:txBody>
-          <a:bodyPr/>
+          <a:bodyPr>
+            <a:normAutofit fontScale="90000"/>
+          </a:bodyPr>
           <a:lstStyle/>
           <a:p>
             <a:r>
@@ -3780,7 +3839,46 @@
             </a:br>
             <a:r>
               <a:rPr lang="en-US" dirty="0" err="1" smtClean="0"/>
-              <a:t>Treap-uri</a:t>
+              <a:t>Arbori</a:t>
+            </a:r>
+            <a:r>
+              <a:rPr lang="en-US" dirty="0" smtClean="0"/>
+              <a:t> </a:t>
+            </a:r>
+            <a:r>
+              <a:rPr lang="en-US" dirty="0" err="1" smtClean="0"/>
+              <a:t>binari</a:t>
+            </a:r>
+            <a:r>
+              <a:rPr lang="en-US" dirty="0" smtClean="0"/>
+              <a:t> de </a:t>
+            </a:r>
+            <a:r>
+              <a:rPr lang="en-US" dirty="0" err="1" smtClean="0"/>
+              <a:t>cautare</a:t>
+            </a:r>
+            <a:r>
+              <a:rPr lang="en-US" dirty="0" smtClean="0"/>
+              <a:t> </a:t>
+            </a:r>
+            <a:r>
+              <a:rPr lang="en-US" dirty="0" err="1" smtClean="0"/>
+              <a:t>echilibrati</a:t>
+            </a:r>
+            <a:r>
+              <a:rPr lang="en-US" dirty="0" smtClean="0"/>
+              <a:t/>
+            </a:r>
+            <a:br>
+              <a:rPr lang="en-US" dirty="0" smtClean="0"/>
+            </a:br>
+            <a:r>
+              <a:rPr lang="en-US" dirty="0" err="1" smtClean="0"/>
+              <a:t>Treap</a:t>
+            </a:r>
+            <a:r>
+              <a:rPr lang="en-US" dirty="0" err="1" smtClean="0"/>
+              <a:t>-uri</a:t>
             </a:r>
             <a:endParaRPr lang="en-US" dirty="0"/>
           </a:p>
@@ -3837,7 +3935,7 @@
         </p:blipFill>
         <p:spPr bwMode="auto">
           <a:xfrm>
-            <a:off x="457200" y="152400"/>
+            <a:off x="342900" y="152400"/>
             <a:ext cx="2057400" cy="909476"/>
           </a:xfrm>
           <a:prstGeom prst="rect">
@@ -3908,6 +4006,2480 @@
   <p:clrMapOvr>
     <a:masterClrMapping/>
   </p:clrMapOvr>
+  <p:timing>
+    <p:tnLst>
+      <p:par>
+        <p:cTn xmlns:p14="http://schemas.microsoft.com/office/powerpoint/2010/main" id="1" dur="indefinite" restart="never" nodeType="tmRoot"/>
+      </p:par>
+    </p:tnLst>
+  </p:timing>
+</p:sld>
+</file>
+
+<file path=ppt/slides/slide10.xml><?xml version="1.0" encoding="utf-8"?>
+<p:sld xmlns:a="http://schemas.openxmlformats.org/drawingml/2006/main" xmlns:r="http://schemas.openxmlformats.org/officeDocument/2006/relationships" xmlns:p="http://schemas.openxmlformats.org/presentationml/2006/main">
+  <p:cSld>
+    <p:spTree>
+      <p:nvGrpSpPr>
+        <p:cNvPr id="1" name=""/>
+        <p:cNvGrpSpPr/>
+        <p:nvPr/>
+      </p:nvGrpSpPr>
+      <p:grpSpPr>
+        <a:xfrm>
+          <a:off x="0" y="0"/>
+          <a:ext cx="0" cy="0"/>
+          <a:chOff x="0" y="0"/>
+          <a:chExt cx="0" cy="0"/>
+        </a:xfrm>
+      </p:grpSpPr>
+      <p:sp>
+        <p:nvSpPr>
+          <p:cNvPr id="2" name="Title 1"/>
+          <p:cNvSpPr>
+            <a:spLocks noGrp="1"/>
+          </p:cNvSpPr>
+          <p:nvPr>
+            <p:ph type="title"/>
+          </p:nvPr>
+        </p:nvSpPr>
+        <p:spPr/>
+        <p:txBody>
+          <a:bodyPr/>
+          <a:lstStyle/>
+          <a:p>
+            <a:r>
+              <a:rPr lang="en-US" dirty="0" err="1" smtClean="0"/>
+              <a:t>Exemplu</a:t>
+            </a:r>
+            <a:r>
+              <a:rPr lang="en-US" dirty="0" smtClean="0"/>
+              <a:t> </a:t>
+            </a:r>
+            <a:r>
+              <a:rPr lang="en-US" dirty="0" err="1" smtClean="0"/>
+              <a:t>treap</a:t>
+            </a:r>
+            <a:endParaRPr lang="en-US" dirty="0"/>
+          </a:p>
+        </p:txBody>
+      </p:sp>
+      <p:pic>
+        <p:nvPicPr>
+          <p:cNvPr id="7" name="Content Placeholder 6" descr="Screen Shot 2014-04-26 at 10.16.03 PM.png"/>
+          <p:cNvPicPr>
+            <a:picLocks noGrp="1" noChangeAspect="1"/>
+          </p:cNvPicPr>
+          <p:nvPr>
+            <p:ph idx="1"/>
+          </p:nvPr>
+        </p:nvPicPr>
+        <p:blipFill>
+          <a:blip r:embed="rId2">
+            <a:extLst>
+              <a:ext uri="{28A0092B-C50C-407E-A947-70E740481C1C}">
+                <a14:useLocalDpi xmlns:a14="http://schemas.microsoft.com/office/drawing/2010/main" val="0"/>
+              </a:ext>
+            </a:extLst>
+          </a:blip>
+          <a:srcRect l="-19041" r="-19041"/>
+          <a:stretch>
+            <a:fillRect/>
+          </a:stretch>
+        </p:blipFill>
+        <p:spPr>
+          <a:xfrm>
+            <a:off x="933416" y="1791743"/>
+            <a:ext cx="7281863" cy="4003675"/>
+          </a:xfrm>
+        </p:spPr>
+      </p:pic>
+      <p:sp>
+        <p:nvSpPr>
+          <p:cNvPr id="4" name="Date Placeholder 3"/>
+          <p:cNvSpPr>
+            <a:spLocks noGrp="1"/>
+          </p:cNvSpPr>
+          <p:nvPr>
+            <p:ph type="dt" sz="half" idx="10"/>
+          </p:nvPr>
+        </p:nvSpPr>
+        <p:spPr/>
+        <p:txBody>
+          <a:bodyPr/>
+          <a:lstStyle/>
+          <a:p>
+            <a:r>
+              <a:rPr lang="en-US" smtClean="0"/>
+              <a:t>6 mai 2014</a:t>
+            </a:r>
+            <a:endParaRPr lang="en-US"/>
+          </a:p>
+        </p:txBody>
+      </p:sp>
+      <p:sp>
+        <p:nvSpPr>
+          <p:cNvPr id="5" name="Footer Placeholder 4"/>
+          <p:cNvSpPr>
+            <a:spLocks noGrp="1"/>
+          </p:cNvSpPr>
+          <p:nvPr>
+            <p:ph type="ftr" sz="quarter" idx="11"/>
+          </p:nvPr>
+        </p:nvSpPr>
+        <p:spPr/>
+        <p:txBody>
+          <a:bodyPr/>
+          <a:lstStyle/>
+          <a:p>
+            <a:r>
+              <a:rPr lang="en-US" smtClean="0"/>
+              <a:t>Curs 11 - Treap-uri</a:t>
+            </a:r>
+            <a:endParaRPr lang="en-US"/>
+          </a:p>
+        </p:txBody>
+      </p:sp>
+      <p:sp>
+        <p:nvSpPr>
+          <p:cNvPr id="6" name="Slide Number Placeholder 5"/>
+          <p:cNvSpPr>
+            <a:spLocks noGrp="1"/>
+          </p:cNvSpPr>
+          <p:nvPr>
+            <p:ph type="sldNum" sz="quarter" idx="12"/>
+          </p:nvPr>
+        </p:nvSpPr>
+        <p:spPr/>
+        <p:txBody>
+          <a:bodyPr/>
+          <a:lstStyle/>
+          <a:p>
+            <a:fld id="{32700B58-0F6D-B04A-BA00-FEC84FEE7A82}" type="slidenum">
+              <a:rPr lang="en-US" smtClean="0"/>
+              <a:t>10</a:t>
+            </a:fld>
+            <a:endParaRPr lang="en-US"/>
+          </a:p>
+        </p:txBody>
+      </p:sp>
+    </p:spTree>
+    <p:extLst>
+      <p:ext uri="{BB962C8B-B14F-4D97-AF65-F5344CB8AC3E}">
+        <p14:creationId xmlns:p14="http://schemas.microsoft.com/office/powerpoint/2010/main" val="4148613640"/>
+      </p:ext>
+    </p:extLst>
+  </p:cSld>
+  <p:clrMapOvr>
+    <a:masterClrMapping/>
+  </p:clrMapOvr>
+  <p:timing>
+    <p:tnLst>
+      <p:par>
+        <p:cTn xmlns:p14="http://schemas.microsoft.com/office/powerpoint/2010/main" id="1" dur="indefinite" restart="never" nodeType="tmRoot"/>
+      </p:par>
+    </p:tnLst>
+  </p:timing>
+</p:sld>
+</file>
+
+<file path=ppt/slides/slide11.xml><?xml version="1.0" encoding="utf-8"?>
+<p:sld xmlns:a="http://schemas.openxmlformats.org/drawingml/2006/main" xmlns:r="http://schemas.openxmlformats.org/officeDocument/2006/relationships" xmlns:p="http://schemas.openxmlformats.org/presentationml/2006/main">
+  <p:cSld>
+    <p:spTree>
+      <p:nvGrpSpPr>
+        <p:cNvPr id="1" name=""/>
+        <p:cNvGrpSpPr/>
+        <p:nvPr/>
+      </p:nvGrpSpPr>
+      <p:grpSpPr>
+        <a:xfrm>
+          <a:off x="0" y="0"/>
+          <a:ext cx="0" cy="0"/>
+          <a:chOff x="0" y="0"/>
+          <a:chExt cx="0" cy="0"/>
+        </a:xfrm>
+      </p:grpSpPr>
+      <p:sp>
+        <p:nvSpPr>
+          <p:cNvPr id="2" name="Title 1"/>
+          <p:cNvSpPr>
+            <a:spLocks noGrp="1"/>
+          </p:cNvSpPr>
+          <p:nvPr>
+            <p:ph type="title"/>
+          </p:nvPr>
+        </p:nvSpPr>
+        <p:spPr/>
+        <p:txBody>
+          <a:bodyPr/>
+          <a:lstStyle/>
+          <a:p>
+            <a:r>
+              <a:rPr lang="en-US" dirty="0" err="1" smtClean="0"/>
+              <a:t>Inserare</a:t>
+            </a:r>
+            <a:endParaRPr lang="en-US" dirty="0"/>
+          </a:p>
+        </p:txBody>
+      </p:sp>
+      <p:sp>
+        <p:nvSpPr>
+          <p:cNvPr id="3" name="Content Placeholder 2"/>
+          <p:cNvSpPr>
+            <a:spLocks noGrp="1"/>
+          </p:cNvSpPr>
+          <p:nvPr>
+            <p:ph idx="1"/>
+          </p:nvPr>
+        </p:nvSpPr>
+        <p:spPr/>
+        <p:txBody>
+          <a:bodyPr>
+            <a:normAutofit/>
+          </a:bodyPr>
+          <a:lstStyle/>
+          <a:p>
+            <a:r>
+              <a:rPr lang="en-US" sz="2300" dirty="0" smtClean="0"/>
+              <a:t>La </a:t>
+            </a:r>
+            <a:r>
+              <a:rPr lang="en-US" sz="2300" dirty="0" err="1" smtClean="0"/>
+              <a:t>fel</a:t>
+            </a:r>
+            <a:r>
+              <a:rPr lang="en-US" sz="2300" dirty="0" smtClean="0"/>
+              <a:t> </a:t>
+            </a:r>
+            <a:r>
+              <a:rPr lang="en-US" sz="2300" dirty="0" err="1" smtClean="0"/>
+              <a:t>ca</a:t>
+            </a:r>
+            <a:r>
+              <a:rPr lang="en-US" sz="2300" dirty="0" smtClean="0"/>
+              <a:t> la BST, </a:t>
+            </a:r>
+            <a:r>
+              <a:rPr lang="en-US" sz="2300" dirty="0" err="1" smtClean="0"/>
+              <a:t>coboram</a:t>
+            </a:r>
+            <a:r>
+              <a:rPr lang="en-US" sz="2300" dirty="0" smtClean="0"/>
+              <a:t> in arbore </a:t>
+            </a:r>
+            <a:r>
+              <a:rPr lang="en-US" sz="2300" dirty="0" err="1" smtClean="0"/>
+              <a:t>pana</a:t>
+            </a:r>
+            <a:r>
+              <a:rPr lang="en-US" sz="2300" dirty="0" smtClean="0"/>
+              <a:t> </a:t>
+            </a:r>
+            <a:r>
+              <a:rPr lang="en-US" sz="2300" dirty="0" err="1" smtClean="0"/>
+              <a:t>gasim</a:t>
+            </a:r>
+            <a:r>
+              <a:rPr lang="en-US" sz="2300" dirty="0" smtClean="0"/>
+              <a:t> un nod liber</a:t>
+            </a:r>
+          </a:p>
+          <a:p>
+            <a:r>
+              <a:rPr lang="en-US" sz="2300" dirty="0" err="1" smtClean="0"/>
+              <a:t>Dupa</a:t>
+            </a:r>
+            <a:r>
+              <a:rPr lang="en-US" sz="2300" dirty="0" smtClean="0"/>
+              <a:t> </a:t>
+            </a:r>
+            <a:r>
+              <a:rPr lang="en-US" sz="2300" dirty="0" err="1" smtClean="0"/>
+              <a:t>inserare</a:t>
+            </a:r>
+            <a:r>
+              <a:rPr lang="en-US" sz="2300" dirty="0" smtClean="0"/>
+              <a:t> </a:t>
+            </a:r>
+            <a:r>
+              <a:rPr lang="en-US" sz="2300" dirty="0" err="1" smtClean="0"/>
+              <a:t>avem</a:t>
+            </a:r>
+            <a:r>
+              <a:rPr lang="en-US" sz="2300" dirty="0" smtClean="0"/>
+              <a:t> </a:t>
+            </a:r>
+            <a:r>
+              <a:rPr lang="en-US" sz="2300" dirty="0" err="1" smtClean="0"/>
+              <a:t>grija</a:t>
+            </a:r>
+            <a:r>
+              <a:rPr lang="en-US" sz="2300" dirty="0" smtClean="0"/>
+              <a:t> </a:t>
+            </a:r>
+            <a:r>
+              <a:rPr lang="en-US" sz="2300" dirty="0" err="1" smtClean="0"/>
+              <a:t>sa</a:t>
+            </a:r>
+            <a:r>
+              <a:rPr lang="en-US" sz="2300" dirty="0" smtClean="0"/>
+              <a:t> </a:t>
+            </a:r>
+            <a:r>
+              <a:rPr lang="en-US" sz="2300" dirty="0" err="1" smtClean="0"/>
+              <a:t>satisfacem</a:t>
+            </a:r>
+            <a:r>
+              <a:rPr lang="en-US" sz="2300" dirty="0" smtClean="0"/>
+              <a:t> </a:t>
+            </a:r>
+            <a:r>
+              <a:rPr lang="en-US" sz="2300" dirty="0" err="1" smtClean="0"/>
+              <a:t>invariantul</a:t>
+            </a:r>
+            <a:r>
+              <a:rPr lang="en-US" sz="2300" dirty="0" smtClean="0"/>
+              <a:t> de heap, </a:t>
+            </a:r>
+            <a:r>
+              <a:rPr lang="en-US" sz="2300" dirty="0" err="1" smtClean="0"/>
+              <a:t>aplicând</a:t>
+            </a:r>
+            <a:r>
+              <a:rPr lang="en-US" sz="2300" dirty="0" smtClean="0"/>
+              <a:t> </a:t>
+            </a:r>
+            <a:r>
+              <a:rPr lang="en-US" sz="2300" dirty="0" err="1" smtClean="0"/>
+              <a:t>posibile</a:t>
+            </a:r>
+            <a:r>
+              <a:rPr lang="en-US" sz="2300" dirty="0" smtClean="0"/>
+              <a:t> </a:t>
+            </a:r>
+            <a:r>
+              <a:rPr lang="en-US" sz="2300" dirty="0" err="1" smtClean="0"/>
+              <a:t>rotații</a:t>
+            </a:r>
+            <a:endParaRPr lang="en-US" sz="2300" dirty="0"/>
+          </a:p>
+        </p:txBody>
+      </p:sp>
+      <p:sp>
+        <p:nvSpPr>
+          <p:cNvPr id="4" name="Date Placeholder 3"/>
+          <p:cNvSpPr>
+            <a:spLocks noGrp="1"/>
+          </p:cNvSpPr>
+          <p:nvPr>
+            <p:ph type="dt" sz="half" idx="10"/>
+          </p:nvPr>
+        </p:nvSpPr>
+        <p:spPr/>
+        <p:txBody>
+          <a:bodyPr/>
+          <a:lstStyle/>
+          <a:p>
+            <a:r>
+              <a:rPr lang="en-US" smtClean="0"/>
+              <a:t>6 mai 2014</a:t>
+            </a:r>
+            <a:endParaRPr lang="en-US"/>
+          </a:p>
+        </p:txBody>
+      </p:sp>
+      <p:sp>
+        <p:nvSpPr>
+          <p:cNvPr id="5" name="Footer Placeholder 4"/>
+          <p:cNvSpPr>
+            <a:spLocks noGrp="1"/>
+          </p:cNvSpPr>
+          <p:nvPr>
+            <p:ph type="ftr" sz="quarter" idx="11"/>
+          </p:nvPr>
+        </p:nvSpPr>
+        <p:spPr/>
+        <p:txBody>
+          <a:bodyPr/>
+          <a:lstStyle/>
+          <a:p>
+            <a:r>
+              <a:rPr lang="en-US" smtClean="0"/>
+              <a:t>Curs 11 - Treap-uri</a:t>
+            </a:r>
+            <a:endParaRPr lang="en-US"/>
+          </a:p>
+        </p:txBody>
+      </p:sp>
+      <p:sp>
+        <p:nvSpPr>
+          <p:cNvPr id="6" name="Slide Number Placeholder 5"/>
+          <p:cNvSpPr>
+            <a:spLocks noGrp="1"/>
+          </p:cNvSpPr>
+          <p:nvPr>
+            <p:ph type="sldNum" sz="quarter" idx="12"/>
+          </p:nvPr>
+        </p:nvSpPr>
+        <p:spPr/>
+        <p:txBody>
+          <a:bodyPr/>
+          <a:lstStyle/>
+          <a:p>
+            <a:fld id="{32700B58-0F6D-B04A-BA00-FEC84FEE7A82}" type="slidenum">
+              <a:rPr lang="en-US" smtClean="0"/>
+              <a:t>11</a:t>
+            </a:fld>
+            <a:endParaRPr lang="en-US"/>
+          </a:p>
+        </p:txBody>
+      </p:sp>
+      <p:pic>
+        <p:nvPicPr>
+          <p:cNvPr id="8" name="Picture 7" descr="Screen Shot 2014-04-26 at 10.23.42 PM.png"/>
+          <p:cNvPicPr>
+            <a:picLocks noChangeAspect="1"/>
+          </p:cNvPicPr>
+          <p:nvPr/>
+        </p:nvPicPr>
+        <p:blipFill>
+          <a:blip r:embed="rId2">
+            <a:extLst>
+              <a:ext uri="{28A0092B-C50C-407E-A947-70E740481C1C}">
+                <a14:useLocalDpi xmlns:a14="http://schemas.microsoft.com/office/drawing/2010/main" val="0"/>
+              </a:ext>
+            </a:extLst>
+          </a:blip>
+          <a:stretch>
+            <a:fillRect/>
+          </a:stretch>
+        </p:blipFill>
+        <p:spPr>
+          <a:xfrm>
+            <a:off x="1336049" y="3122234"/>
+            <a:ext cx="5935044" cy="3281044"/>
+          </a:xfrm>
+          <a:prstGeom prst="rect">
+            <a:avLst/>
+          </a:prstGeom>
+        </p:spPr>
+      </p:pic>
+    </p:spTree>
+    <p:extLst>
+      <p:ext uri="{BB962C8B-B14F-4D97-AF65-F5344CB8AC3E}">
+        <p14:creationId xmlns:p14="http://schemas.microsoft.com/office/powerpoint/2010/main" val="1141361416"/>
+      </p:ext>
+    </p:extLst>
+  </p:cSld>
+  <p:clrMapOvr>
+    <a:masterClrMapping/>
+  </p:clrMapOvr>
+  <p:timing>
+    <p:tnLst>
+      <p:par>
+        <p:cTn xmlns:p14="http://schemas.microsoft.com/office/powerpoint/2010/main" id="1" dur="indefinite" restart="never" nodeType="tmRoot"/>
+      </p:par>
+    </p:tnLst>
+  </p:timing>
+</p:sld>
+</file>
+
+<file path=ppt/slides/slide12.xml><?xml version="1.0" encoding="utf-8"?>
+<p:sld xmlns:a="http://schemas.openxmlformats.org/drawingml/2006/main" xmlns:r="http://schemas.openxmlformats.org/officeDocument/2006/relationships" xmlns:p="http://schemas.openxmlformats.org/presentationml/2006/main">
+  <p:cSld>
+    <p:spTree>
+      <p:nvGrpSpPr>
+        <p:cNvPr id="1" name=""/>
+        <p:cNvGrpSpPr/>
+        <p:nvPr/>
+      </p:nvGrpSpPr>
+      <p:grpSpPr>
+        <a:xfrm>
+          <a:off x="0" y="0"/>
+          <a:ext cx="0" cy="0"/>
+          <a:chOff x="0" y="0"/>
+          <a:chExt cx="0" cy="0"/>
+        </a:xfrm>
+      </p:grpSpPr>
+      <p:sp>
+        <p:nvSpPr>
+          <p:cNvPr id="2" name="Title 1"/>
+          <p:cNvSpPr>
+            <a:spLocks noGrp="1"/>
+          </p:cNvSpPr>
+          <p:nvPr>
+            <p:ph type="title"/>
+          </p:nvPr>
+        </p:nvSpPr>
+        <p:spPr/>
+        <p:txBody>
+          <a:bodyPr/>
+          <a:lstStyle/>
+          <a:p>
+            <a:r>
+              <a:rPr lang="en-US" dirty="0" err="1" smtClean="0"/>
+              <a:t>Exemplu</a:t>
+            </a:r>
+            <a:r>
+              <a:rPr lang="en-US" dirty="0" smtClean="0"/>
+              <a:t> </a:t>
+            </a:r>
+            <a:r>
+              <a:rPr lang="en-US" dirty="0" err="1" smtClean="0"/>
+              <a:t>inserare</a:t>
+            </a:r>
+            <a:r>
+              <a:rPr lang="en-US" dirty="0" smtClean="0"/>
+              <a:t> (1)</a:t>
+            </a:r>
+            <a:endParaRPr lang="en-US" dirty="0"/>
+          </a:p>
+        </p:txBody>
+      </p:sp>
+      <p:pic>
+        <p:nvPicPr>
+          <p:cNvPr id="7" name="Content Placeholder 6" descr="Screen Shot 2014-04-26 at 10.26.55 PM.png"/>
+          <p:cNvPicPr>
+            <a:picLocks noGrp="1" noChangeAspect="1"/>
+          </p:cNvPicPr>
+          <p:nvPr>
+            <p:ph idx="1"/>
+          </p:nvPr>
+        </p:nvPicPr>
+        <p:blipFill>
+          <a:blip r:embed="rId2">
+            <a:extLst>
+              <a:ext uri="{28A0092B-C50C-407E-A947-70E740481C1C}">
+                <a14:useLocalDpi xmlns:a14="http://schemas.microsoft.com/office/drawing/2010/main" val="0"/>
+              </a:ext>
+            </a:extLst>
+          </a:blip>
+          <a:srcRect l="-7987" r="-7987"/>
+          <a:stretch>
+            <a:fillRect/>
+          </a:stretch>
+        </p:blipFill>
+        <p:spPr/>
+      </p:pic>
+      <p:sp>
+        <p:nvSpPr>
+          <p:cNvPr id="4" name="Date Placeholder 3"/>
+          <p:cNvSpPr>
+            <a:spLocks noGrp="1"/>
+          </p:cNvSpPr>
+          <p:nvPr>
+            <p:ph type="dt" sz="half" idx="10"/>
+          </p:nvPr>
+        </p:nvSpPr>
+        <p:spPr/>
+        <p:txBody>
+          <a:bodyPr/>
+          <a:lstStyle/>
+          <a:p>
+            <a:r>
+              <a:rPr lang="en-US" smtClean="0"/>
+              <a:t>6 mai 2014</a:t>
+            </a:r>
+            <a:endParaRPr lang="en-US"/>
+          </a:p>
+        </p:txBody>
+      </p:sp>
+      <p:sp>
+        <p:nvSpPr>
+          <p:cNvPr id="5" name="Footer Placeholder 4"/>
+          <p:cNvSpPr>
+            <a:spLocks noGrp="1"/>
+          </p:cNvSpPr>
+          <p:nvPr>
+            <p:ph type="ftr" sz="quarter" idx="11"/>
+          </p:nvPr>
+        </p:nvSpPr>
+        <p:spPr/>
+        <p:txBody>
+          <a:bodyPr/>
+          <a:lstStyle/>
+          <a:p>
+            <a:r>
+              <a:rPr lang="en-US" smtClean="0"/>
+              <a:t>Curs 11 - Treap-uri</a:t>
+            </a:r>
+            <a:endParaRPr lang="en-US"/>
+          </a:p>
+        </p:txBody>
+      </p:sp>
+      <p:sp>
+        <p:nvSpPr>
+          <p:cNvPr id="6" name="Slide Number Placeholder 5"/>
+          <p:cNvSpPr>
+            <a:spLocks noGrp="1"/>
+          </p:cNvSpPr>
+          <p:nvPr>
+            <p:ph type="sldNum" sz="quarter" idx="12"/>
+          </p:nvPr>
+        </p:nvSpPr>
+        <p:spPr/>
+        <p:txBody>
+          <a:bodyPr/>
+          <a:lstStyle/>
+          <a:p>
+            <a:fld id="{32700B58-0F6D-B04A-BA00-FEC84FEE7A82}" type="slidenum">
+              <a:rPr lang="en-US" smtClean="0"/>
+              <a:t>12</a:t>
+            </a:fld>
+            <a:endParaRPr lang="en-US"/>
+          </a:p>
+        </p:txBody>
+      </p:sp>
+    </p:spTree>
+    <p:extLst>
+      <p:ext uri="{BB962C8B-B14F-4D97-AF65-F5344CB8AC3E}">
+        <p14:creationId xmlns:p14="http://schemas.microsoft.com/office/powerpoint/2010/main" val="2349104704"/>
+      </p:ext>
+    </p:extLst>
+  </p:cSld>
+  <p:clrMapOvr>
+    <a:masterClrMapping/>
+  </p:clrMapOvr>
+  <p:timing>
+    <p:tnLst>
+      <p:par>
+        <p:cTn xmlns:p14="http://schemas.microsoft.com/office/powerpoint/2010/main" id="1" dur="indefinite" restart="never" nodeType="tmRoot"/>
+      </p:par>
+    </p:tnLst>
+  </p:timing>
+</p:sld>
+</file>
+
+<file path=ppt/slides/slide13.xml><?xml version="1.0" encoding="utf-8"?>
+<p:sld xmlns:a="http://schemas.openxmlformats.org/drawingml/2006/main" xmlns:r="http://schemas.openxmlformats.org/officeDocument/2006/relationships" xmlns:p="http://schemas.openxmlformats.org/presentationml/2006/main">
+  <p:cSld>
+    <p:spTree>
+      <p:nvGrpSpPr>
+        <p:cNvPr id="1" name=""/>
+        <p:cNvGrpSpPr/>
+        <p:nvPr/>
+      </p:nvGrpSpPr>
+      <p:grpSpPr>
+        <a:xfrm>
+          <a:off x="0" y="0"/>
+          <a:ext cx="0" cy="0"/>
+          <a:chOff x="0" y="0"/>
+          <a:chExt cx="0" cy="0"/>
+        </a:xfrm>
+      </p:grpSpPr>
+      <p:sp>
+        <p:nvSpPr>
+          <p:cNvPr id="2" name="Title 1"/>
+          <p:cNvSpPr>
+            <a:spLocks noGrp="1"/>
+          </p:cNvSpPr>
+          <p:nvPr>
+            <p:ph type="title"/>
+          </p:nvPr>
+        </p:nvSpPr>
+        <p:spPr/>
+        <p:txBody>
+          <a:bodyPr/>
+          <a:lstStyle/>
+          <a:p>
+            <a:r>
+              <a:rPr lang="en-US" dirty="0" err="1" smtClean="0"/>
+              <a:t>Exemplu</a:t>
+            </a:r>
+            <a:r>
+              <a:rPr lang="en-US" dirty="0" smtClean="0"/>
+              <a:t> </a:t>
+            </a:r>
+            <a:r>
+              <a:rPr lang="en-US" dirty="0" err="1" smtClean="0"/>
+              <a:t>inserare</a:t>
+            </a:r>
+            <a:r>
+              <a:rPr lang="en-US" dirty="0" smtClean="0"/>
+              <a:t> (2)</a:t>
+            </a:r>
+            <a:endParaRPr lang="en-US" dirty="0"/>
+          </a:p>
+        </p:txBody>
+      </p:sp>
+      <p:sp>
+        <p:nvSpPr>
+          <p:cNvPr id="4" name="Date Placeholder 3"/>
+          <p:cNvSpPr>
+            <a:spLocks noGrp="1"/>
+          </p:cNvSpPr>
+          <p:nvPr>
+            <p:ph type="dt" sz="half" idx="10"/>
+          </p:nvPr>
+        </p:nvSpPr>
+        <p:spPr/>
+        <p:txBody>
+          <a:bodyPr/>
+          <a:lstStyle/>
+          <a:p>
+            <a:r>
+              <a:rPr lang="en-US" smtClean="0"/>
+              <a:t>6 mai 2014</a:t>
+            </a:r>
+            <a:endParaRPr lang="en-US"/>
+          </a:p>
+        </p:txBody>
+      </p:sp>
+      <p:sp>
+        <p:nvSpPr>
+          <p:cNvPr id="5" name="Footer Placeholder 4"/>
+          <p:cNvSpPr>
+            <a:spLocks noGrp="1"/>
+          </p:cNvSpPr>
+          <p:nvPr>
+            <p:ph type="ftr" sz="quarter" idx="11"/>
+          </p:nvPr>
+        </p:nvSpPr>
+        <p:spPr/>
+        <p:txBody>
+          <a:bodyPr/>
+          <a:lstStyle/>
+          <a:p>
+            <a:r>
+              <a:rPr lang="en-US" smtClean="0"/>
+              <a:t>Curs 11 - Treap-uri</a:t>
+            </a:r>
+            <a:endParaRPr lang="en-US"/>
+          </a:p>
+        </p:txBody>
+      </p:sp>
+      <p:sp>
+        <p:nvSpPr>
+          <p:cNvPr id="6" name="Slide Number Placeholder 5"/>
+          <p:cNvSpPr>
+            <a:spLocks noGrp="1"/>
+          </p:cNvSpPr>
+          <p:nvPr>
+            <p:ph type="sldNum" sz="quarter" idx="12"/>
+          </p:nvPr>
+        </p:nvSpPr>
+        <p:spPr/>
+        <p:txBody>
+          <a:bodyPr/>
+          <a:lstStyle/>
+          <a:p>
+            <a:fld id="{32700B58-0F6D-B04A-BA00-FEC84FEE7A82}" type="slidenum">
+              <a:rPr lang="en-US" smtClean="0"/>
+              <a:t>13</a:t>
+            </a:fld>
+            <a:endParaRPr lang="en-US"/>
+          </a:p>
+        </p:txBody>
+      </p:sp>
+      <p:pic>
+        <p:nvPicPr>
+          <p:cNvPr id="8" name="Picture 7" descr="Screen Shot 2014-04-26 at 10.27.57 PM.png"/>
+          <p:cNvPicPr>
+            <a:picLocks noChangeAspect="1"/>
+          </p:cNvPicPr>
+          <p:nvPr/>
+        </p:nvPicPr>
+        <p:blipFill>
+          <a:blip r:embed="rId2">
+            <a:extLst>
+              <a:ext uri="{28A0092B-C50C-407E-A947-70E740481C1C}">
+                <a14:useLocalDpi xmlns:a14="http://schemas.microsoft.com/office/drawing/2010/main" val="0"/>
+              </a:ext>
+            </a:extLst>
+          </a:blip>
+          <a:stretch>
+            <a:fillRect/>
+          </a:stretch>
+        </p:blipFill>
+        <p:spPr>
+          <a:xfrm>
+            <a:off x="4572000" y="1733104"/>
+            <a:ext cx="3149600" cy="3619500"/>
+          </a:xfrm>
+          <a:prstGeom prst="rect">
+            <a:avLst/>
+          </a:prstGeom>
+        </p:spPr>
+      </p:pic>
+      <p:pic>
+        <p:nvPicPr>
+          <p:cNvPr id="14" name="Picture 13" descr="Screen Shot 2014-04-26 at 10.29.34 PM.png"/>
+          <p:cNvPicPr>
+            <a:picLocks noChangeAspect="1"/>
+          </p:cNvPicPr>
+          <p:nvPr/>
+        </p:nvPicPr>
+        <p:blipFill>
+          <a:blip r:embed="rId3">
+            <a:extLst>
+              <a:ext uri="{28A0092B-C50C-407E-A947-70E740481C1C}">
+                <a14:useLocalDpi xmlns:a14="http://schemas.microsoft.com/office/drawing/2010/main" val="0"/>
+              </a:ext>
+            </a:extLst>
+          </a:blip>
+          <a:stretch>
+            <a:fillRect/>
+          </a:stretch>
+        </p:blipFill>
+        <p:spPr>
+          <a:xfrm>
+            <a:off x="1073150" y="1733104"/>
+            <a:ext cx="3035300" cy="3911600"/>
+          </a:xfrm>
+          <a:prstGeom prst="rect">
+            <a:avLst/>
+          </a:prstGeom>
+        </p:spPr>
+      </p:pic>
+    </p:spTree>
+    <p:extLst>
+      <p:ext uri="{BB962C8B-B14F-4D97-AF65-F5344CB8AC3E}">
+        <p14:creationId xmlns:p14="http://schemas.microsoft.com/office/powerpoint/2010/main" val="4089436434"/>
+      </p:ext>
+    </p:extLst>
+  </p:cSld>
+  <p:clrMapOvr>
+    <a:masterClrMapping/>
+  </p:clrMapOvr>
+  <p:timing>
+    <p:tnLst>
+      <p:par>
+        <p:cTn xmlns:p14="http://schemas.microsoft.com/office/powerpoint/2010/main" id="1" dur="indefinite" restart="never" nodeType="tmRoot"/>
+      </p:par>
+    </p:tnLst>
+  </p:timing>
+</p:sld>
+</file>
+
+<file path=ppt/slides/slide14.xml><?xml version="1.0" encoding="utf-8"?>
+<p:sld xmlns:a="http://schemas.openxmlformats.org/drawingml/2006/main" xmlns:r="http://schemas.openxmlformats.org/officeDocument/2006/relationships" xmlns:p="http://schemas.openxmlformats.org/presentationml/2006/main">
+  <p:cSld>
+    <p:spTree>
+      <p:nvGrpSpPr>
+        <p:cNvPr id="1" name=""/>
+        <p:cNvGrpSpPr/>
+        <p:nvPr/>
+      </p:nvGrpSpPr>
+      <p:grpSpPr>
+        <a:xfrm>
+          <a:off x="0" y="0"/>
+          <a:ext cx="0" cy="0"/>
+          <a:chOff x="0" y="0"/>
+          <a:chExt cx="0" cy="0"/>
+        </a:xfrm>
+      </p:grpSpPr>
+      <p:sp>
+        <p:nvSpPr>
+          <p:cNvPr id="2" name="Title 1"/>
+          <p:cNvSpPr>
+            <a:spLocks noGrp="1"/>
+          </p:cNvSpPr>
+          <p:nvPr>
+            <p:ph type="title"/>
+          </p:nvPr>
+        </p:nvSpPr>
+        <p:spPr/>
+        <p:txBody>
+          <a:bodyPr/>
+          <a:lstStyle/>
+          <a:p>
+            <a:r>
+              <a:rPr lang="en-US" dirty="0" err="1" smtClean="0"/>
+              <a:t>Exemplu</a:t>
+            </a:r>
+            <a:r>
+              <a:rPr lang="en-US" dirty="0" smtClean="0"/>
+              <a:t> </a:t>
+            </a:r>
+            <a:r>
+              <a:rPr lang="en-US" dirty="0" err="1" smtClean="0"/>
+              <a:t>inserare</a:t>
+            </a:r>
+            <a:r>
+              <a:rPr lang="en-US" dirty="0" smtClean="0"/>
+              <a:t> (3)</a:t>
+            </a:r>
+            <a:endParaRPr lang="en-US" dirty="0"/>
+          </a:p>
+        </p:txBody>
+      </p:sp>
+      <p:pic>
+        <p:nvPicPr>
+          <p:cNvPr id="7" name="Content Placeholder 6" descr="Screen Shot 2014-04-26 at 10.31.02 PM.png"/>
+          <p:cNvPicPr>
+            <a:picLocks noGrp="1" noChangeAspect="1"/>
+          </p:cNvPicPr>
+          <p:nvPr>
+            <p:ph idx="1"/>
+          </p:nvPr>
+        </p:nvPicPr>
+        <p:blipFill>
+          <a:blip r:embed="rId2">
+            <a:extLst>
+              <a:ext uri="{28A0092B-C50C-407E-A947-70E740481C1C}">
+                <a14:useLocalDpi xmlns:a14="http://schemas.microsoft.com/office/drawing/2010/main" val="0"/>
+              </a:ext>
+            </a:extLst>
+          </a:blip>
+          <a:srcRect t="-17505" b="-17505"/>
+          <a:stretch>
+            <a:fillRect/>
+          </a:stretch>
+        </p:blipFill>
+        <p:spPr/>
+      </p:pic>
+      <p:sp>
+        <p:nvSpPr>
+          <p:cNvPr id="4" name="Date Placeholder 3"/>
+          <p:cNvSpPr>
+            <a:spLocks noGrp="1"/>
+          </p:cNvSpPr>
+          <p:nvPr>
+            <p:ph type="dt" sz="half" idx="10"/>
+          </p:nvPr>
+        </p:nvSpPr>
+        <p:spPr/>
+        <p:txBody>
+          <a:bodyPr/>
+          <a:lstStyle/>
+          <a:p>
+            <a:r>
+              <a:rPr lang="en-US" smtClean="0"/>
+              <a:t>6 mai 2014</a:t>
+            </a:r>
+            <a:endParaRPr lang="en-US"/>
+          </a:p>
+        </p:txBody>
+      </p:sp>
+      <p:sp>
+        <p:nvSpPr>
+          <p:cNvPr id="5" name="Footer Placeholder 4"/>
+          <p:cNvSpPr>
+            <a:spLocks noGrp="1"/>
+          </p:cNvSpPr>
+          <p:nvPr>
+            <p:ph type="ftr" sz="quarter" idx="11"/>
+          </p:nvPr>
+        </p:nvSpPr>
+        <p:spPr/>
+        <p:txBody>
+          <a:bodyPr/>
+          <a:lstStyle/>
+          <a:p>
+            <a:r>
+              <a:rPr lang="en-US" smtClean="0"/>
+              <a:t>Curs 11 - Treap-uri</a:t>
+            </a:r>
+            <a:endParaRPr lang="en-US"/>
+          </a:p>
+        </p:txBody>
+      </p:sp>
+      <p:sp>
+        <p:nvSpPr>
+          <p:cNvPr id="6" name="Slide Number Placeholder 5"/>
+          <p:cNvSpPr>
+            <a:spLocks noGrp="1"/>
+          </p:cNvSpPr>
+          <p:nvPr>
+            <p:ph type="sldNum" sz="quarter" idx="12"/>
+          </p:nvPr>
+        </p:nvSpPr>
+        <p:spPr/>
+        <p:txBody>
+          <a:bodyPr/>
+          <a:lstStyle/>
+          <a:p>
+            <a:fld id="{32700B58-0F6D-B04A-BA00-FEC84FEE7A82}" type="slidenum">
+              <a:rPr lang="en-US" smtClean="0"/>
+              <a:t>14</a:t>
+            </a:fld>
+            <a:endParaRPr lang="en-US"/>
+          </a:p>
+        </p:txBody>
+      </p:sp>
+    </p:spTree>
+    <p:extLst>
+      <p:ext uri="{BB962C8B-B14F-4D97-AF65-F5344CB8AC3E}">
+        <p14:creationId xmlns:p14="http://schemas.microsoft.com/office/powerpoint/2010/main" val="2697494397"/>
+      </p:ext>
+    </p:extLst>
+  </p:cSld>
+  <p:clrMapOvr>
+    <a:masterClrMapping/>
+  </p:clrMapOvr>
+  <p:timing>
+    <p:tnLst>
+      <p:par>
+        <p:cTn xmlns:p14="http://schemas.microsoft.com/office/powerpoint/2010/main" id="1" dur="indefinite" restart="never" nodeType="tmRoot"/>
+      </p:par>
+    </p:tnLst>
+  </p:timing>
+</p:sld>
+</file>
+
+<file path=ppt/slides/slide15.xml><?xml version="1.0" encoding="utf-8"?>
+<p:sld xmlns:a="http://schemas.openxmlformats.org/drawingml/2006/main" xmlns:r="http://schemas.openxmlformats.org/officeDocument/2006/relationships" xmlns:p="http://schemas.openxmlformats.org/presentationml/2006/main">
+  <p:cSld>
+    <p:spTree>
+      <p:nvGrpSpPr>
+        <p:cNvPr id="1" name=""/>
+        <p:cNvGrpSpPr/>
+        <p:nvPr/>
+      </p:nvGrpSpPr>
+      <p:grpSpPr>
+        <a:xfrm>
+          <a:off x="0" y="0"/>
+          <a:ext cx="0" cy="0"/>
+          <a:chOff x="0" y="0"/>
+          <a:chExt cx="0" cy="0"/>
+        </a:xfrm>
+      </p:grpSpPr>
+      <p:sp>
+        <p:nvSpPr>
+          <p:cNvPr id="2" name="Title 1"/>
+          <p:cNvSpPr>
+            <a:spLocks noGrp="1"/>
+          </p:cNvSpPr>
+          <p:nvPr>
+            <p:ph type="title"/>
+          </p:nvPr>
+        </p:nvSpPr>
+        <p:spPr/>
+        <p:txBody>
+          <a:bodyPr/>
+          <a:lstStyle/>
+          <a:p>
+            <a:r>
+              <a:rPr lang="en-US" dirty="0" err="1" smtClean="0"/>
+              <a:t>Stergere</a:t>
+            </a:r>
+            <a:endParaRPr lang="en-US" dirty="0"/>
+          </a:p>
+        </p:txBody>
+      </p:sp>
+      <p:sp>
+        <p:nvSpPr>
+          <p:cNvPr id="3" name="Content Placeholder 2"/>
+          <p:cNvSpPr>
+            <a:spLocks noGrp="1"/>
+          </p:cNvSpPr>
+          <p:nvPr>
+            <p:ph idx="1"/>
+          </p:nvPr>
+        </p:nvSpPr>
+        <p:spPr/>
+        <p:txBody>
+          <a:bodyPr>
+            <a:normAutofit/>
+          </a:bodyPr>
+          <a:lstStyle/>
+          <a:p>
+            <a:r>
+              <a:rPr lang="en-US" sz="2300" dirty="0" err="1" smtClean="0"/>
+              <a:t>Rotim</a:t>
+            </a:r>
+            <a:r>
+              <a:rPr lang="en-US" sz="2300" dirty="0" smtClean="0"/>
+              <a:t> </a:t>
+            </a:r>
+            <a:r>
+              <a:rPr lang="en-US" sz="2300" dirty="0" err="1" smtClean="0"/>
+              <a:t>nodul</a:t>
+            </a:r>
+            <a:r>
+              <a:rPr lang="en-US" sz="2300" dirty="0" smtClean="0"/>
+              <a:t> </a:t>
+            </a:r>
+            <a:r>
+              <a:rPr lang="en-US" sz="2300" dirty="0" err="1" smtClean="0"/>
+              <a:t>pana</a:t>
+            </a:r>
+            <a:r>
+              <a:rPr lang="en-US" sz="2300" dirty="0" smtClean="0"/>
+              <a:t> </a:t>
+            </a:r>
+            <a:r>
+              <a:rPr lang="en-US" sz="2300" dirty="0" err="1" smtClean="0"/>
+              <a:t>ajunge</a:t>
+            </a:r>
+            <a:r>
+              <a:rPr lang="en-US" sz="2300" dirty="0" smtClean="0"/>
+              <a:t> </a:t>
+            </a:r>
+            <a:r>
+              <a:rPr lang="en-US" sz="2300" dirty="0" err="1" smtClean="0"/>
+              <a:t>frunză</a:t>
+            </a:r>
+            <a:r>
+              <a:rPr lang="en-US" sz="2300" dirty="0" smtClean="0"/>
+              <a:t> </a:t>
+            </a:r>
+            <a:r>
+              <a:rPr lang="en-US" sz="2300" dirty="0" err="1" smtClean="0"/>
+              <a:t>în</a:t>
+            </a:r>
+            <a:r>
+              <a:rPr lang="en-US" sz="2300" dirty="0" smtClean="0"/>
+              <a:t> </a:t>
+            </a:r>
+            <a:r>
+              <a:rPr lang="en-US" sz="2300" dirty="0" err="1" smtClean="0"/>
+              <a:t>treap</a:t>
+            </a:r>
+            <a:endParaRPr lang="en-US" sz="2300" dirty="0" smtClean="0"/>
+          </a:p>
+          <a:p>
+            <a:r>
+              <a:rPr lang="en-US" sz="2300" dirty="0" err="1" smtClean="0"/>
+              <a:t>Invariantul</a:t>
+            </a:r>
+            <a:r>
+              <a:rPr lang="en-US" sz="2300" dirty="0" smtClean="0"/>
+              <a:t> de heap: </a:t>
+            </a:r>
+            <a:r>
+              <a:rPr lang="en-US" sz="2300" dirty="0" err="1" smtClean="0"/>
+              <a:t>rotim</a:t>
+            </a:r>
+            <a:r>
+              <a:rPr lang="en-US" sz="2300" dirty="0" smtClean="0"/>
+              <a:t> </a:t>
+            </a:r>
+            <a:r>
+              <a:rPr lang="en-US" sz="2300" dirty="0" err="1" smtClean="0"/>
+              <a:t>în</a:t>
+            </a:r>
+            <a:r>
+              <a:rPr lang="en-US" sz="2300" dirty="0" smtClean="0"/>
+              <a:t> </a:t>
+            </a:r>
+            <a:r>
+              <a:rPr lang="en-US" sz="2300" dirty="0" err="1" smtClean="0"/>
+              <a:t>direcția</a:t>
+            </a:r>
+            <a:r>
+              <a:rPr lang="en-US" sz="2300" dirty="0" smtClean="0"/>
+              <a:t> </a:t>
+            </a:r>
+            <a:r>
+              <a:rPr lang="en-US" sz="2300" dirty="0" err="1" smtClean="0"/>
+              <a:t>fiului</a:t>
+            </a:r>
+            <a:r>
+              <a:rPr lang="en-US" sz="2300" dirty="0" smtClean="0"/>
+              <a:t> cu </a:t>
+            </a:r>
+            <a:r>
+              <a:rPr lang="en-US" sz="2300" dirty="0" err="1" smtClean="0"/>
+              <a:t>prioritate</a:t>
+            </a:r>
+            <a:r>
+              <a:rPr lang="en-US" sz="2300" dirty="0" smtClean="0"/>
+              <a:t> </a:t>
+            </a:r>
+            <a:r>
+              <a:rPr lang="en-US" sz="2300" dirty="0" err="1" smtClean="0"/>
+              <a:t>mai</a:t>
+            </a:r>
+            <a:r>
+              <a:rPr lang="en-US" sz="2300" dirty="0" smtClean="0"/>
+              <a:t> mare</a:t>
+            </a:r>
+            <a:endParaRPr lang="en-US" sz="2300" dirty="0"/>
+          </a:p>
+        </p:txBody>
+      </p:sp>
+      <p:sp>
+        <p:nvSpPr>
+          <p:cNvPr id="4" name="Date Placeholder 3"/>
+          <p:cNvSpPr>
+            <a:spLocks noGrp="1"/>
+          </p:cNvSpPr>
+          <p:nvPr>
+            <p:ph type="dt" sz="half" idx="10"/>
+          </p:nvPr>
+        </p:nvSpPr>
+        <p:spPr/>
+        <p:txBody>
+          <a:bodyPr/>
+          <a:lstStyle/>
+          <a:p>
+            <a:r>
+              <a:rPr lang="en-US" smtClean="0"/>
+              <a:t>6 mai 2014</a:t>
+            </a:r>
+            <a:endParaRPr lang="en-US"/>
+          </a:p>
+        </p:txBody>
+      </p:sp>
+      <p:sp>
+        <p:nvSpPr>
+          <p:cNvPr id="5" name="Footer Placeholder 4"/>
+          <p:cNvSpPr>
+            <a:spLocks noGrp="1"/>
+          </p:cNvSpPr>
+          <p:nvPr>
+            <p:ph type="ftr" sz="quarter" idx="11"/>
+          </p:nvPr>
+        </p:nvSpPr>
+        <p:spPr/>
+        <p:txBody>
+          <a:bodyPr/>
+          <a:lstStyle/>
+          <a:p>
+            <a:r>
+              <a:rPr lang="en-US" smtClean="0"/>
+              <a:t>Curs 11 - Treap-uri</a:t>
+            </a:r>
+            <a:endParaRPr lang="en-US"/>
+          </a:p>
+        </p:txBody>
+      </p:sp>
+      <p:sp>
+        <p:nvSpPr>
+          <p:cNvPr id="6" name="Slide Number Placeholder 5"/>
+          <p:cNvSpPr>
+            <a:spLocks noGrp="1"/>
+          </p:cNvSpPr>
+          <p:nvPr>
+            <p:ph type="sldNum" sz="quarter" idx="12"/>
+          </p:nvPr>
+        </p:nvSpPr>
+        <p:spPr/>
+        <p:txBody>
+          <a:bodyPr/>
+          <a:lstStyle/>
+          <a:p>
+            <a:fld id="{32700B58-0F6D-B04A-BA00-FEC84FEE7A82}" type="slidenum">
+              <a:rPr lang="en-US" smtClean="0"/>
+              <a:t>15</a:t>
+            </a:fld>
+            <a:endParaRPr lang="en-US"/>
+          </a:p>
+        </p:txBody>
+      </p:sp>
+      <p:pic>
+        <p:nvPicPr>
+          <p:cNvPr id="7" name="Picture 6" descr="Screen Shot 2014-04-26 at 11.22.00 PM.png"/>
+          <p:cNvPicPr>
+            <a:picLocks noChangeAspect="1"/>
+          </p:cNvPicPr>
+          <p:nvPr/>
+        </p:nvPicPr>
+        <p:blipFill>
+          <a:blip r:embed="rId2">
+            <a:extLst>
+              <a:ext uri="{28A0092B-C50C-407E-A947-70E740481C1C}">
+                <a14:useLocalDpi xmlns:a14="http://schemas.microsoft.com/office/drawing/2010/main" val="0"/>
+              </a:ext>
+            </a:extLst>
+          </a:blip>
+          <a:stretch>
+            <a:fillRect/>
+          </a:stretch>
+        </p:blipFill>
+        <p:spPr>
+          <a:xfrm>
+            <a:off x="2070582" y="2832162"/>
+            <a:ext cx="4980054" cy="3611772"/>
+          </a:xfrm>
+          <a:prstGeom prst="rect">
+            <a:avLst/>
+          </a:prstGeom>
+        </p:spPr>
+      </p:pic>
+    </p:spTree>
+    <p:extLst>
+      <p:ext uri="{BB962C8B-B14F-4D97-AF65-F5344CB8AC3E}">
+        <p14:creationId xmlns:p14="http://schemas.microsoft.com/office/powerpoint/2010/main" val="1004304733"/>
+      </p:ext>
+    </p:extLst>
+  </p:cSld>
+  <p:clrMapOvr>
+    <a:masterClrMapping/>
+  </p:clrMapOvr>
+  <p:timing>
+    <p:tnLst>
+      <p:par>
+        <p:cTn xmlns:p14="http://schemas.microsoft.com/office/powerpoint/2010/main" id="1" dur="indefinite" restart="never" nodeType="tmRoot"/>
+      </p:par>
+    </p:tnLst>
+  </p:timing>
+</p:sld>
+</file>
+
+<file path=ppt/slides/slide16.xml><?xml version="1.0" encoding="utf-8"?>
+<p:sld xmlns:a="http://schemas.openxmlformats.org/drawingml/2006/main" xmlns:r="http://schemas.openxmlformats.org/officeDocument/2006/relationships" xmlns:p="http://schemas.openxmlformats.org/presentationml/2006/main">
+  <p:cSld>
+    <p:spTree>
+      <p:nvGrpSpPr>
+        <p:cNvPr id="1" name=""/>
+        <p:cNvGrpSpPr/>
+        <p:nvPr/>
+      </p:nvGrpSpPr>
+      <p:grpSpPr>
+        <a:xfrm>
+          <a:off x="0" y="0"/>
+          <a:ext cx="0" cy="0"/>
+          <a:chOff x="0" y="0"/>
+          <a:chExt cx="0" cy="0"/>
+        </a:xfrm>
+      </p:grpSpPr>
+      <p:sp>
+        <p:nvSpPr>
+          <p:cNvPr id="2" name="Title 1"/>
+          <p:cNvSpPr>
+            <a:spLocks noGrp="1"/>
+          </p:cNvSpPr>
+          <p:nvPr>
+            <p:ph type="title"/>
+          </p:nvPr>
+        </p:nvSpPr>
+        <p:spPr/>
+        <p:txBody>
+          <a:bodyPr/>
+          <a:lstStyle/>
+          <a:p>
+            <a:r>
+              <a:rPr lang="en-US" dirty="0" err="1" smtClean="0"/>
+              <a:t>Exemplu</a:t>
+            </a:r>
+            <a:r>
+              <a:rPr lang="en-US" dirty="0" smtClean="0"/>
+              <a:t> </a:t>
+            </a:r>
+            <a:r>
+              <a:rPr lang="en-US" dirty="0" err="1" smtClean="0"/>
+              <a:t>ștergere</a:t>
+            </a:r>
+            <a:endParaRPr lang="en-US" dirty="0"/>
+          </a:p>
+        </p:txBody>
+      </p:sp>
+      <p:sp>
+        <p:nvSpPr>
+          <p:cNvPr id="3" name="Content Placeholder 2"/>
+          <p:cNvSpPr>
+            <a:spLocks noGrp="1"/>
+          </p:cNvSpPr>
+          <p:nvPr>
+            <p:ph idx="1"/>
+          </p:nvPr>
+        </p:nvSpPr>
+        <p:spPr/>
+        <p:txBody>
+          <a:bodyPr/>
+          <a:lstStyle/>
+          <a:p>
+            <a:endParaRPr lang="en-US" dirty="0" smtClean="0"/>
+          </a:p>
+          <a:p>
+            <a:endParaRPr lang="en-US" dirty="0"/>
+          </a:p>
+          <a:p>
+            <a:r>
+              <a:rPr lang="en-US" dirty="0" err="1" smtClean="0"/>
+              <a:t>Asemănător</a:t>
+            </a:r>
+            <a:r>
+              <a:rPr lang="en-US" dirty="0" smtClean="0"/>
+              <a:t> </a:t>
+            </a:r>
+            <a:r>
+              <a:rPr lang="en-US" dirty="0" err="1" smtClean="0"/>
+              <a:t>inserare</a:t>
+            </a:r>
+            <a:r>
+              <a:rPr lang="en-US" dirty="0" smtClean="0"/>
+              <a:t>, </a:t>
+            </a:r>
+            <a:r>
+              <a:rPr lang="en-US" dirty="0" err="1" smtClean="0"/>
+              <a:t>dar</a:t>
+            </a:r>
+            <a:r>
+              <a:rPr lang="en-US" dirty="0" smtClean="0"/>
+              <a:t> </a:t>
+            </a:r>
+            <a:r>
+              <a:rPr lang="en-US" dirty="0" err="1" smtClean="0"/>
+              <a:t>în</a:t>
+            </a:r>
+            <a:r>
+              <a:rPr lang="en-US" dirty="0" smtClean="0"/>
+              <a:t> </a:t>
+            </a:r>
+            <a:r>
+              <a:rPr lang="en-US" dirty="0" err="1" smtClean="0"/>
+              <a:t>ordine</a:t>
+            </a:r>
+            <a:r>
+              <a:rPr lang="en-US" dirty="0" smtClean="0"/>
+              <a:t> </a:t>
+            </a:r>
+            <a:r>
+              <a:rPr lang="en-US" dirty="0" err="1" smtClean="0"/>
+              <a:t>inversă</a:t>
+            </a:r>
+            <a:endParaRPr lang="en-US" dirty="0"/>
+          </a:p>
+        </p:txBody>
+      </p:sp>
+      <p:sp>
+        <p:nvSpPr>
+          <p:cNvPr id="4" name="Date Placeholder 3"/>
+          <p:cNvSpPr>
+            <a:spLocks noGrp="1"/>
+          </p:cNvSpPr>
+          <p:nvPr>
+            <p:ph type="dt" sz="half" idx="10"/>
+          </p:nvPr>
+        </p:nvSpPr>
+        <p:spPr/>
+        <p:txBody>
+          <a:bodyPr/>
+          <a:lstStyle/>
+          <a:p>
+            <a:r>
+              <a:rPr lang="en-US" smtClean="0"/>
+              <a:t>6 mai 2014</a:t>
+            </a:r>
+            <a:endParaRPr lang="en-US"/>
+          </a:p>
+        </p:txBody>
+      </p:sp>
+      <p:sp>
+        <p:nvSpPr>
+          <p:cNvPr id="5" name="Footer Placeholder 4"/>
+          <p:cNvSpPr>
+            <a:spLocks noGrp="1"/>
+          </p:cNvSpPr>
+          <p:nvPr>
+            <p:ph type="ftr" sz="quarter" idx="11"/>
+          </p:nvPr>
+        </p:nvSpPr>
+        <p:spPr/>
+        <p:txBody>
+          <a:bodyPr/>
+          <a:lstStyle/>
+          <a:p>
+            <a:r>
+              <a:rPr lang="en-US" smtClean="0"/>
+              <a:t>Curs 11 - Treap-uri</a:t>
+            </a:r>
+            <a:endParaRPr lang="en-US"/>
+          </a:p>
+        </p:txBody>
+      </p:sp>
+      <p:sp>
+        <p:nvSpPr>
+          <p:cNvPr id="6" name="Slide Number Placeholder 5"/>
+          <p:cNvSpPr>
+            <a:spLocks noGrp="1"/>
+          </p:cNvSpPr>
+          <p:nvPr>
+            <p:ph type="sldNum" sz="quarter" idx="12"/>
+          </p:nvPr>
+        </p:nvSpPr>
+        <p:spPr/>
+        <p:txBody>
+          <a:bodyPr/>
+          <a:lstStyle/>
+          <a:p>
+            <a:fld id="{32700B58-0F6D-B04A-BA00-FEC84FEE7A82}" type="slidenum">
+              <a:rPr lang="en-US" smtClean="0"/>
+              <a:t>16</a:t>
+            </a:fld>
+            <a:endParaRPr lang="en-US"/>
+          </a:p>
+        </p:txBody>
+      </p:sp>
+    </p:spTree>
+    <p:extLst>
+      <p:ext uri="{BB962C8B-B14F-4D97-AF65-F5344CB8AC3E}">
+        <p14:creationId xmlns:p14="http://schemas.microsoft.com/office/powerpoint/2010/main" val="3551078897"/>
+      </p:ext>
+    </p:extLst>
+  </p:cSld>
+  <p:clrMapOvr>
+    <a:masterClrMapping/>
+  </p:clrMapOvr>
+  <p:timing>
+    <p:tnLst>
+      <p:par>
+        <p:cTn xmlns:p14="http://schemas.microsoft.com/office/powerpoint/2010/main" id="1" dur="indefinite" restart="never" nodeType="tmRoot"/>
+      </p:par>
+    </p:tnLst>
+  </p:timing>
+</p:sld>
+</file>
+
+<file path=ppt/slides/slide17.xml><?xml version="1.0" encoding="utf-8"?>
+<p:sld xmlns:a="http://schemas.openxmlformats.org/drawingml/2006/main" xmlns:r="http://schemas.openxmlformats.org/officeDocument/2006/relationships" xmlns:p="http://schemas.openxmlformats.org/presentationml/2006/main">
+  <p:cSld>
+    <p:spTree>
+      <p:nvGrpSpPr>
+        <p:cNvPr id="1" name=""/>
+        <p:cNvGrpSpPr/>
+        <p:nvPr/>
+      </p:nvGrpSpPr>
+      <p:grpSpPr>
+        <a:xfrm>
+          <a:off x="0" y="0"/>
+          <a:ext cx="0" cy="0"/>
+          <a:chOff x="0" y="0"/>
+          <a:chExt cx="0" cy="0"/>
+        </a:xfrm>
+      </p:grpSpPr>
+      <p:sp>
+        <p:nvSpPr>
+          <p:cNvPr id="2" name="Title 1"/>
+          <p:cNvSpPr>
+            <a:spLocks noGrp="1"/>
+          </p:cNvSpPr>
+          <p:nvPr>
+            <p:ph type="title"/>
+          </p:nvPr>
+        </p:nvSpPr>
+        <p:spPr/>
+        <p:txBody>
+          <a:bodyPr/>
+          <a:lstStyle/>
+          <a:p>
+            <a:r>
+              <a:rPr lang="en-US" dirty="0" err="1" smtClean="0"/>
+              <a:t>Analiză</a:t>
+            </a:r>
+            <a:endParaRPr lang="en-US" dirty="0"/>
+          </a:p>
+        </p:txBody>
+      </p:sp>
+      <p:sp>
+        <p:nvSpPr>
+          <p:cNvPr id="3" name="Content Placeholder 2"/>
+          <p:cNvSpPr>
+            <a:spLocks noGrp="1"/>
+          </p:cNvSpPr>
+          <p:nvPr>
+            <p:ph idx="1"/>
+          </p:nvPr>
+        </p:nvSpPr>
+        <p:spPr/>
+        <p:txBody>
+          <a:bodyPr/>
+          <a:lstStyle/>
+          <a:p>
+            <a:r>
+              <a:rPr lang="en-US" dirty="0" err="1" smtClean="0"/>
+              <a:t>Existență</a:t>
+            </a:r>
+            <a:r>
+              <a:rPr lang="en-US" dirty="0" smtClean="0"/>
+              <a:t>:</a:t>
+            </a:r>
+          </a:p>
+          <a:p>
+            <a:pPr lvl="1"/>
+            <a:r>
+              <a:rPr lang="en-US" dirty="0" smtClean="0"/>
+              <a:t>O </a:t>
+            </a:r>
+            <a:r>
+              <a:rPr lang="en-US" dirty="0" err="1" smtClean="0"/>
+              <a:t>rotație</a:t>
+            </a:r>
+            <a:r>
+              <a:rPr lang="en-US" dirty="0" smtClean="0"/>
+              <a:t> </a:t>
+            </a:r>
+            <a:r>
+              <a:rPr lang="en-US" dirty="0" err="1" smtClean="0"/>
+              <a:t>menține</a:t>
+            </a:r>
+            <a:r>
+              <a:rPr lang="en-US" dirty="0" smtClean="0"/>
+              <a:t> </a:t>
+            </a:r>
+            <a:r>
+              <a:rPr lang="en-US" dirty="0" err="1" smtClean="0"/>
+              <a:t>proprietatea</a:t>
+            </a:r>
+            <a:r>
+              <a:rPr lang="en-US" dirty="0" smtClean="0"/>
+              <a:t> de BST, se </a:t>
+            </a:r>
+            <a:r>
+              <a:rPr lang="en-US" dirty="0" err="1" smtClean="0"/>
+              <a:t>folosește</a:t>
+            </a:r>
+            <a:r>
+              <a:rPr lang="en-US" dirty="0" smtClean="0"/>
+              <a:t> </a:t>
+            </a:r>
+            <a:r>
+              <a:rPr lang="en-US" dirty="0" err="1" smtClean="0"/>
+              <a:t>pentru</a:t>
+            </a:r>
+            <a:r>
+              <a:rPr lang="en-US" dirty="0" smtClean="0"/>
+              <a:t> </a:t>
+            </a:r>
+            <a:r>
+              <a:rPr lang="en-US" dirty="0" err="1" smtClean="0"/>
+              <a:t>respectarea</a:t>
+            </a:r>
+            <a:r>
+              <a:rPr lang="en-US" dirty="0" smtClean="0"/>
+              <a:t> </a:t>
+            </a:r>
+            <a:r>
+              <a:rPr lang="en-US" dirty="0" err="1" smtClean="0"/>
+              <a:t>celei</a:t>
+            </a:r>
+            <a:r>
+              <a:rPr lang="en-US" dirty="0" smtClean="0"/>
+              <a:t> de heap</a:t>
+            </a:r>
+          </a:p>
+          <a:p>
+            <a:r>
+              <a:rPr lang="en-US" dirty="0" err="1" smtClean="0"/>
+              <a:t>Unicitate</a:t>
+            </a:r>
+            <a:r>
+              <a:rPr lang="en-US" dirty="0" smtClean="0"/>
+              <a:t>:</a:t>
+            </a:r>
+          </a:p>
+          <a:p>
+            <a:pPr lvl="1"/>
+            <a:r>
+              <a:rPr lang="en-US" dirty="0" err="1" smtClean="0"/>
+              <a:t>Nodul</a:t>
+            </a:r>
+            <a:r>
+              <a:rPr lang="en-US" dirty="0" smtClean="0"/>
+              <a:t> cu </a:t>
+            </a:r>
+            <a:r>
+              <a:rPr lang="en-US" dirty="0" err="1" smtClean="0"/>
+              <a:t>prioritatea</a:t>
+            </a:r>
+            <a:r>
+              <a:rPr lang="en-US" dirty="0" smtClean="0"/>
+              <a:t> </a:t>
+            </a:r>
+            <a:r>
+              <a:rPr lang="en-US" dirty="0" err="1" smtClean="0"/>
+              <a:t>cea</a:t>
+            </a:r>
+            <a:r>
+              <a:rPr lang="en-US" dirty="0" smtClean="0"/>
+              <a:t> </a:t>
+            </a:r>
+            <a:r>
+              <a:rPr lang="en-US" dirty="0" err="1" smtClean="0"/>
+              <a:t>mai</a:t>
+            </a:r>
+            <a:r>
+              <a:rPr lang="en-US" dirty="0" smtClean="0"/>
+              <a:t> mare </a:t>
+            </a:r>
+            <a:r>
+              <a:rPr lang="en-US" dirty="0" err="1" smtClean="0"/>
+              <a:t>va</a:t>
+            </a:r>
+            <a:r>
+              <a:rPr lang="en-US" dirty="0" smtClean="0"/>
+              <a:t> fi </a:t>
+            </a:r>
+            <a:r>
+              <a:rPr lang="en-US" dirty="0" err="1" smtClean="0"/>
+              <a:t>radacină</a:t>
+            </a:r>
+            <a:endParaRPr lang="en-US" dirty="0" smtClean="0"/>
+          </a:p>
+          <a:p>
+            <a:pPr lvl="1"/>
+            <a:r>
+              <a:rPr lang="en-US" dirty="0" err="1" smtClean="0"/>
+              <a:t>Împarte</a:t>
+            </a:r>
+            <a:r>
+              <a:rPr lang="en-US" dirty="0" smtClean="0"/>
+              <a:t> </a:t>
+            </a:r>
+            <a:r>
+              <a:rPr lang="en-US" dirty="0" err="1" smtClean="0"/>
+              <a:t>în</a:t>
+            </a:r>
+            <a:r>
+              <a:rPr lang="en-US" dirty="0" smtClean="0"/>
+              <a:t> mod </a:t>
+            </a:r>
+            <a:r>
+              <a:rPr lang="en-US" dirty="0" err="1" smtClean="0"/>
+              <a:t>unic</a:t>
+            </a:r>
+            <a:r>
+              <a:rPr lang="en-US" dirty="0" smtClean="0"/>
+              <a:t> (</a:t>
+            </a:r>
+            <a:r>
+              <a:rPr lang="en-US" dirty="0" err="1" smtClean="0"/>
+              <a:t>după</a:t>
+            </a:r>
+            <a:r>
+              <a:rPr lang="en-US" dirty="0" smtClean="0"/>
+              <a:t> </a:t>
+            </a:r>
+            <a:r>
+              <a:rPr lang="en-US" dirty="0" err="1" smtClean="0"/>
+              <a:t>invariantul</a:t>
+            </a:r>
+            <a:r>
+              <a:rPr lang="en-US" dirty="0" smtClean="0"/>
+              <a:t> de BST) </a:t>
+            </a:r>
+            <a:r>
+              <a:rPr lang="en-US" dirty="0" err="1" smtClean="0"/>
+              <a:t>în</a:t>
+            </a:r>
+            <a:r>
+              <a:rPr lang="en-US" dirty="0" smtClean="0"/>
+              <a:t> </a:t>
+            </a:r>
+            <a:r>
+              <a:rPr lang="en-US" dirty="0" err="1" smtClean="0"/>
+              <a:t>doi</a:t>
+            </a:r>
+            <a:r>
+              <a:rPr lang="en-US" dirty="0" smtClean="0"/>
+              <a:t> </a:t>
+            </a:r>
+            <a:r>
+              <a:rPr lang="en-US" dirty="0" err="1" smtClean="0"/>
+              <a:t>subarbori</a:t>
+            </a:r>
+            <a:endParaRPr lang="en-US" dirty="0" smtClean="0"/>
+          </a:p>
+          <a:p>
+            <a:pPr lvl="1"/>
+            <a:r>
+              <a:rPr lang="en-US" dirty="0" smtClean="0"/>
+              <a:t>Se </a:t>
+            </a:r>
+            <a:r>
+              <a:rPr lang="en-US" dirty="0" err="1" smtClean="0"/>
+              <a:t>aplică</a:t>
+            </a:r>
+            <a:r>
+              <a:rPr lang="en-US" dirty="0" smtClean="0"/>
+              <a:t> </a:t>
+            </a:r>
+            <a:r>
+              <a:rPr lang="en-US" dirty="0" err="1" smtClean="0"/>
+              <a:t>recursiv</a:t>
+            </a:r>
+            <a:endParaRPr lang="en-US" dirty="0"/>
+          </a:p>
+        </p:txBody>
+      </p:sp>
+      <p:sp>
+        <p:nvSpPr>
+          <p:cNvPr id="4" name="Date Placeholder 3"/>
+          <p:cNvSpPr>
+            <a:spLocks noGrp="1"/>
+          </p:cNvSpPr>
+          <p:nvPr>
+            <p:ph type="dt" sz="half" idx="10"/>
+          </p:nvPr>
+        </p:nvSpPr>
+        <p:spPr/>
+        <p:txBody>
+          <a:bodyPr/>
+          <a:lstStyle/>
+          <a:p>
+            <a:r>
+              <a:rPr lang="en-US" smtClean="0"/>
+              <a:t>6 mai 2014</a:t>
+            </a:r>
+            <a:endParaRPr lang="en-US"/>
+          </a:p>
+        </p:txBody>
+      </p:sp>
+      <p:sp>
+        <p:nvSpPr>
+          <p:cNvPr id="5" name="Footer Placeholder 4"/>
+          <p:cNvSpPr>
+            <a:spLocks noGrp="1"/>
+          </p:cNvSpPr>
+          <p:nvPr>
+            <p:ph type="ftr" sz="quarter" idx="11"/>
+          </p:nvPr>
+        </p:nvSpPr>
+        <p:spPr/>
+        <p:txBody>
+          <a:bodyPr/>
+          <a:lstStyle/>
+          <a:p>
+            <a:r>
+              <a:rPr lang="en-US" smtClean="0"/>
+              <a:t>Curs 11 - Treap-uri</a:t>
+            </a:r>
+            <a:endParaRPr lang="en-US"/>
+          </a:p>
+        </p:txBody>
+      </p:sp>
+      <p:sp>
+        <p:nvSpPr>
+          <p:cNvPr id="6" name="Slide Number Placeholder 5"/>
+          <p:cNvSpPr>
+            <a:spLocks noGrp="1"/>
+          </p:cNvSpPr>
+          <p:nvPr>
+            <p:ph type="sldNum" sz="quarter" idx="12"/>
+          </p:nvPr>
+        </p:nvSpPr>
+        <p:spPr/>
+        <p:txBody>
+          <a:bodyPr/>
+          <a:lstStyle/>
+          <a:p>
+            <a:fld id="{32700B58-0F6D-B04A-BA00-FEC84FEE7A82}" type="slidenum">
+              <a:rPr lang="en-US" smtClean="0"/>
+              <a:t>17</a:t>
+            </a:fld>
+            <a:endParaRPr lang="en-US"/>
+          </a:p>
+        </p:txBody>
+      </p:sp>
+    </p:spTree>
+    <p:extLst>
+      <p:ext uri="{BB962C8B-B14F-4D97-AF65-F5344CB8AC3E}">
+        <p14:creationId xmlns:p14="http://schemas.microsoft.com/office/powerpoint/2010/main" val="385535555"/>
+      </p:ext>
+    </p:extLst>
+  </p:cSld>
+  <p:clrMapOvr>
+    <a:masterClrMapping/>
+  </p:clrMapOvr>
+  <p:timing>
+    <p:tnLst>
+      <p:par>
+        <p:cTn xmlns:p14="http://schemas.microsoft.com/office/powerpoint/2010/main" id="1" dur="indefinite" restart="never" nodeType="tmRoot"/>
+      </p:par>
+    </p:tnLst>
+  </p:timing>
+</p:sld>
+</file>
+
+<file path=ppt/slides/slide18.xml><?xml version="1.0" encoding="utf-8"?>
+<p:sld xmlns:a="http://schemas.openxmlformats.org/drawingml/2006/main" xmlns:r="http://schemas.openxmlformats.org/officeDocument/2006/relationships" xmlns:p="http://schemas.openxmlformats.org/presentationml/2006/main">
+  <p:cSld>
+    <p:spTree>
+      <p:nvGrpSpPr>
+        <p:cNvPr id="1" name=""/>
+        <p:cNvGrpSpPr/>
+        <p:nvPr/>
+      </p:nvGrpSpPr>
+      <p:grpSpPr>
+        <a:xfrm>
+          <a:off x="0" y="0"/>
+          <a:ext cx="0" cy="0"/>
+          <a:chOff x="0" y="0"/>
+          <a:chExt cx="0" cy="0"/>
+        </a:xfrm>
+      </p:grpSpPr>
+      <p:sp>
+        <p:nvSpPr>
+          <p:cNvPr id="2" name="Title 1"/>
+          <p:cNvSpPr>
+            <a:spLocks noGrp="1"/>
+          </p:cNvSpPr>
+          <p:nvPr>
+            <p:ph type="title"/>
+          </p:nvPr>
+        </p:nvSpPr>
+        <p:spPr/>
+        <p:txBody>
+          <a:bodyPr/>
+          <a:lstStyle/>
+          <a:p>
+            <a:r>
+              <a:rPr lang="en-US" dirty="0" err="1" smtClean="0"/>
+              <a:t>Complexitate</a:t>
+            </a:r>
+            <a:endParaRPr lang="en-US" dirty="0"/>
+          </a:p>
+        </p:txBody>
+      </p:sp>
+      <p:sp>
+        <p:nvSpPr>
+          <p:cNvPr id="3" name="Content Placeholder 2"/>
+          <p:cNvSpPr>
+            <a:spLocks noGrp="1"/>
+          </p:cNvSpPr>
+          <p:nvPr>
+            <p:ph idx="1"/>
+          </p:nvPr>
+        </p:nvSpPr>
+        <p:spPr/>
+        <p:txBody>
+          <a:bodyPr/>
+          <a:lstStyle/>
+          <a:p>
+            <a:r>
+              <a:rPr lang="en-US" dirty="0" err="1" smtClean="0"/>
+              <a:t>Datorită</a:t>
+            </a:r>
+            <a:r>
+              <a:rPr lang="en-US" dirty="0" smtClean="0"/>
+              <a:t> </a:t>
+            </a:r>
+            <a:r>
+              <a:rPr lang="en-US" dirty="0" err="1" smtClean="0"/>
+              <a:t>alegerii</a:t>
+            </a:r>
+            <a:r>
+              <a:rPr lang="en-US" dirty="0" smtClean="0"/>
+              <a:t> random a </a:t>
+            </a:r>
+            <a:r>
+              <a:rPr lang="en-US" dirty="0" err="1" smtClean="0"/>
+              <a:t>priorităților</a:t>
+            </a:r>
+            <a:r>
+              <a:rPr lang="en-US" dirty="0" smtClean="0"/>
+              <a:t>, </a:t>
+            </a:r>
+            <a:r>
+              <a:rPr lang="en-US" dirty="0" err="1" smtClean="0"/>
+              <a:t>inserarea</a:t>
+            </a:r>
+            <a:r>
+              <a:rPr lang="en-US" dirty="0" smtClean="0"/>
+              <a:t> </a:t>
+            </a:r>
+            <a:r>
+              <a:rPr lang="en-US" dirty="0" err="1" smtClean="0"/>
+              <a:t>și</a:t>
+            </a:r>
+            <a:r>
+              <a:rPr lang="en-US" dirty="0" smtClean="0"/>
+              <a:t> </a:t>
+            </a:r>
+            <a:r>
+              <a:rPr lang="en-US" dirty="0" err="1" smtClean="0"/>
+              <a:t>stergerea</a:t>
+            </a:r>
+            <a:r>
+              <a:rPr lang="en-US" dirty="0" smtClean="0"/>
+              <a:t> au </a:t>
+            </a:r>
+            <a:r>
+              <a:rPr lang="en-US" dirty="0" err="1" smtClean="0"/>
+              <a:t>loc</a:t>
+            </a:r>
+            <a:r>
+              <a:rPr lang="en-US" dirty="0" smtClean="0"/>
+              <a:t> in O(</a:t>
+            </a:r>
+            <a:r>
+              <a:rPr lang="en-US" dirty="0" err="1" smtClean="0"/>
+              <a:t>logN</a:t>
+            </a:r>
+            <a:r>
+              <a:rPr lang="en-US" dirty="0" smtClean="0"/>
+              <a:t>), N – </a:t>
+            </a:r>
+            <a:r>
+              <a:rPr lang="en-US" dirty="0" err="1" smtClean="0"/>
+              <a:t>numărul</a:t>
+            </a:r>
+            <a:r>
+              <a:rPr lang="en-US" dirty="0" smtClean="0"/>
+              <a:t> de </a:t>
+            </a:r>
+            <a:r>
+              <a:rPr lang="en-US" dirty="0" err="1" smtClean="0"/>
+              <a:t>noduri</a:t>
+            </a:r>
+            <a:r>
+              <a:rPr lang="en-US" dirty="0" smtClean="0"/>
+              <a:t> din arbore</a:t>
+            </a:r>
+          </a:p>
+          <a:p>
+            <a:r>
+              <a:rPr lang="en-US" dirty="0" err="1" smtClean="0"/>
+              <a:t>Numărul</a:t>
+            </a:r>
+            <a:r>
+              <a:rPr lang="en-US" dirty="0" smtClean="0"/>
+              <a:t> </a:t>
+            </a:r>
+            <a:r>
+              <a:rPr lang="en-US" dirty="0" err="1" smtClean="0"/>
+              <a:t>așteptat</a:t>
+            </a:r>
+            <a:r>
+              <a:rPr lang="en-US" dirty="0" smtClean="0"/>
+              <a:t> de </a:t>
+            </a:r>
+            <a:r>
+              <a:rPr lang="en-US" dirty="0" err="1" smtClean="0"/>
+              <a:t>rotații</a:t>
+            </a:r>
+            <a:r>
+              <a:rPr lang="en-US" dirty="0" smtClean="0"/>
+              <a:t> </a:t>
+            </a:r>
+            <a:r>
+              <a:rPr lang="en-US" dirty="0" err="1" smtClean="0"/>
+              <a:t>într</a:t>
+            </a:r>
+            <a:r>
+              <a:rPr lang="en-US" dirty="0" smtClean="0"/>
+              <a:t>-o </a:t>
+            </a:r>
+            <a:r>
+              <a:rPr lang="en-US" dirty="0" err="1" smtClean="0"/>
+              <a:t>inserare</a:t>
+            </a:r>
+            <a:r>
+              <a:rPr lang="en-US" dirty="0" smtClean="0"/>
+              <a:t> </a:t>
+            </a:r>
+            <a:r>
+              <a:rPr lang="en-US" dirty="0" err="1" smtClean="0"/>
+              <a:t>este</a:t>
+            </a:r>
+            <a:r>
+              <a:rPr lang="en-US" dirty="0" smtClean="0"/>
+              <a:t> O(1)</a:t>
+            </a:r>
+          </a:p>
+          <a:p>
+            <a:r>
+              <a:rPr lang="en-US" dirty="0" err="1" smtClean="0"/>
+              <a:t>Demonstrație</a:t>
+            </a:r>
+            <a:r>
+              <a:rPr lang="en-US" dirty="0" smtClean="0"/>
+              <a:t>:</a:t>
+            </a:r>
+          </a:p>
+          <a:p>
+            <a:pPr lvl="1"/>
+            <a:r>
+              <a:rPr lang="en-US" dirty="0" err="1" smtClean="0"/>
+              <a:t>Depășeste</a:t>
+            </a:r>
+            <a:r>
+              <a:rPr lang="en-US" dirty="0" smtClean="0"/>
+              <a:t> </a:t>
+            </a:r>
+            <a:r>
+              <a:rPr lang="en-US" dirty="0" err="1" smtClean="0"/>
+              <a:t>scopul</a:t>
+            </a:r>
+            <a:r>
+              <a:rPr lang="en-US" dirty="0" smtClean="0"/>
+              <a:t> </a:t>
+            </a:r>
+            <a:r>
+              <a:rPr lang="en-US" dirty="0" err="1" smtClean="0"/>
+              <a:t>cursului</a:t>
+            </a:r>
+            <a:r>
+              <a:rPr lang="en-US" dirty="0" smtClean="0"/>
+              <a:t> :)</a:t>
+            </a:r>
+          </a:p>
+          <a:p>
+            <a:pPr lvl="1"/>
+            <a:r>
+              <a:rPr lang="en-US" dirty="0" smtClean="0"/>
+              <a:t>Dar se </a:t>
+            </a:r>
+            <a:r>
+              <a:rPr lang="en-US" dirty="0" err="1" smtClean="0"/>
+              <a:t>poate</a:t>
+            </a:r>
+            <a:r>
+              <a:rPr lang="en-US" dirty="0" smtClean="0"/>
+              <a:t> </a:t>
+            </a:r>
+            <a:r>
+              <a:rPr lang="en-US" dirty="0" err="1" smtClean="0"/>
+              <a:t>găsi</a:t>
+            </a:r>
+            <a:r>
+              <a:rPr lang="en-US" dirty="0" smtClean="0"/>
+              <a:t> la [1]</a:t>
+            </a:r>
+            <a:endParaRPr lang="en-US" dirty="0"/>
+          </a:p>
+        </p:txBody>
+      </p:sp>
+      <p:sp>
+        <p:nvSpPr>
+          <p:cNvPr id="4" name="Date Placeholder 3"/>
+          <p:cNvSpPr>
+            <a:spLocks noGrp="1"/>
+          </p:cNvSpPr>
+          <p:nvPr>
+            <p:ph type="dt" sz="half" idx="10"/>
+          </p:nvPr>
+        </p:nvSpPr>
+        <p:spPr/>
+        <p:txBody>
+          <a:bodyPr/>
+          <a:lstStyle/>
+          <a:p>
+            <a:r>
+              <a:rPr lang="en-US" smtClean="0"/>
+              <a:t>6 mai 2014</a:t>
+            </a:r>
+            <a:endParaRPr lang="en-US"/>
+          </a:p>
+        </p:txBody>
+      </p:sp>
+      <p:sp>
+        <p:nvSpPr>
+          <p:cNvPr id="5" name="Footer Placeholder 4"/>
+          <p:cNvSpPr>
+            <a:spLocks noGrp="1"/>
+          </p:cNvSpPr>
+          <p:nvPr>
+            <p:ph type="ftr" sz="quarter" idx="11"/>
+          </p:nvPr>
+        </p:nvSpPr>
+        <p:spPr/>
+        <p:txBody>
+          <a:bodyPr/>
+          <a:lstStyle/>
+          <a:p>
+            <a:r>
+              <a:rPr lang="en-US" smtClean="0"/>
+              <a:t>Curs 11 - Treap-uri</a:t>
+            </a:r>
+            <a:endParaRPr lang="en-US"/>
+          </a:p>
+        </p:txBody>
+      </p:sp>
+      <p:sp>
+        <p:nvSpPr>
+          <p:cNvPr id="6" name="Slide Number Placeholder 5"/>
+          <p:cNvSpPr>
+            <a:spLocks noGrp="1"/>
+          </p:cNvSpPr>
+          <p:nvPr>
+            <p:ph type="sldNum" sz="quarter" idx="12"/>
+          </p:nvPr>
+        </p:nvSpPr>
+        <p:spPr/>
+        <p:txBody>
+          <a:bodyPr/>
+          <a:lstStyle/>
+          <a:p>
+            <a:fld id="{32700B58-0F6D-B04A-BA00-FEC84FEE7A82}" type="slidenum">
+              <a:rPr lang="en-US" smtClean="0"/>
+              <a:t>18</a:t>
+            </a:fld>
+            <a:endParaRPr lang="en-US"/>
+          </a:p>
+        </p:txBody>
+      </p:sp>
+    </p:spTree>
+    <p:extLst>
+      <p:ext uri="{BB962C8B-B14F-4D97-AF65-F5344CB8AC3E}">
+        <p14:creationId xmlns:p14="http://schemas.microsoft.com/office/powerpoint/2010/main" val="2597906410"/>
+      </p:ext>
+    </p:extLst>
+  </p:cSld>
+  <p:clrMapOvr>
+    <a:masterClrMapping/>
+  </p:clrMapOvr>
+  <p:timing>
+    <p:tnLst>
+      <p:par>
+        <p:cTn xmlns:p14="http://schemas.microsoft.com/office/powerpoint/2010/main" id="1" dur="indefinite" restart="never" nodeType="tmRoot"/>
+      </p:par>
+    </p:tnLst>
+  </p:timing>
+</p:sld>
+</file>
+
+<file path=ppt/slides/slide19.xml><?xml version="1.0" encoding="utf-8"?>
+<p:sld xmlns:a="http://schemas.openxmlformats.org/drawingml/2006/main" xmlns:r="http://schemas.openxmlformats.org/officeDocument/2006/relationships" xmlns:p="http://schemas.openxmlformats.org/presentationml/2006/main">
+  <p:cSld>
+    <p:spTree>
+      <p:nvGrpSpPr>
+        <p:cNvPr id="1" name=""/>
+        <p:cNvGrpSpPr/>
+        <p:nvPr/>
+      </p:nvGrpSpPr>
+      <p:grpSpPr>
+        <a:xfrm>
+          <a:off x="0" y="0"/>
+          <a:ext cx="0" cy="0"/>
+          <a:chOff x="0" y="0"/>
+          <a:chExt cx="0" cy="0"/>
+        </a:xfrm>
+      </p:grpSpPr>
+      <p:sp>
+        <p:nvSpPr>
+          <p:cNvPr id="2" name="Title 1"/>
+          <p:cNvSpPr>
+            <a:spLocks noGrp="1"/>
+          </p:cNvSpPr>
+          <p:nvPr>
+            <p:ph type="title"/>
+          </p:nvPr>
+        </p:nvSpPr>
+        <p:spPr/>
+        <p:txBody>
+          <a:bodyPr/>
+          <a:lstStyle/>
+          <a:p>
+            <a:r>
+              <a:rPr lang="en-US" dirty="0" err="1" smtClean="0"/>
+              <a:t>Alte</a:t>
+            </a:r>
+            <a:r>
+              <a:rPr lang="en-US" dirty="0" smtClean="0"/>
+              <a:t> </a:t>
+            </a:r>
+            <a:r>
+              <a:rPr lang="en-US" dirty="0" err="1" smtClean="0"/>
+              <a:t>operații</a:t>
+            </a:r>
+            <a:r>
+              <a:rPr lang="en-US" dirty="0" smtClean="0"/>
+              <a:t> </a:t>
+            </a:r>
+            <a:r>
+              <a:rPr lang="en-US" dirty="0" err="1" smtClean="0"/>
+              <a:t>posibile</a:t>
+            </a:r>
+            <a:endParaRPr lang="en-US" dirty="0"/>
+          </a:p>
+        </p:txBody>
+      </p:sp>
+      <p:sp>
+        <p:nvSpPr>
+          <p:cNvPr id="3" name="Content Placeholder 2"/>
+          <p:cNvSpPr>
+            <a:spLocks noGrp="1"/>
+          </p:cNvSpPr>
+          <p:nvPr>
+            <p:ph idx="1"/>
+          </p:nvPr>
+        </p:nvSpPr>
+        <p:spPr/>
+        <p:txBody>
+          <a:bodyPr/>
+          <a:lstStyle/>
+          <a:p>
+            <a:endParaRPr lang="en-US" dirty="0" smtClean="0"/>
+          </a:p>
+          <a:p>
+            <a:endParaRPr lang="en-US" dirty="0"/>
+          </a:p>
+          <a:p>
+            <a:r>
+              <a:rPr lang="en-US" dirty="0" err="1" smtClean="0"/>
+              <a:t>Găsire</a:t>
+            </a:r>
+            <a:r>
+              <a:rPr lang="en-US" dirty="0" smtClean="0"/>
+              <a:t> element </a:t>
+            </a:r>
+            <a:r>
+              <a:rPr lang="en-US" dirty="0" err="1" smtClean="0"/>
+              <a:t>cheie</a:t>
+            </a:r>
+            <a:r>
+              <a:rPr lang="en-US" dirty="0" smtClean="0"/>
+              <a:t> minima</a:t>
+            </a:r>
+          </a:p>
+          <a:p>
+            <a:r>
+              <a:rPr lang="en-US" dirty="0" err="1" smtClean="0"/>
+              <a:t>Găsire</a:t>
+            </a:r>
+            <a:r>
+              <a:rPr lang="en-US" dirty="0" smtClean="0"/>
+              <a:t> element </a:t>
+            </a:r>
+            <a:r>
+              <a:rPr lang="en-US" dirty="0" err="1" smtClean="0"/>
+              <a:t>cheie</a:t>
+            </a:r>
+            <a:r>
+              <a:rPr lang="en-US" dirty="0" smtClean="0"/>
+              <a:t> </a:t>
+            </a:r>
+            <a:r>
+              <a:rPr lang="en-US" dirty="0" err="1" smtClean="0"/>
+              <a:t>maximă</a:t>
+            </a:r>
+            <a:endParaRPr lang="en-US" dirty="0" smtClean="0"/>
+          </a:p>
+          <a:p>
+            <a:r>
+              <a:rPr lang="en-US" dirty="0" err="1" smtClean="0"/>
+              <a:t>Găsirea</a:t>
+            </a:r>
+            <a:r>
+              <a:rPr lang="en-US" dirty="0" smtClean="0"/>
+              <a:t> </a:t>
+            </a:r>
+            <a:r>
+              <a:rPr lang="en-US" dirty="0" err="1" smtClean="0"/>
+              <a:t>celei</a:t>
+            </a:r>
+            <a:r>
+              <a:rPr lang="en-US" dirty="0" smtClean="0"/>
+              <a:t> de-a k-a </a:t>
+            </a:r>
+            <a:r>
+              <a:rPr lang="en-US" dirty="0" err="1" smtClean="0"/>
+              <a:t>cheie</a:t>
+            </a:r>
+            <a:r>
+              <a:rPr lang="en-US" dirty="0" smtClean="0"/>
+              <a:t>, </a:t>
+            </a:r>
+            <a:r>
+              <a:rPr lang="en-US" dirty="0" err="1" smtClean="0"/>
+              <a:t>în</a:t>
+            </a:r>
+            <a:r>
+              <a:rPr lang="en-US" dirty="0" smtClean="0"/>
+              <a:t> </a:t>
+            </a:r>
+            <a:r>
+              <a:rPr lang="en-US" dirty="0" err="1" smtClean="0"/>
+              <a:t>ordine</a:t>
+            </a:r>
+            <a:r>
+              <a:rPr lang="en-US" dirty="0" smtClean="0"/>
+              <a:t> </a:t>
+            </a:r>
+            <a:r>
+              <a:rPr lang="en-US" dirty="0" err="1" smtClean="0"/>
+              <a:t>sortată</a:t>
+            </a:r>
+            <a:endParaRPr lang="en-US" dirty="0" smtClean="0"/>
+          </a:p>
+          <a:p>
+            <a:r>
+              <a:rPr lang="en-US" dirty="0" smtClean="0"/>
+              <a:t>Split</a:t>
+            </a:r>
+          </a:p>
+          <a:p>
+            <a:r>
+              <a:rPr lang="en-US" dirty="0" smtClean="0"/>
+              <a:t>Join</a:t>
+            </a:r>
+          </a:p>
+          <a:p>
+            <a:endParaRPr lang="en-US" dirty="0" smtClean="0"/>
+          </a:p>
+        </p:txBody>
+      </p:sp>
+      <p:sp>
+        <p:nvSpPr>
+          <p:cNvPr id="4" name="Date Placeholder 3"/>
+          <p:cNvSpPr>
+            <a:spLocks noGrp="1"/>
+          </p:cNvSpPr>
+          <p:nvPr>
+            <p:ph type="dt" sz="half" idx="10"/>
+          </p:nvPr>
+        </p:nvSpPr>
+        <p:spPr/>
+        <p:txBody>
+          <a:bodyPr/>
+          <a:lstStyle/>
+          <a:p>
+            <a:r>
+              <a:rPr lang="en-US" smtClean="0"/>
+              <a:t>6 mai 2014</a:t>
+            </a:r>
+            <a:endParaRPr lang="en-US"/>
+          </a:p>
+        </p:txBody>
+      </p:sp>
+      <p:sp>
+        <p:nvSpPr>
+          <p:cNvPr id="5" name="Footer Placeholder 4"/>
+          <p:cNvSpPr>
+            <a:spLocks noGrp="1"/>
+          </p:cNvSpPr>
+          <p:nvPr>
+            <p:ph type="ftr" sz="quarter" idx="11"/>
+          </p:nvPr>
+        </p:nvSpPr>
+        <p:spPr/>
+        <p:txBody>
+          <a:bodyPr/>
+          <a:lstStyle/>
+          <a:p>
+            <a:r>
+              <a:rPr lang="en-US" smtClean="0"/>
+              <a:t>Curs 11 - Treap-uri</a:t>
+            </a:r>
+            <a:endParaRPr lang="en-US"/>
+          </a:p>
+        </p:txBody>
+      </p:sp>
+      <p:sp>
+        <p:nvSpPr>
+          <p:cNvPr id="6" name="Slide Number Placeholder 5"/>
+          <p:cNvSpPr>
+            <a:spLocks noGrp="1"/>
+          </p:cNvSpPr>
+          <p:nvPr>
+            <p:ph type="sldNum" sz="quarter" idx="12"/>
+          </p:nvPr>
+        </p:nvSpPr>
+        <p:spPr/>
+        <p:txBody>
+          <a:bodyPr/>
+          <a:lstStyle/>
+          <a:p>
+            <a:fld id="{32700B58-0F6D-B04A-BA00-FEC84FEE7A82}" type="slidenum">
+              <a:rPr lang="en-US" smtClean="0"/>
+              <a:t>19</a:t>
+            </a:fld>
+            <a:endParaRPr lang="en-US"/>
+          </a:p>
+        </p:txBody>
+      </p:sp>
+    </p:spTree>
+    <p:extLst>
+      <p:ext uri="{BB962C8B-B14F-4D97-AF65-F5344CB8AC3E}">
+        <p14:creationId xmlns:p14="http://schemas.microsoft.com/office/powerpoint/2010/main" val="1916091075"/>
+      </p:ext>
+    </p:extLst>
+  </p:cSld>
+  <p:clrMapOvr>
+    <a:masterClrMapping/>
+  </p:clrMapOvr>
+  <p:timing>
+    <p:tnLst>
+      <p:par>
+        <p:cTn xmlns:p14="http://schemas.microsoft.com/office/powerpoint/2010/main" id="1" dur="indefinite" restart="never" nodeType="tmRoot"/>
+      </p:par>
+    </p:tnLst>
+  </p:timing>
 </p:sld>
 </file>
 
@@ -3946,10 +6518,18 @@
         </p:spPr>
         <p:txBody>
           <a:bodyPr>
-            <a:normAutofit fontScale="90000"/>
+            <a:normAutofit/>
           </a:bodyPr>
           <a:lstStyle/>
           <a:p>
+            <a:r>
+              <a:rPr lang="en-US" dirty="0" err="1" smtClean="0"/>
+              <a:t>Recapitulare</a:t>
+            </a:r>
+            <a:r>
+              <a:rPr lang="en-US" dirty="0" smtClean="0"/>
+              <a:t> BST</a:t>
+            </a:r>
             <a:endParaRPr lang="en-US" dirty="0"/>
           </a:p>
         </p:txBody>
@@ -3969,7 +6549,217 @@
           <a:bodyPr/>
           <a:lstStyle/>
           <a:p>
-            <a:endParaRPr lang="en-US"/>
+            <a:r>
+              <a:rPr lang="en-US" dirty="0" err="1" smtClean="0"/>
+              <a:t>Chei</a:t>
+            </a:r>
+            <a:r>
+              <a:rPr lang="en-US" dirty="0" smtClean="0"/>
+              <a:t> </a:t>
+            </a:r>
+            <a:r>
+              <a:rPr lang="en-US" dirty="0" err="1" smtClean="0"/>
+              <a:t>stocate</a:t>
+            </a:r>
+            <a:r>
+              <a:rPr lang="en-US" dirty="0" smtClean="0"/>
+              <a:t> </a:t>
+            </a:r>
+            <a:r>
+              <a:rPr lang="en-US" dirty="0" err="1" smtClean="0"/>
+              <a:t>în</a:t>
+            </a:r>
+            <a:r>
+              <a:rPr lang="en-US" dirty="0" smtClean="0"/>
+              <a:t> </a:t>
+            </a:r>
+            <a:r>
+              <a:rPr lang="en-US" dirty="0" err="1" smtClean="0"/>
+              <a:t>noduri</a:t>
+            </a:r>
+            <a:endParaRPr lang="en-US" dirty="0"/>
+          </a:p>
+          <a:p>
+            <a:r>
+              <a:rPr lang="en-US" dirty="0" err="1" smtClean="0"/>
+              <a:t>Cheia</a:t>
+            </a:r>
+            <a:r>
+              <a:rPr lang="en-US" dirty="0" smtClean="0"/>
+              <a:t> </a:t>
+            </a:r>
+            <a:r>
+              <a:rPr lang="en-US" dirty="0" err="1" smtClean="0"/>
+              <a:t>unui</a:t>
+            </a:r>
+            <a:r>
+              <a:rPr lang="en-US" dirty="0" smtClean="0"/>
+              <a:t> nod </a:t>
+            </a:r>
+            <a:r>
+              <a:rPr lang="en-US" dirty="0" err="1" smtClean="0"/>
+              <a:t>este</a:t>
+            </a:r>
+            <a:r>
+              <a:rPr lang="en-US" dirty="0" smtClean="0"/>
+              <a:t>:</a:t>
+            </a:r>
+          </a:p>
+          <a:p>
+            <a:pPr lvl="1"/>
+            <a:r>
+              <a:rPr lang="en-US" dirty="0" err="1" smtClean="0"/>
+              <a:t>mai</a:t>
+            </a:r>
+            <a:r>
+              <a:rPr lang="en-US" dirty="0" smtClean="0"/>
+              <a:t> mare </a:t>
+            </a:r>
+            <a:r>
+              <a:rPr lang="en-US" dirty="0" err="1" smtClean="0"/>
+              <a:t>dec</a:t>
+            </a:r>
+            <a:r>
+              <a:rPr lang="en-US" dirty="0" err="1" smtClean="0"/>
+              <a:t>at</a:t>
+            </a:r>
+            <a:r>
+              <a:rPr lang="en-US" dirty="0" smtClean="0"/>
+              <a:t> </a:t>
+            </a:r>
+            <a:r>
+              <a:rPr lang="en-US" dirty="0" err="1" smtClean="0"/>
+              <a:t>cheile</a:t>
+            </a:r>
+            <a:r>
+              <a:rPr lang="en-US" dirty="0" smtClean="0"/>
+              <a:t> </a:t>
+            </a:r>
+            <a:r>
+              <a:rPr lang="en-US" dirty="0" err="1" smtClean="0"/>
+              <a:t>nodurilor</a:t>
+            </a:r>
+            <a:r>
+              <a:rPr lang="en-US" dirty="0" smtClean="0"/>
+              <a:t> din </a:t>
+            </a:r>
+            <a:r>
+              <a:rPr lang="en-US" dirty="0" err="1" smtClean="0"/>
+              <a:t>subarborele</a:t>
+            </a:r>
+            <a:r>
+              <a:rPr lang="en-US" dirty="0" smtClean="0"/>
+              <a:t> </a:t>
+            </a:r>
+            <a:r>
+              <a:rPr lang="en-US" dirty="0" err="1" smtClean="0"/>
+              <a:t>stang</a:t>
+            </a:r>
+            <a:endParaRPr lang="en-US" dirty="0" smtClean="0"/>
+          </a:p>
+          <a:p>
+            <a:pPr lvl="1"/>
+            <a:r>
+              <a:rPr lang="en-US" dirty="0" smtClean="0"/>
+              <a:t>Mai mica </a:t>
+            </a:r>
+            <a:r>
+              <a:rPr lang="en-US" dirty="0" err="1" smtClean="0"/>
+              <a:t>decat</a:t>
+            </a:r>
+            <a:r>
+              <a:rPr lang="en-US" dirty="0" smtClean="0"/>
+              <a:t> </a:t>
+            </a:r>
+            <a:r>
+              <a:rPr lang="en-US" dirty="0" err="1" smtClean="0"/>
+              <a:t>cheile</a:t>
+            </a:r>
+            <a:r>
+              <a:rPr lang="en-US" dirty="0" smtClean="0"/>
+              <a:t> </a:t>
+            </a:r>
+            <a:r>
+              <a:rPr lang="en-US" dirty="0" err="1" smtClean="0"/>
+              <a:t>noduilor</a:t>
+            </a:r>
+            <a:r>
+              <a:rPr lang="en-US" dirty="0" smtClean="0"/>
+              <a:t> din </a:t>
+            </a:r>
+            <a:r>
+              <a:rPr lang="en-US" dirty="0" err="1" smtClean="0"/>
+              <a:t>subarborele</a:t>
+            </a:r>
+            <a:r>
+              <a:rPr lang="en-US" dirty="0" smtClean="0"/>
+              <a:t> </a:t>
+            </a:r>
+            <a:r>
+              <a:rPr lang="en-US" dirty="0" err="1" smtClean="0"/>
+              <a:t>drept</a:t>
+            </a:r>
+            <a:endParaRPr lang="en-US" dirty="0" smtClean="0"/>
+          </a:p>
+          <a:p>
+            <a:r>
+              <a:rPr lang="en-US" dirty="0" err="1" smtClean="0"/>
+              <a:t>Operatii</a:t>
+            </a:r>
+            <a:endParaRPr lang="en-US" dirty="0" smtClean="0"/>
+          </a:p>
+          <a:p>
+            <a:pPr lvl="1"/>
+            <a:r>
+              <a:rPr lang="en-US" dirty="0" err="1" smtClean="0"/>
+              <a:t>Inserare</a:t>
+            </a:r>
+            <a:r>
+              <a:rPr lang="en-US" dirty="0" smtClean="0"/>
+              <a:t>, </a:t>
+            </a:r>
+            <a:r>
+              <a:rPr lang="en-US" dirty="0" err="1" smtClean="0"/>
+              <a:t>stergere</a:t>
+            </a:r>
+            <a:r>
+              <a:rPr lang="en-US" dirty="0" smtClean="0"/>
+              <a:t>, </a:t>
+            </a:r>
+            <a:r>
+              <a:rPr lang="en-US" dirty="0" err="1" smtClean="0"/>
+              <a:t>gasire</a:t>
+            </a:r>
+            <a:r>
+              <a:rPr lang="en-US" dirty="0" smtClean="0"/>
+              <a:t> maxim, </a:t>
+            </a:r>
+            <a:r>
+              <a:rPr lang="en-US" dirty="0" err="1" smtClean="0"/>
+              <a:t>gasire</a:t>
+            </a:r>
+            <a:r>
+              <a:rPr lang="en-US" dirty="0" smtClean="0"/>
+              <a:t> minim</a:t>
+            </a:r>
+          </a:p>
+          <a:p>
+            <a:pPr lvl="1"/>
+            <a:r>
+              <a:rPr lang="en-US" dirty="0" smtClean="0"/>
+              <a:t>O(</a:t>
+            </a:r>
+            <a:r>
+              <a:rPr lang="en-US" dirty="0" err="1" smtClean="0"/>
+              <a:t>adancime_arbore</a:t>
+            </a:r>
+            <a:r>
+              <a:rPr lang="en-US" dirty="0" smtClean="0"/>
+              <a:t>)</a:t>
+            </a:r>
+          </a:p>
+          <a:p>
+            <a:endParaRPr lang="en-US" dirty="0" smtClean="0"/>
           </a:p>
         </p:txBody>
       </p:sp>
@@ -4052,6 +6842,2542 @@
   <p:clrMapOvr>
     <a:masterClrMapping/>
   </p:clrMapOvr>
+  <p:timing>
+    <p:tnLst>
+      <p:par>
+        <p:cTn xmlns:p14="http://schemas.microsoft.com/office/powerpoint/2010/main" id="1" dur="indefinite" restart="never" nodeType="tmRoot"/>
+      </p:par>
+    </p:tnLst>
+  </p:timing>
+</p:sld>
+</file>
+
+<file path=ppt/slides/slide20.xml><?xml version="1.0" encoding="utf-8"?>
+<p:sld xmlns:a="http://schemas.openxmlformats.org/drawingml/2006/main" xmlns:r="http://schemas.openxmlformats.org/officeDocument/2006/relationships" xmlns:p="http://schemas.openxmlformats.org/presentationml/2006/main">
+  <p:cSld>
+    <p:spTree>
+      <p:nvGrpSpPr>
+        <p:cNvPr id="1" name=""/>
+        <p:cNvGrpSpPr/>
+        <p:nvPr/>
+      </p:nvGrpSpPr>
+      <p:grpSpPr>
+        <a:xfrm>
+          <a:off x="0" y="0"/>
+          <a:ext cx="0" cy="0"/>
+          <a:chOff x="0" y="0"/>
+          <a:chExt cx="0" cy="0"/>
+        </a:xfrm>
+      </p:grpSpPr>
+      <p:sp>
+        <p:nvSpPr>
+          <p:cNvPr id="2" name="Title 1"/>
+          <p:cNvSpPr>
+            <a:spLocks noGrp="1"/>
+          </p:cNvSpPr>
+          <p:nvPr>
+            <p:ph type="title"/>
+          </p:nvPr>
+        </p:nvSpPr>
+        <p:spPr/>
+        <p:txBody>
+          <a:bodyPr>
+            <a:normAutofit fontScale="90000"/>
+          </a:bodyPr>
+          <a:lstStyle/>
+          <a:p>
+            <a:r>
+              <a:rPr lang="en-US" dirty="0" smtClean="0"/>
+              <a:t>Demo: </a:t>
+            </a:r>
+            <a:r>
+              <a:rPr lang="en-US" dirty="0" err="1" smtClean="0"/>
+              <a:t>comparație</a:t>
+            </a:r>
+            <a:r>
+              <a:rPr lang="en-US" dirty="0" smtClean="0"/>
+              <a:t> </a:t>
+            </a:r>
+            <a:r>
+              <a:rPr lang="en-US" dirty="0" err="1" smtClean="0"/>
+              <a:t>alți</a:t>
+            </a:r>
+            <a:r>
+              <a:rPr lang="en-US" dirty="0"/>
+              <a:t/>
+            </a:r>
+            <a:br>
+              <a:rPr lang="en-US" dirty="0"/>
+            </a:br>
+            <a:r>
+              <a:rPr lang="en-US" dirty="0" err="1" smtClean="0"/>
+              <a:t>arbori</a:t>
+            </a:r>
+            <a:r>
+              <a:rPr lang="en-US" dirty="0" smtClean="0"/>
+              <a:t> de </a:t>
+            </a:r>
+            <a:r>
+              <a:rPr lang="en-US" dirty="0" err="1" smtClean="0"/>
+              <a:t>căutare</a:t>
+            </a:r>
+            <a:endParaRPr lang="en-US" dirty="0"/>
+          </a:p>
+        </p:txBody>
+      </p:sp>
+      <p:sp>
+        <p:nvSpPr>
+          <p:cNvPr id="3" name="Content Placeholder 2"/>
+          <p:cNvSpPr>
+            <a:spLocks noGrp="1"/>
+          </p:cNvSpPr>
+          <p:nvPr>
+            <p:ph idx="1"/>
+          </p:nvPr>
+        </p:nvSpPr>
+        <p:spPr/>
+        <p:txBody>
+          <a:bodyPr/>
+          <a:lstStyle/>
+          <a:p>
+            <a:r>
+              <a:rPr lang="en-US" dirty="0" smtClean="0"/>
+              <a:t>Standard BST</a:t>
+            </a:r>
+          </a:p>
+          <a:p>
+            <a:r>
+              <a:rPr lang="en-US" dirty="0" smtClean="0"/>
+              <a:t>Augmented BST</a:t>
+            </a:r>
+          </a:p>
+          <a:p>
+            <a:pPr lvl="1"/>
+            <a:r>
+              <a:rPr lang="en-US" dirty="0" smtClean="0"/>
+              <a:t>La </a:t>
+            </a:r>
+            <a:r>
+              <a:rPr lang="en-US" dirty="0" err="1" smtClean="0"/>
+              <a:t>ștergere</a:t>
+            </a:r>
+            <a:r>
+              <a:rPr lang="en-US" dirty="0" smtClean="0"/>
+              <a:t>, un nod e </a:t>
+            </a:r>
+            <a:r>
+              <a:rPr lang="en-US" dirty="0" err="1" smtClean="0"/>
+              <a:t>înlocuit</a:t>
+            </a:r>
+            <a:r>
+              <a:rPr lang="en-US" dirty="0" smtClean="0"/>
+              <a:t> cu </a:t>
+            </a:r>
+            <a:r>
+              <a:rPr lang="en-US" dirty="0" err="1" smtClean="0"/>
+              <a:t>cel</a:t>
+            </a:r>
+            <a:r>
+              <a:rPr lang="en-US" dirty="0" smtClean="0"/>
+              <a:t> </a:t>
+            </a:r>
+            <a:r>
+              <a:rPr lang="en-US" dirty="0" err="1" smtClean="0"/>
+              <a:t>mai</a:t>
+            </a:r>
+            <a:r>
+              <a:rPr lang="en-US" dirty="0" smtClean="0"/>
+              <a:t> mare din </a:t>
+            </a:r>
+            <a:r>
+              <a:rPr lang="en-US" dirty="0" err="1" smtClean="0"/>
+              <a:t>subarborele</a:t>
+            </a:r>
+            <a:r>
+              <a:rPr lang="en-US" dirty="0" smtClean="0"/>
+              <a:t> </a:t>
+            </a:r>
+            <a:r>
+              <a:rPr lang="en-US" dirty="0" err="1" smtClean="0"/>
+              <a:t>stâng</a:t>
+            </a:r>
+            <a:r>
+              <a:rPr lang="en-US" dirty="0" smtClean="0"/>
+              <a:t> </a:t>
+            </a:r>
+            <a:r>
+              <a:rPr lang="en-US" dirty="0" err="1" smtClean="0"/>
+              <a:t>sau</a:t>
+            </a:r>
+            <a:r>
+              <a:rPr lang="en-US" dirty="0" smtClean="0"/>
+              <a:t> </a:t>
+            </a:r>
+            <a:r>
+              <a:rPr lang="en-US" dirty="0" err="1" smtClean="0"/>
+              <a:t>cel</a:t>
+            </a:r>
+            <a:r>
+              <a:rPr lang="en-US" dirty="0" smtClean="0"/>
+              <a:t> </a:t>
+            </a:r>
+            <a:r>
+              <a:rPr lang="en-US" dirty="0" err="1" smtClean="0"/>
+              <a:t>mai</a:t>
+            </a:r>
+            <a:r>
+              <a:rPr lang="en-US" dirty="0" smtClean="0"/>
+              <a:t> </a:t>
+            </a:r>
+            <a:r>
+              <a:rPr lang="en-US" dirty="0" err="1" smtClean="0"/>
+              <a:t>mic</a:t>
+            </a:r>
+            <a:r>
+              <a:rPr lang="en-US" dirty="0" smtClean="0"/>
+              <a:t> din </a:t>
+            </a:r>
+            <a:r>
+              <a:rPr lang="en-US" dirty="0" err="1" smtClean="0"/>
+              <a:t>subarborele</a:t>
+            </a:r>
+            <a:r>
+              <a:rPr lang="en-US" dirty="0" smtClean="0"/>
+              <a:t> </a:t>
+            </a:r>
+            <a:r>
+              <a:rPr lang="en-US" dirty="0" err="1" smtClean="0"/>
+              <a:t>drept</a:t>
+            </a:r>
+            <a:endParaRPr lang="en-US" dirty="0" smtClean="0"/>
+          </a:p>
+          <a:p>
+            <a:r>
+              <a:rPr lang="en-US" dirty="0" smtClean="0"/>
+              <a:t>Global rebuilding BST</a:t>
+            </a:r>
+          </a:p>
+          <a:p>
+            <a:pPr lvl="1"/>
+            <a:r>
+              <a:rPr lang="en-US" dirty="0" err="1" smtClean="0"/>
+              <a:t>Dacă</a:t>
+            </a:r>
+            <a:r>
+              <a:rPr lang="en-US" dirty="0" smtClean="0"/>
+              <a:t> </a:t>
+            </a:r>
+            <a:r>
+              <a:rPr lang="en-US" dirty="0" err="1" smtClean="0"/>
+              <a:t>înălțimea</a:t>
+            </a:r>
+            <a:r>
+              <a:rPr lang="en-US" dirty="0" smtClean="0"/>
+              <a:t> </a:t>
+            </a:r>
+            <a:r>
+              <a:rPr lang="en-US" dirty="0" err="1" smtClean="0"/>
+              <a:t>arborelui</a:t>
+            </a:r>
+            <a:r>
+              <a:rPr lang="en-US" dirty="0" smtClean="0"/>
+              <a:t> </a:t>
+            </a:r>
+            <a:r>
+              <a:rPr lang="en-US" dirty="0" err="1" smtClean="0"/>
+              <a:t>depășește</a:t>
+            </a:r>
+            <a:r>
+              <a:rPr lang="en-US" dirty="0" smtClean="0"/>
+              <a:t> o </a:t>
+            </a:r>
+            <a:r>
+              <a:rPr lang="en-US" dirty="0" err="1" smtClean="0"/>
+              <a:t>limită</a:t>
+            </a:r>
+            <a:r>
+              <a:rPr lang="en-US" dirty="0" smtClean="0"/>
+              <a:t>, se reface tot </a:t>
+            </a:r>
+            <a:r>
+              <a:rPr lang="en-US" dirty="0" err="1" smtClean="0"/>
+              <a:t>arborele</a:t>
+            </a:r>
+            <a:endParaRPr lang="en-US" dirty="0" smtClean="0"/>
+          </a:p>
+          <a:p>
+            <a:r>
+              <a:rPr lang="en-US" dirty="0" smtClean="0"/>
+              <a:t>Scapegoat Tree</a:t>
+            </a:r>
+          </a:p>
+          <a:p>
+            <a:pPr lvl="1"/>
+            <a:r>
+              <a:rPr lang="en-US" dirty="0" err="1" smtClean="0"/>
+              <a:t>Dacă</a:t>
+            </a:r>
+            <a:r>
+              <a:rPr lang="en-US" dirty="0" smtClean="0"/>
+              <a:t> </a:t>
+            </a:r>
+            <a:r>
+              <a:rPr lang="en-US" dirty="0" err="1" smtClean="0"/>
+              <a:t>înălțime</a:t>
+            </a:r>
+            <a:r>
+              <a:rPr lang="en-US" dirty="0" smtClean="0"/>
+              <a:t> </a:t>
+            </a:r>
+            <a:r>
+              <a:rPr lang="en-US" dirty="0" err="1" smtClean="0"/>
+              <a:t>arborelui</a:t>
+            </a:r>
+            <a:r>
+              <a:rPr lang="en-US" dirty="0" smtClean="0"/>
+              <a:t> </a:t>
+            </a:r>
+            <a:r>
+              <a:rPr lang="en-US" dirty="0" err="1" smtClean="0"/>
+              <a:t>depășește</a:t>
+            </a:r>
+            <a:r>
+              <a:rPr lang="en-US" dirty="0" smtClean="0"/>
+              <a:t> o </a:t>
+            </a:r>
+            <a:r>
+              <a:rPr lang="en-US" dirty="0" err="1" smtClean="0"/>
+              <a:t>limită</a:t>
+            </a:r>
+            <a:r>
+              <a:rPr lang="en-US" dirty="0" smtClean="0"/>
+              <a:t>, se reface un </a:t>
+            </a:r>
+            <a:r>
+              <a:rPr lang="en-US" dirty="0" err="1" smtClean="0"/>
+              <a:t>subarbore</a:t>
+            </a:r>
+            <a:r>
+              <a:rPr lang="en-US" dirty="0" smtClean="0"/>
+              <a:t> </a:t>
+            </a:r>
+          </a:p>
+        </p:txBody>
+      </p:sp>
+      <p:sp>
+        <p:nvSpPr>
+          <p:cNvPr id="4" name="Date Placeholder 3"/>
+          <p:cNvSpPr>
+            <a:spLocks noGrp="1"/>
+          </p:cNvSpPr>
+          <p:nvPr>
+            <p:ph type="dt" sz="half" idx="10"/>
+          </p:nvPr>
+        </p:nvSpPr>
+        <p:spPr/>
+        <p:txBody>
+          <a:bodyPr/>
+          <a:lstStyle/>
+          <a:p>
+            <a:r>
+              <a:rPr lang="en-US" smtClean="0"/>
+              <a:t>6 mai 2014</a:t>
+            </a:r>
+            <a:endParaRPr lang="en-US"/>
+          </a:p>
+        </p:txBody>
+      </p:sp>
+      <p:sp>
+        <p:nvSpPr>
+          <p:cNvPr id="5" name="Footer Placeholder 4"/>
+          <p:cNvSpPr>
+            <a:spLocks noGrp="1"/>
+          </p:cNvSpPr>
+          <p:nvPr>
+            <p:ph type="ftr" sz="quarter" idx="11"/>
+          </p:nvPr>
+        </p:nvSpPr>
+        <p:spPr/>
+        <p:txBody>
+          <a:bodyPr/>
+          <a:lstStyle/>
+          <a:p>
+            <a:r>
+              <a:rPr lang="en-US" smtClean="0"/>
+              <a:t>Curs 11 - Treap-uri</a:t>
+            </a:r>
+            <a:endParaRPr lang="en-US"/>
+          </a:p>
+        </p:txBody>
+      </p:sp>
+      <p:sp>
+        <p:nvSpPr>
+          <p:cNvPr id="6" name="Slide Number Placeholder 5"/>
+          <p:cNvSpPr>
+            <a:spLocks noGrp="1"/>
+          </p:cNvSpPr>
+          <p:nvPr>
+            <p:ph type="sldNum" sz="quarter" idx="12"/>
+          </p:nvPr>
+        </p:nvSpPr>
+        <p:spPr/>
+        <p:txBody>
+          <a:bodyPr/>
+          <a:lstStyle/>
+          <a:p>
+            <a:fld id="{32700B58-0F6D-B04A-BA00-FEC84FEE7A82}" type="slidenum">
+              <a:rPr lang="en-US" smtClean="0"/>
+              <a:t>20</a:t>
+            </a:fld>
+            <a:endParaRPr lang="en-US"/>
+          </a:p>
+        </p:txBody>
+      </p:sp>
+    </p:spTree>
+    <p:extLst>
+      <p:ext uri="{BB962C8B-B14F-4D97-AF65-F5344CB8AC3E}">
+        <p14:creationId xmlns:p14="http://schemas.microsoft.com/office/powerpoint/2010/main" val="3297183260"/>
+      </p:ext>
+    </p:extLst>
+  </p:cSld>
+  <p:clrMapOvr>
+    <a:masterClrMapping/>
+  </p:clrMapOvr>
+  <p:timing>
+    <p:tnLst>
+      <p:par>
+        <p:cTn xmlns:p14="http://schemas.microsoft.com/office/powerpoint/2010/main" id="1" dur="indefinite" restart="never" nodeType="tmRoot"/>
+      </p:par>
+    </p:tnLst>
+  </p:timing>
+</p:sld>
+</file>
+
+<file path=ppt/slides/slide3.xml><?xml version="1.0" encoding="utf-8"?>
+<p:sld xmlns:a="http://schemas.openxmlformats.org/drawingml/2006/main" xmlns:r="http://schemas.openxmlformats.org/officeDocument/2006/relationships" xmlns:p="http://schemas.openxmlformats.org/presentationml/2006/main">
+  <p:cSld>
+    <p:spTree>
+      <p:nvGrpSpPr>
+        <p:cNvPr id="1" name=""/>
+        <p:cNvGrpSpPr/>
+        <p:nvPr/>
+      </p:nvGrpSpPr>
+      <p:grpSpPr>
+        <a:xfrm>
+          <a:off x="0" y="0"/>
+          <a:ext cx="0" cy="0"/>
+          <a:chOff x="0" y="0"/>
+          <a:chExt cx="0" cy="0"/>
+        </a:xfrm>
+      </p:grpSpPr>
+      <p:sp>
+        <p:nvSpPr>
+          <p:cNvPr id="2" name="Title 1"/>
+          <p:cNvSpPr>
+            <a:spLocks noGrp="1"/>
+          </p:cNvSpPr>
+          <p:nvPr>
+            <p:ph type="title"/>
+          </p:nvPr>
+        </p:nvSpPr>
+        <p:spPr/>
+        <p:txBody>
+          <a:bodyPr/>
+          <a:lstStyle/>
+          <a:p>
+            <a:r>
+              <a:rPr lang="en-US" dirty="0" err="1" smtClean="0"/>
+              <a:t>Aplicatii</a:t>
+            </a:r>
+            <a:endParaRPr lang="en-US" dirty="0"/>
+          </a:p>
+        </p:txBody>
+      </p:sp>
+      <p:sp>
+        <p:nvSpPr>
+          <p:cNvPr id="3" name="Content Placeholder 2"/>
+          <p:cNvSpPr>
+            <a:spLocks noGrp="1"/>
+          </p:cNvSpPr>
+          <p:nvPr>
+            <p:ph idx="1"/>
+          </p:nvPr>
+        </p:nvSpPr>
+        <p:spPr/>
+        <p:txBody>
+          <a:bodyPr/>
+          <a:lstStyle/>
+          <a:p>
+            <a:endParaRPr lang="en-US" dirty="0" smtClean="0"/>
+          </a:p>
+          <a:p>
+            <a:endParaRPr lang="en-US" dirty="0"/>
+          </a:p>
+          <a:p>
+            <a:r>
+              <a:rPr lang="en-US" dirty="0" smtClean="0"/>
+              <a:t>Scheduler-</a:t>
+            </a:r>
+            <a:r>
+              <a:rPr lang="en-US" dirty="0" err="1" smtClean="0"/>
+              <a:t>ul</a:t>
+            </a:r>
+            <a:r>
+              <a:rPr lang="en-US" dirty="0" smtClean="0"/>
+              <a:t> de Linux kernel </a:t>
+            </a:r>
+            <a:r>
+              <a:rPr lang="en-US" dirty="0" err="1" smtClean="0"/>
+              <a:t>foloseste</a:t>
+            </a:r>
+            <a:r>
+              <a:rPr lang="en-US" dirty="0" smtClean="0"/>
+              <a:t> arbore </a:t>
+            </a:r>
+            <a:r>
+              <a:rPr lang="en-US" dirty="0" err="1" smtClean="0"/>
+              <a:t>rosu-negru</a:t>
+            </a:r>
+            <a:endParaRPr lang="en-US" dirty="0" smtClean="0"/>
+          </a:p>
+          <a:p>
+            <a:r>
+              <a:rPr lang="en-US" dirty="0" err="1" smtClean="0"/>
+              <a:t>Jocuri</a:t>
+            </a:r>
+            <a:r>
+              <a:rPr lang="en-US" dirty="0" smtClean="0"/>
+              <a:t> video – </a:t>
+            </a:r>
+            <a:r>
+              <a:rPr lang="en-US" dirty="0" err="1" smtClean="0"/>
+              <a:t>obiecte</a:t>
+            </a:r>
+            <a:r>
+              <a:rPr lang="en-US" dirty="0" smtClean="0"/>
+              <a:t> din plan care </a:t>
+            </a:r>
+            <a:r>
+              <a:rPr lang="en-US" dirty="0" err="1" smtClean="0"/>
+              <a:t>trebuie</a:t>
+            </a:r>
+            <a:r>
+              <a:rPr lang="en-US" dirty="0" smtClean="0"/>
+              <a:t> </a:t>
+            </a:r>
+            <a:r>
+              <a:rPr lang="en-US" dirty="0" err="1" smtClean="0"/>
+              <a:t>inserate</a:t>
+            </a:r>
+            <a:r>
+              <a:rPr lang="en-US" dirty="0" smtClean="0"/>
+              <a:t>, </a:t>
+            </a:r>
+            <a:r>
+              <a:rPr lang="en-US" dirty="0" err="1" smtClean="0"/>
+              <a:t>sterse</a:t>
+            </a:r>
+            <a:r>
+              <a:rPr lang="en-US" dirty="0" smtClean="0"/>
+              <a:t> </a:t>
+            </a:r>
+            <a:r>
+              <a:rPr lang="en-US" dirty="0" err="1" smtClean="0"/>
+              <a:t>si</a:t>
+            </a:r>
+            <a:r>
+              <a:rPr lang="en-US" dirty="0" smtClean="0"/>
+              <a:t> </a:t>
+            </a:r>
+            <a:r>
+              <a:rPr lang="en-US" dirty="0" err="1" smtClean="0"/>
+              <a:t>gasite</a:t>
+            </a:r>
+            <a:endParaRPr lang="en-US" dirty="0" smtClean="0"/>
+          </a:p>
+          <a:p>
+            <a:endParaRPr lang="en-US" dirty="0"/>
+          </a:p>
+        </p:txBody>
+      </p:sp>
+      <p:sp>
+        <p:nvSpPr>
+          <p:cNvPr id="4" name="Date Placeholder 3"/>
+          <p:cNvSpPr>
+            <a:spLocks noGrp="1"/>
+          </p:cNvSpPr>
+          <p:nvPr>
+            <p:ph type="dt" sz="half" idx="10"/>
+          </p:nvPr>
+        </p:nvSpPr>
+        <p:spPr/>
+        <p:txBody>
+          <a:bodyPr/>
+          <a:lstStyle/>
+          <a:p>
+            <a:r>
+              <a:rPr lang="en-US" smtClean="0"/>
+              <a:t>6 mai 2014</a:t>
+            </a:r>
+            <a:endParaRPr lang="en-US"/>
+          </a:p>
+        </p:txBody>
+      </p:sp>
+      <p:sp>
+        <p:nvSpPr>
+          <p:cNvPr id="5" name="Footer Placeholder 4"/>
+          <p:cNvSpPr>
+            <a:spLocks noGrp="1"/>
+          </p:cNvSpPr>
+          <p:nvPr>
+            <p:ph type="ftr" sz="quarter" idx="11"/>
+          </p:nvPr>
+        </p:nvSpPr>
+        <p:spPr/>
+        <p:txBody>
+          <a:bodyPr/>
+          <a:lstStyle/>
+          <a:p>
+            <a:r>
+              <a:rPr lang="en-US" smtClean="0"/>
+              <a:t>Curs 11 - Treap-uri</a:t>
+            </a:r>
+            <a:endParaRPr lang="en-US"/>
+          </a:p>
+        </p:txBody>
+      </p:sp>
+      <p:sp>
+        <p:nvSpPr>
+          <p:cNvPr id="6" name="Slide Number Placeholder 5"/>
+          <p:cNvSpPr>
+            <a:spLocks noGrp="1"/>
+          </p:cNvSpPr>
+          <p:nvPr>
+            <p:ph type="sldNum" sz="quarter" idx="12"/>
+          </p:nvPr>
+        </p:nvSpPr>
+        <p:spPr/>
+        <p:txBody>
+          <a:bodyPr/>
+          <a:lstStyle/>
+          <a:p>
+            <a:fld id="{32700B58-0F6D-B04A-BA00-FEC84FEE7A82}" type="slidenum">
+              <a:rPr lang="en-US" smtClean="0"/>
+              <a:t>3</a:t>
+            </a:fld>
+            <a:endParaRPr lang="en-US"/>
+          </a:p>
+        </p:txBody>
+      </p:sp>
+    </p:spTree>
+    <p:extLst>
+      <p:ext uri="{BB962C8B-B14F-4D97-AF65-F5344CB8AC3E}">
+        <p14:creationId xmlns:p14="http://schemas.microsoft.com/office/powerpoint/2010/main" val="3111338641"/>
+      </p:ext>
+    </p:extLst>
+  </p:cSld>
+  <p:clrMapOvr>
+    <a:masterClrMapping/>
+  </p:clrMapOvr>
+  <p:timing>
+    <p:tnLst>
+      <p:par>
+        <p:cTn xmlns:p14="http://schemas.microsoft.com/office/powerpoint/2010/main" id="1" dur="indefinite" restart="never" nodeType="tmRoot"/>
+      </p:par>
+    </p:tnLst>
+  </p:timing>
+</p:sld>
+</file>
+
+<file path=ppt/slides/slide4.xml><?xml version="1.0" encoding="utf-8"?>
+<p:sld xmlns:a="http://schemas.openxmlformats.org/drawingml/2006/main" xmlns:r="http://schemas.openxmlformats.org/officeDocument/2006/relationships" xmlns:p="http://schemas.openxmlformats.org/presentationml/2006/main">
+  <p:cSld>
+    <p:spTree>
+      <p:nvGrpSpPr>
+        <p:cNvPr id="1" name=""/>
+        <p:cNvGrpSpPr/>
+        <p:nvPr/>
+      </p:nvGrpSpPr>
+      <p:grpSpPr>
+        <a:xfrm>
+          <a:off x="0" y="0"/>
+          <a:ext cx="0" cy="0"/>
+          <a:chOff x="0" y="0"/>
+          <a:chExt cx="0" cy="0"/>
+        </a:xfrm>
+      </p:grpSpPr>
+      <p:sp>
+        <p:nvSpPr>
+          <p:cNvPr id="2" name="Title 1"/>
+          <p:cNvSpPr>
+            <a:spLocks noGrp="1"/>
+          </p:cNvSpPr>
+          <p:nvPr>
+            <p:ph type="title"/>
+          </p:nvPr>
+        </p:nvSpPr>
+        <p:spPr/>
+        <p:txBody>
+          <a:bodyPr>
+            <a:normAutofit/>
+          </a:bodyPr>
+          <a:lstStyle/>
+          <a:p>
+            <a:r>
+              <a:rPr lang="en-US" sz="4000" dirty="0" err="1" smtClean="0"/>
+              <a:t>Probleme</a:t>
+            </a:r>
+            <a:r>
+              <a:rPr lang="en-US" sz="4000" dirty="0" smtClean="0"/>
+              <a:t> BST</a:t>
+            </a:r>
+            <a:endParaRPr lang="en-US" sz="4000" dirty="0"/>
+          </a:p>
+        </p:txBody>
+      </p:sp>
+      <p:sp>
+        <p:nvSpPr>
+          <p:cNvPr id="3" name="Content Placeholder 2"/>
+          <p:cNvSpPr>
+            <a:spLocks noGrp="1"/>
+          </p:cNvSpPr>
+          <p:nvPr>
+            <p:ph idx="1"/>
+          </p:nvPr>
+        </p:nvSpPr>
+        <p:spPr>
+          <a:xfrm>
+            <a:off x="457200" y="1600201"/>
+            <a:ext cx="8229600" cy="1402966"/>
+          </a:xfrm>
+        </p:spPr>
+        <p:txBody>
+          <a:bodyPr>
+            <a:normAutofit/>
+          </a:bodyPr>
+          <a:lstStyle/>
+          <a:p>
+            <a:r>
+              <a:rPr lang="en-US" sz="2500" dirty="0" err="1" smtClean="0"/>
+              <a:t>Comportament</a:t>
+            </a:r>
+            <a:r>
+              <a:rPr lang="en-US" sz="2500" dirty="0" smtClean="0"/>
+              <a:t> bun </a:t>
+            </a:r>
+            <a:r>
+              <a:rPr lang="en-US" sz="2500" dirty="0" err="1" smtClean="0"/>
+              <a:t>pe</a:t>
+            </a:r>
+            <a:r>
+              <a:rPr lang="en-US" sz="2500" dirty="0" smtClean="0"/>
+              <a:t> </a:t>
+            </a:r>
+            <a:r>
+              <a:rPr lang="en-US" sz="2500" dirty="0" err="1" smtClean="0"/>
+              <a:t>chei</a:t>
+            </a:r>
+            <a:r>
+              <a:rPr lang="en-US" sz="2500" dirty="0" smtClean="0"/>
+              <a:t> random, </a:t>
+            </a:r>
+            <a:r>
+              <a:rPr lang="en-US" sz="2500" dirty="0" err="1" smtClean="0"/>
+              <a:t>dar</a:t>
+            </a:r>
+            <a:r>
+              <a:rPr lang="en-US" sz="2500" dirty="0" smtClean="0"/>
+              <a:t> prost </a:t>
+            </a:r>
+            <a:r>
+              <a:rPr lang="en-US" sz="2500" dirty="0" err="1" smtClean="0"/>
+              <a:t>pe</a:t>
+            </a:r>
+            <a:r>
+              <a:rPr lang="en-US" sz="2500" dirty="0" smtClean="0"/>
+              <a:t> input particular</a:t>
+            </a:r>
+          </a:p>
+          <a:p>
+            <a:r>
+              <a:rPr lang="en-US" sz="2500" dirty="0" err="1" smtClean="0"/>
+              <a:t>Exemplu</a:t>
+            </a:r>
+            <a:r>
+              <a:rPr lang="en-US" sz="2500" dirty="0" smtClean="0"/>
+              <a:t>: </a:t>
+            </a:r>
+            <a:r>
+              <a:rPr lang="en-US" sz="2500" dirty="0" err="1" smtClean="0"/>
+              <a:t>chei</a:t>
+            </a:r>
+            <a:r>
+              <a:rPr lang="en-US" sz="2500" dirty="0" smtClean="0"/>
+              <a:t> </a:t>
+            </a:r>
+            <a:r>
+              <a:rPr lang="en-US" sz="2500" dirty="0" err="1" smtClean="0"/>
+              <a:t>sortate</a:t>
+            </a:r>
+            <a:endParaRPr lang="en-US" sz="2500" dirty="0"/>
+          </a:p>
+        </p:txBody>
+      </p:sp>
+      <p:sp>
+        <p:nvSpPr>
+          <p:cNvPr id="4" name="Date Placeholder 3"/>
+          <p:cNvSpPr>
+            <a:spLocks noGrp="1"/>
+          </p:cNvSpPr>
+          <p:nvPr>
+            <p:ph type="dt" sz="half" idx="10"/>
+          </p:nvPr>
+        </p:nvSpPr>
+        <p:spPr/>
+        <p:txBody>
+          <a:bodyPr/>
+          <a:lstStyle/>
+          <a:p>
+            <a:r>
+              <a:rPr lang="en-US" smtClean="0"/>
+              <a:t>6 mai 2014</a:t>
+            </a:r>
+            <a:endParaRPr lang="en-US"/>
+          </a:p>
+        </p:txBody>
+      </p:sp>
+      <p:sp>
+        <p:nvSpPr>
+          <p:cNvPr id="5" name="Footer Placeholder 4"/>
+          <p:cNvSpPr>
+            <a:spLocks noGrp="1"/>
+          </p:cNvSpPr>
+          <p:nvPr>
+            <p:ph type="ftr" sz="quarter" idx="11"/>
+          </p:nvPr>
+        </p:nvSpPr>
+        <p:spPr/>
+        <p:txBody>
+          <a:bodyPr/>
+          <a:lstStyle/>
+          <a:p>
+            <a:r>
+              <a:rPr lang="en-US" smtClean="0"/>
+              <a:t>Curs 11 - Treap-uri</a:t>
+            </a:r>
+            <a:endParaRPr lang="en-US"/>
+          </a:p>
+        </p:txBody>
+      </p:sp>
+      <p:sp>
+        <p:nvSpPr>
+          <p:cNvPr id="6" name="Slide Number Placeholder 5"/>
+          <p:cNvSpPr>
+            <a:spLocks noGrp="1"/>
+          </p:cNvSpPr>
+          <p:nvPr>
+            <p:ph type="sldNum" sz="quarter" idx="12"/>
+          </p:nvPr>
+        </p:nvSpPr>
+        <p:spPr/>
+        <p:txBody>
+          <a:bodyPr/>
+          <a:lstStyle/>
+          <a:p>
+            <a:fld id="{32700B58-0F6D-B04A-BA00-FEC84FEE7A82}" type="slidenum">
+              <a:rPr lang="en-US" smtClean="0"/>
+              <a:t>4</a:t>
+            </a:fld>
+            <a:endParaRPr lang="en-US"/>
+          </a:p>
+        </p:txBody>
+      </p:sp>
+      <p:pic>
+        <p:nvPicPr>
+          <p:cNvPr id="8" name="Picture 2"/>
+          <p:cNvPicPr>
+            <a:picLocks noChangeAspect="1" noChangeArrowheads="1"/>
+          </p:cNvPicPr>
+          <p:nvPr/>
+        </p:nvPicPr>
+        <p:blipFill>
+          <a:blip r:embed="rId2" cstate="print"/>
+          <a:srcRect/>
+          <a:stretch>
+            <a:fillRect/>
+          </a:stretch>
+        </p:blipFill>
+        <p:spPr bwMode="auto">
+          <a:xfrm>
+            <a:off x="152400" y="228600"/>
+            <a:ext cx="1166813" cy="903288"/>
+          </a:xfrm>
+          <a:prstGeom prst="rect">
+            <a:avLst/>
+          </a:prstGeom>
+          <a:noFill/>
+          <a:ln w="9525">
+            <a:noFill/>
+            <a:miter lim="800000"/>
+            <a:headEnd/>
+            <a:tailEnd/>
+          </a:ln>
+        </p:spPr>
+      </p:pic>
+    </p:spTree>
+    <p:extLst>
+      <p:ext uri="{BB962C8B-B14F-4D97-AF65-F5344CB8AC3E}">
+        <p14:creationId xmlns:p14="http://schemas.microsoft.com/office/powerpoint/2010/main" val="1777519846"/>
+      </p:ext>
+    </p:extLst>
+  </p:cSld>
+  <p:clrMapOvr>
+    <a:masterClrMapping/>
+  </p:clrMapOvr>
+  <p:timing>
+    <p:tnLst>
+      <p:par>
+        <p:cTn xmlns:p14="http://schemas.microsoft.com/office/powerpoint/2010/main" id="1" dur="indefinite" restart="never" nodeType="tmRoot">
+          <p:childTnLst>
+            <p:seq concurrent="1" nextAc="seek">
+              <p:cTn id="2" dur="indefinite" nodeType="mainSeq">
+                <p:childTnLst>
+                  <p:par>
+                    <p:cTn id="3" fill="hold">
+                      <p:stCondLst>
+                        <p:cond delay="indefinite"/>
+                      </p:stCondLst>
+                      <p:childTnLst>
+                        <p:par>
+                          <p:cTn id="4" fill="hold">
+                            <p:stCondLst>
+                              <p:cond delay="0"/>
+                            </p:stCondLst>
+                            <p:childTnLst>
+                              <p:par>
+                                <p:cTn id="5" presetID="1" presetClass="entr" presetSubtype="0" fill="hold" nodeType="clickEffect">
+                                  <p:stCondLst>
+                                    <p:cond delay="0"/>
+                                  </p:stCondLst>
+                                  <p:childTnLst>
+                                    <p:set>
+                                      <p:cBhvr>
+                                        <p:cTn id="6" dur="1" fill="hold">
+                                          <p:stCondLst>
+                                            <p:cond delay="0"/>
+                                          </p:stCondLst>
+                                        </p:cTn>
+                                        <p:tgtEl>
+                                          <p:spTgt spid="3">
+                                            <p:txEl>
+                                              <p:pRg st="0" end="0"/>
+                                            </p:txEl>
+                                          </p:spTgt>
+                                        </p:tgtEl>
+                                        <p:attrNameLst>
+                                          <p:attrName>style.visibility</p:attrName>
+                                        </p:attrNameLst>
+                                      </p:cBhvr>
+                                      <p:to>
+                                        <p:strVal val="visible"/>
+                                      </p:to>
+                                    </p:set>
+                                  </p:childTnLst>
+                                </p:cTn>
+                              </p:par>
+                            </p:childTnLst>
+                          </p:cTn>
+                        </p:par>
+                      </p:childTnLst>
+                    </p:cTn>
+                  </p:par>
+                  <p:par>
+                    <p:cTn id="7" fill="hold">
+                      <p:stCondLst>
+                        <p:cond delay="indefinite"/>
+                      </p:stCondLst>
+                      <p:childTnLst>
+                        <p:par>
+                          <p:cTn id="8" fill="hold">
+                            <p:stCondLst>
+                              <p:cond delay="0"/>
+                            </p:stCondLst>
+                            <p:childTnLst>
+                              <p:par>
+                                <p:cTn id="9" presetID="1" presetClass="entr" presetSubtype="0" fill="hold" nodeType="clickEffect">
+                                  <p:stCondLst>
+                                    <p:cond delay="0"/>
+                                  </p:stCondLst>
+                                  <p:childTnLst>
+                                    <p:set>
+                                      <p:cBhvr>
+                                        <p:cTn id="10" dur="1" fill="hold">
+                                          <p:stCondLst>
+                                            <p:cond delay="0"/>
+                                          </p:stCondLst>
+                                        </p:cTn>
+                                        <p:tgtEl>
+                                          <p:spTgt spid="3">
+                                            <p:txEl>
+                                              <p:pRg st="1" end="1"/>
+                                            </p:txEl>
+                                          </p:spTgt>
+                                        </p:tgtEl>
+                                        <p:attrNameLst>
+                                          <p:attrName>style.visibility</p:attrName>
+                                        </p:attrNameLst>
+                                      </p:cBhvr>
+                                      <p:to>
+                                        <p:strVal val="visible"/>
+                                      </p:to>
+                                    </p:set>
+                                  </p:childTnLst>
+                                </p:cTn>
+                              </p:par>
+                            </p:childTnLst>
+                          </p:cTn>
+                        </p:par>
+                      </p:childTnLst>
+                    </p:cTn>
+                  </p:par>
+                </p:childTnLst>
+              </p:cTn>
+              <p:prevCondLst>
+                <p:cond evt="onPrev" delay="0">
+                  <p:tgtEl>
+                    <p:sldTgt/>
+                  </p:tgtEl>
+                </p:cond>
+              </p:prevCondLst>
+              <p:nextCondLst>
+                <p:cond evt="onNext" delay="0">
+                  <p:tgtEl>
+                    <p:sldTgt/>
+                  </p:tgtEl>
+                </p:cond>
+              </p:nextCondLst>
+            </p:seq>
+          </p:childTnLst>
+        </p:cTn>
+      </p:par>
+    </p:tnLst>
+  </p:timing>
+</p:sld>
+</file>
+
+<file path=ppt/slides/slide5.xml><?xml version="1.0" encoding="utf-8"?>
+<p:sld xmlns:a="http://schemas.openxmlformats.org/drawingml/2006/main" xmlns:r="http://schemas.openxmlformats.org/officeDocument/2006/relationships" xmlns:p="http://schemas.openxmlformats.org/presentationml/2006/main">
+  <p:cSld>
+    <p:spTree>
+      <p:nvGrpSpPr>
+        <p:cNvPr id="1" name=""/>
+        <p:cNvGrpSpPr/>
+        <p:nvPr/>
+      </p:nvGrpSpPr>
+      <p:grpSpPr>
+        <a:xfrm>
+          <a:off x="0" y="0"/>
+          <a:ext cx="0" cy="0"/>
+          <a:chOff x="0" y="0"/>
+          <a:chExt cx="0" cy="0"/>
+        </a:xfrm>
+      </p:grpSpPr>
+      <p:sp>
+        <p:nvSpPr>
+          <p:cNvPr id="2" name="Title 1"/>
+          <p:cNvSpPr>
+            <a:spLocks noGrp="1"/>
+          </p:cNvSpPr>
+          <p:nvPr>
+            <p:ph type="title"/>
+          </p:nvPr>
+        </p:nvSpPr>
+        <p:spPr/>
+        <p:txBody>
+          <a:bodyPr/>
+          <a:lstStyle/>
+          <a:p>
+            <a:r>
+              <a:rPr lang="en-US" dirty="0" err="1" smtClean="0"/>
+              <a:t>Probleme</a:t>
+            </a:r>
+            <a:r>
+              <a:rPr lang="en-US" dirty="0" smtClean="0"/>
+              <a:t> BST (2)</a:t>
+            </a:r>
+            <a:endParaRPr lang="en-US" dirty="0"/>
+          </a:p>
+        </p:txBody>
+      </p:sp>
+      <p:sp>
+        <p:nvSpPr>
+          <p:cNvPr id="3" name="Content Placeholder 2"/>
+          <p:cNvSpPr>
+            <a:spLocks noGrp="1"/>
+          </p:cNvSpPr>
+          <p:nvPr>
+            <p:ph idx="1"/>
+          </p:nvPr>
+        </p:nvSpPr>
+        <p:spPr/>
+        <p:txBody>
+          <a:bodyPr/>
+          <a:lstStyle/>
+          <a:p>
+            <a:endParaRPr lang="en-US" dirty="0" smtClean="0"/>
+          </a:p>
+          <a:p>
+            <a:endParaRPr lang="en-US" dirty="0"/>
+          </a:p>
+          <a:p>
+            <a:r>
+              <a:rPr lang="en-US" dirty="0" smtClean="0"/>
+              <a:t>Standard Template Library nu </a:t>
+            </a:r>
+            <a:r>
+              <a:rPr lang="en-US" dirty="0" err="1" smtClean="0"/>
+              <a:t>ajuta</a:t>
+            </a:r>
+            <a:r>
+              <a:rPr lang="en-US" dirty="0" smtClean="0"/>
+              <a:t> </a:t>
+            </a:r>
+            <a:r>
+              <a:rPr lang="en-US" dirty="0" err="1" smtClean="0"/>
+              <a:t>intotdeauna</a:t>
+            </a:r>
+            <a:endParaRPr lang="en-US" dirty="0" smtClean="0"/>
+          </a:p>
+          <a:p>
+            <a:r>
+              <a:rPr lang="en-US" dirty="0" err="1" smtClean="0"/>
+              <a:t>Desi</a:t>
+            </a:r>
+            <a:r>
+              <a:rPr lang="en-US" dirty="0" smtClean="0"/>
+              <a:t> </a:t>
+            </a:r>
+            <a:r>
+              <a:rPr lang="en-US" dirty="0" err="1" smtClean="0"/>
+              <a:t>exista</a:t>
+            </a:r>
+            <a:r>
+              <a:rPr lang="en-US" dirty="0" smtClean="0"/>
+              <a:t> </a:t>
+            </a:r>
+            <a:r>
+              <a:rPr lang="en-US" i="1" dirty="0" smtClean="0"/>
+              <a:t>set</a:t>
+            </a:r>
+            <a:r>
+              <a:rPr lang="en-US" dirty="0" smtClean="0"/>
+              <a:t>, </a:t>
+            </a:r>
+            <a:r>
+              <a:rPr lang="en-US" i="1" dirty="0" err="1" smtClean="0"/>
+              <a:t>multiset</a:t>
+            </a:r>
+            <a:r>
+              <a:rPr lang="en-US" dirty="0" smtClean="0"/>
+              <a:t>, </a:t>
+            </a:r>
+            <a:r>
+              <a:rPr lang="en-US" i="1" dirty="0" err="1" smtClean="0"/>
+              <a:t>priority_queue</a:t>
+            </a:r>
+            <a:r>
+              <a:rPr lang="en-US" dirty="0" smtClean="0"/>
+              <a:t>, nu pot </a:t>
+            </a:r>
+            <a:r>
+              <a:rPr lang="en-US" dirty="0" err="1" smtClean="0"/>
+              <a:t>obtine</a:t>
+            </a:r>
+            <a:r>
+              <a:rPr lang="en-US" dirty="0" smtClean="0"/>
+              <a:t> a k-a </a:t>
+            </a:r>
+            <a:r>
+              <a:rPr lang="en-US" dirty="0" err="1" smtClean="0"/>
+              <a:t>cheie</a:t>
+            </a:r>
+            <a:r>
+              <a:rPr lang="en-US" dirty="0" smtClean="0"/>
+              <a:t> </a:t>
+            </a:r>
+            <a:r>
+              <a:rPr lang="en-US" dirty="0" err="1" smtClean="0"/>
+              <a:t>dintr</a:t>
+            </a:r>
+            <a:r>
+              <a:rPr lang="en-US" dirty="0" smtClean="0"/>
+              <a:t>-o </a:t>
+            </a:r>
+            <a:r>
+              <a:rPr lang="en-US" dirty="0" err="1" smtClean="0"/>
+              <a:t>multime</a:t>
+            </a:r>
+            <a:r>
+              <a:rPr lang="en-US" dirty="0" smtClean="0"/>
+              <a:t> de </a:t>
+            </a:r>
+            <a:r>
+              <a:rPr lang="en-US" dirty="0" err="1" smtClean="0"/>
+              <a:t>chei</a:t>
+            </a:r>
+            <a:endParaRPr lang="en-US" dirty="0"/>
+          </a:p>
+        </p:txBody>
+      </p:sp>
+      <p:sp>
+        <p:nvSpPr>
+          <p:cNvPr id="4" name="Date Placeholder 3"/>
+          <p:cNvSpPr>
+            <a:spLocks noGrp="1"/>
+          </p:cNvSpPr>
+          <p:nvPr>
+            <p:ph type="dt" sz="half" idx="10"/>
+          </p:nvPr>
+        </p:nvSpPr>
+        <p:spPr/>
+        <p:txBody>
+          <a:bodyPr/>
+          <a:lstStyle/>
+          <a:p>
+            <a:r>
+              <a:rPr lang="en-US" smtClean="0"/>
+              <a:t>6 mai 2014</a:t>
+            </a:r>
+            <a:endParaRPr lang="en-US"/>
+          </a:p>
+        </p:txBody>
+      </p:sp>
+      <p:sp>
+        <p:nvSpPr>
+          <p:cNvPr id="5" name="Footer Placeholder 4"/>
+          <p:cNvSpPr>
+            <a:spLocks noGrp="1"/>
+          </p:cNvSpPr>
+          <p:nvPr>
+            <p:ph type="ftr" sz="quarter" idx="11"/>
+          </p:nvPr>
+        </p:nvSpPr>
+        <p:spPr/>
+        <p:txBody>
+          <a:bodyPr/>
+          <a:lstStyle/>
+          <a:p>
+            <a:r>
+              <a:rPr lang="en-US" smtClean="0"/>
+              <a:t>Curs 11 - Treap-uri</a:t>
+            </a:r>
+            <a:endParaRPr lang="en-US"/>
+          </a:p>
+        </p:txBody>
+      </p:sp>
+      <p:sp>
+        <p:nvSpPr>
+          <p:cNvPr id="6" name="Slide Number Placeholder 5"/>
+          <p:cNvSpPr>
+            <a:spLocks noGrp="1"/>
+          </p:cNvSpPr>
+          <p:nvPr>
+            <p:ph type="sldNum" sz="quarter" idx="12"/>
+          </p:nvPr>
+        </p:nvSpPr>
+        <p:spPr/>
+        <p:txBody>
+          <a:bodyPr/>
+          <a:lstStyle/>
+          <a:p>
+            <a:fld id="{32700B58-0F6D-B04A-BA00-FEC84FEE7A82}" type="slidenum">
+              <a:rPr lang="en-US" smtClean="0"/>
+              <a:t>5</a:t>
+            </a:fld>
+            <a:endParaRPr lang="en-US"/>
+          </a:p>
+        </p:txBody>
+      </p:sp>
+    </p:spTree>
+    <p:extLst>
+      <p:ext uri="{BB962C8B-B14F-4D97-AF65-F5344CB8AC3E}">
+        <p14:creationId xmlns:p14="http://schemas.microsoft.com/office/powerpoint/2010/main" val="1779579267"/>
+      </p:ext>
+    </p:extLst>
+  </p:cSld>
+  <p:clrMapOvr>
+    <a:masterClrMapping/>
+  </p:clrMapOvr>
+  <p:timing>
+    <p:tnLst>
+      <p:par>
+        <p:cTn xmlns:p14="http://schemas.microsoft.com/office/powerpoint/2010/main" id="1" dur="indefinite" restart="never" nodeType="tmRoot"/>
+      </p:par>
+    </p:tnLst>
+  </p:timing>
+</p:sld>
+</file>
+
+<file path=ppt/slides/slide6.xml><?xml version="1.0" encoding="utf-8"?>
+<p:sld xmlns:a="http://schemas.openxmlformats.org/drawingml/2006/main" xmlns:r="http://schemas.openxmlformats.org/officeDocument/2006/relationships" xmlns:p="http://schemas.openxmlformats.org/presentationml/2006/main">
+  <p:cSld>
+    <p:spTree>
+      <p:nvGrpSpPr>
+        <p:cNvPr id="1" name=""/>
+        <p:cNvGrpSpPr/>
+        <p:nvPr/>
+      </p:nvGrpSpPr>
+      <p:grpSpPr>
+        <a:xfrm>
+          <a:off x="0" y="0"/>
+          <a:ext cx="0" cy="0"/>
+          <a:chOff x="0" y="0"/>
+          <a:chExt cx="0" cy="0"/>
+        </a:xfrm>
+      </p:grpSpPr>
+      <p:sp>
+        <p:nvSpPr>
+          <p:cNvPr id="2" name="Title 1"/>
+          <p:cNvSpPr>
+            <a:spLocks noGrp="1"/>
+          </p:cNvSpPr>
+          <p:nvPr>
+            <p:ph type="title"/>
+          </p:nvPr>
+        </p:nvSpPr>
+        <p:spPr/>
+        <p:txBody>
+          <a:bodyPr/>
+          <a:lstStyle/>
+          <a:p>
+            <a:r>
+              <a:rPr lang="en-US" dirty="0" smtClean="0"/>
+              <a:t>Cum </a:t>
+            </a:r>
+            <a:r>
+              <a:rPr lang="en-US" dirty="0" err="1" smtClean="0"/>
+              <a:t>rezolvăm</a:t>
+            </a:r>
+            <a:r>
+              <a:rPr lang="en-US" dirty="0" smtClean="0"/>
+              <a:t>?</a:t>
+            </a:r>
+            <a:endParaRPr lang="en-US" dirty="0"/>
+          </a:p>
+        </p:txBody>
+      </p:sp>
+      <p:sp>
+        <p:nvSpPr>
+          <p:cNvPr id="3" name="Content Placeholder 2"/>
+          <p:cNvSpPr>
+            <a:spLocks noGrp="1"/>
+          </p:cNvSpPr>
+          <p:nvPr>
+            <p:ph idx="1"/>
+          </p:nvPr>
+        </p:nvSpPr>
+        <p:spPr/>
+        <p:txBody>
+          <a:bodyPr/>
+          <a:lstStyle/>
+          <a:p>
+            <a:r>
+              <a:rPr lang="en-US" dirty="0" err="1" smtClean="0"/>
+              <a:t>Facem</a:t>
+            </a:r>
+            <a:r>
+              <a:rPr lang="en-US" dirty="0" smtClean="0"/>
+              <a:t> </a:t>
+            </a:r>
+            <a:r>
+              <a:rPr lang="en-US" dirty="0" err="1" smtClean="0"/>
+              <a:t>rotații</a:t>
+            </a:r>
+            <a:r>
+              <a:rPr lang="en-US" dirty="0" smtClean="0"/>
+              <a:t> in arbore (</a:t>
+            </a:r>
+            <a:r>
+              <a:rPr lang="en-US" dirty="0" err="1" smtClean="0"/>
+              <a:t>mețin</a:t>
+            </a:r>
+            <a:r>
+              <a:rPr lang="en-US" dirty="0" smtClean="0"/>
+              <a:t> </a:t>
+            </a:r>
+            <a:r>
+              <a:rPr lang="en-US" dirty="0" err="1" smtClean="0"/>
+              <a:t>proprietatea</a:t>
+            </a:r>
+            <a:r>
+              <a:rPr lang="en-US" dirty="0" smtClean="0"/>
+              <a:t> de arbore de </a:t>
+            </a:r>
+            <a:r>
+              <a:rPr lang="en-US" dirty="0" err="1" smtClean="0"/>
+              <a:t>căutare</a:t>
+            </a:r>
+            <a:r>
+              <a:rPr lang="en-US" dirty="0" smtClean="0"/>
+              <a:t>)</a:t>
+            </a:r>
+          </a:p>
+          <a:p>
+            <a:endParaRPr lang="en-US" dirty="0" smtClean="0"/>
+          </a:p>
+          <a:p>
+            <a:pPr marL="0" indent="0">
+              <a:buNone/>
+            </a:pPr>
+            <a:endParaRPr lang="en-US" dirty="0"/>
+          </a:p>
+        </p:txBody>
+      </p:sp>
+      <p:sp>
+        <p:nvSpPr>
+          <p:cNvPr id="4" name="Date Placeholder 3"/>
+          <p:cNvSpPr>
+            <a:spLocks noGrp="1"/>
+          </p:cNvSpPr>
+          <p:nvPr>
+            <p:ph type="dt" sz="half" idx="10"/>
+          </p:nvPr>
+        </p:nvSpPr>
+        <p:spPr/>
+        <p:txBody>
+          <a:bodyPr/>
+          <a:lstStyle/>
+          <a:p>
+            <a:r>
+              <a:rPr lang="en-US" smtClean="0"/>
+              <a:t>6 mai 2014</a:t>
+            </a:r>
+            <a:endParaRPr lang="en-US"/>
+          </a:p>
+        </p:txBody>
+      </p:sp>
+      <p:sp>
+        <p:nvSpPr>
+          <p:cNvPr id="5" name="Footer Placeholder 4"/>
+          <p:cNvSpPr>
+            <a:spLocks noGrp="1"/>
+          </p:cNvSpPr>
+          <p:nvPr>
+            <p:ph type="ftr" sz="quarter" idx="11"/>
+          </p:nvPr>
+        </p:nvSpPr>
+        <p:spPr/>
+        <p:txBody>
+          <a:bodyPr/>
+          <a:lstStyle/>
+          <a:p>
+            <a:r>
+              <a:rPr lang="en-US" smtClean="0"/>
+              <a:t>Curs 11 - Treap-uri</a:t>
+            </a:r>
+            <a:endParaRPr lang="en-US"/>
+          </a:p>
+        </p:txBody>
+      </p:sp>
+      <p:sp>
+        <p:nvSpPr>
+          <p:cNvPr id="6" name="Slide Number Placeholder 5"/>
+          <p:cNvSpPr>
+            <a:spLocks noGrp="1"/>
+          </p:cNvSpPr>
+          <p:nvPr>
+            <p:ph type="sldNum" sz="quarter" idx="12"/>
+          </p:nvPr>
+        </p:nvSpPr>
+        <p:spPr/>
+        <p:txBody>
+          <a:bodyPr/>
+          <a:lstStyle/>
+          <a:p>
+            <a:fld id="{32700B58-0F6D-B04A-BA00-FEC84FEE7A82}" type="slidenum">
+              <a:rPr lang="en-US" smtClean="0"/>
+              <a:t>6</a:t>
+            </a:fld>
+            <a:endParaRPr lang="en-US"/>
+          </a:p>
+        </p:txBody>
+      </p:sp>
+      <p:pic>
+        <p:nvPicPr>
+          <p:cNvPr id="8" name="Picture 7" descr="Screen Shot 2014-04-26 at 9.03.59 PM.png"/>
+          <p:cNvPicPr>
+            <a:picLocks noChangeAspect="1"/>
+          </p:cNvPicPr>
+          <p:nvPr/>
+        </p:nvPicPr>
+        <p:blipFill>
+          <a:blip r:embed="rId2">
+            <a:extLst>
+              <a:ext uri="{28A0092B-C50C-407E-A947-70E740481C1C}">
+                <a14:useLocalDpi xmlns:a14="http://schemas.microsoft.com/office/drawing/2010/main" val="0"/>
+              </a:ext>
+            </a:extLst>
+          </a:blip>
+          <a:stretch>
+            <a:fillRect/>
+          </a:stretch>
+        </p:blipFill>
+        <p:spPr>
+          <a:xfrm>
+            <a:off x="1524000" y="2394594"/>
+            <a:ext cx="6880102" cy="2938377"/>
+          </a:xfrm>
+          <a:prstGeom prst="rect">
+            <a:avLst/>
+          </a:prstGeom>
+        </p:spPr>
+      </p:pic>
+    </p:spTree>
+    <p:extLst>
+      <p:ext uri="{BB962C8B-B14F-4D97-AF65-F5344CB8AC3E}">
+        <p14:creationId xmlns:p14="http://schemas.microsoft.com/office/powerpoint/2010/main" val="353908573"/>
+      </p:ext>
+    </p:extLst>
+  </p:cSld>
+  <p:clrMapOvr>
+    <a:masterClrMapping/>
+  </p:clrMapOvr>
+  <p:timing>
+    <p:tnLst>
+      <p:par>
+        <p:cTn xmlns:p14="http://schemas.microsoft.com/office/powerpoint/2010/main" id="1" dur="indefinite" restart="never" nodeType="tmRoot"/>
+      </p:par>
+    </p:tnLst>
+  </p:timing>
+</p:sld>
+</file>
+
+<file path=ppt/slides/slide7.xml><?xml version="1.0" encoding="utf-8"?>
+<p:sld xmlns:a="http://schemas.openxmlformats.org/drawingml/2006/main" xmlns:r="http://schemas.openxmlformats.org/officeDocument/2006/relationships" xmlns:p="http://schemas.openxmlformats.org/presentationml/2006/main">
+  <p:cSld>
+    <p:spTree>
+      <p:nvGrpSpPr>
+        <p:cNvPr id="1" name=""/>
+        <p:cNvGrpSpPr/>
+        <p:nvPr/>
+      </p:nvGrpSpPr>
+      <p:grpSpPr>
+        <a:xfrm>
+          <a:off x="0" y="0"/>
+          <a:ext cx="0" cy="0"/>
+          <a:chOff x="0" y="0"/>
+          <a:chExt cx="0" cy="0"/>
+        </a:xfrm>
+      </p:grpSpPr>
+      <p:sp>
+        <p:nvSpPr>
+          <p:cNvPr id="2" name="Title 1"/>
+          <p:cNvSpPr>
+            <a:spLocks noGrp="1"/>
+          </p:cNvSpPr>
+          <p:nvPr>
+            <p:ph type="title"/>
+          </p:nvPr>
+        </p:nvSpPr>
+        <p:spPr/>
+        <p:txBody>
+          <a:bodyPr/>
+          <a:lstStyle/>
+          <a:p>
+            <a:r>
+              <a:rPr lang="en-US" dirty="0" err="1" smtClean="0"/>
+              <a:t>Pseudocod</a:t>
+            </a:r>
+            <a:r>
+              <a:rPr lang="en-US" dirty="0" smtClean="0"/>
+              <a:t> </a:t>
+            </a:r>
+            <a:r>
+              <a:rPr lang="en-US" dirty="0" err="1" smtClean="0"/>
+              <a:t>rotații</a:t>
+            </a:r>
+            <a:endParaRPr lang="en-US" dirty="0"/>
+          </a:p>
+        </p:txBody>
+      </p:sp>
+      <p:sp>
+        <p:nvSpPr>
+          <p:cNvPr id="3" name="Content Placeholder 2"/>
+          <p:cNvSpPr>
+            <a:spLocks noGrp="1"/>
+          </p:cNvSpPr>
+          <p:nvPr>
+            <p:ph idx="1"/>
+          </p:nvPr>
+        </p:nvSpPr>
+        <p:spPr/>
+        <p:txBody>
+          <a:bodyPr/>
+          <a:lstStyle/>
+          <a:p>
+            <a:r>
+              <a:rPr lang="en-US" dirty="0" err="1" smtClean="0"/>
+              <a:t>Rotație</a:t>
+            </a:r>
+            <a:r>
+              <a:rPr lang="en-US" dirty="0" smtClean="0"/>
+              <a:t> </a:t>
+            </a:r>
+            <a:r>
+              <a:rPr lang="en-US" dirty="0" err="1" smtClean="0"/>
+              <a:t>dreapta</a:t>
+            </a:r>
+            <a:r>
+              <a:rPr lang="en-US" dirty="0" smtClean="0"/>
+              <a:t>:</a:t>
+            </a:r>
+          </a:p>
+          <a:p>
+            <a:pPr lvl="1"/>
+            <a:r>
+              <a:rPr lang="en-US" dirty="0"/>
+              <a:t>Z</a:t>
+            </a:r>
+            <a:r>
+              <a:rPr lang="en-US" dirty="0" smtClean="0"/>
+              <a:t>-&gt;left = B; W-&gt;right = Z</a:t>
+            </a:r>
+          </a:p>
+          <a:p>
+            <a:r>
+              <a:rPr lang="en-US" dirty="0" err="1" smtClean="0"/>
+              <a:t>Rotație</a:t>
+            </a:r>
+            <a:r>
+              <a:rPr lang="en-US" dirty="0" smtClean="0"/>
+              <a:t> </a:t>
+            </a:r>
+            <a:r>
+              <a:rPr lang="en-US" dirty="0" err="1" smtClean="0"/>
+              <a:t>stânga</a:t>
+            </a:r>
+            <a:r>
+              <a:rPr lang="en-US" dirty="0" smtClean="0"/>
+              <a:t>:</a:t>
+            </a:r>
+          </a:p>
+          <a:p>
+            <a:pPr lvl="1"/>
+            <a:r>
+              <a:rPr lang="en-US" dirty="0" smtClean="0"/>
+              <a:t>W-&gt;right = B; Z-&gt;left = W;</a:t>
+            </a:r>
+          </a:p>
+          <a:p>
+            <a:pPr lvl="1"/>
+            <a:endParaRPr lang="en-US" dirty="0"/>
+          </a:p>
+          <a:p>
+            <a:r>
+              <a:rPr lang="en-US" dirty="0" err="1" smtClean="0"/>
+              <a:t>În</a:t>
+            </a:r>
+            <a:r>
+              <a:rPr lang="en-US" dirty="0" smtClean="0"/>
+              <a:t> </a:t>
+            </a:r>
+            <a:r>
+              <a:rPr lang="en-US" dirty="0" err="1" smtClean="0"/>
+              <a:t>practică</a:t>
+            </a:r>
+            <a:r>
+              <a:rPr lang="en-US" dirty="0" smtClean="0"/>
+              <a:t>:</a:t>
+            </a:r>
+          </a:p>
+          <a:p>
+            <a:pPr lvl="1"/>
+            <a:r>
+              <a:rPr lang="en-US" dirty="0" err="1" smtClean="0"/>
+              <a:t>Valori</a:t>
+            </a:r>
+            <a:r>
+              <a:rPr lang="en-US" dirty="0" smtClean="0"/>
+              <a:t> </a:t>
+            </a:r>
+            <a:r>
+              <a:rPr lang="en-US" dirty="0" err="1" smtClean="0"/>
+              <a:t>auxiliare</a:t>
+            </a:r>
+            <a:r>
+              <a:rPr lang="en-US" dirty="0" smtClean="0"/>
+              <a:t> </a:t>
+            </a:r>
+            <a:r>
+              <a:rPr lang="en-US" dirty="0" err="1" smtClean="0"/>
+              <a:t>pentru</a:t>
+            </a:r>
+            <a:r>
+              <a:rPr lang="en-US" dirty="0"/>
+              <a:t> </a:t>
+            </a:r>
+            <a:r>
+              <a:rPr lang="en-US" dirty="0" err="1" smtClean="0"/>
+              <a:t>interschimbare</a:t>
+            </a:r>
+            <a:endParaRPr lang="en-US" dirty="0" smtClean="0"/>
+          </a:p>
+          <a:p>
+            <a:pPr lvl="1"/>
+            <a:r>
+              <a:rPr lang="en-US" dirty="0" err="1" smtClean="0"/>
+              <a:t>Grijă</a:t>
+            </a:r>
+            <a:r>
+              <a:rPr lang="en-US" dirty="0" smtClean="0"/>
+              <a:t> la </a:t>
+            </a:r>
+            <a:r>
+              <a:rPr lang="en-US" dirty="0" err="1" smtClean="0"/>
+              <a:t>părinte</a:t>
+            </a:r>
+            <a:endParaRPr lang="en-US" dirty="0" smtClean="0"/>
+          </a:p>
+          <a:p>
+            <a:pPr lvl="1"/>
+            <a:r>
+              <a:rPr lang="en-US" dirty="0" err="1" smtClean="0"/>
+              <a:t>Noduri</a:t>
+            </a:r>
+            <a:r>
+              <a:rPr lang="en-US" dirty="0" smtClean="0"/>
+              <a:t> nil </a:t>
+            </a:r>
+            <a:r>
+              <a:rPr lang="en-US" dirty="0" err="1" smtClean="0"/>
+              <a:t>pentru</a:t>
+            </a:r>
+            <a:r>
+              <a:rPr lang="en-US" dirty="0" smtClean="0"/>
+              <a:t> </a:t>
+            </a:r>
+            <a:r>
+              <a:rPr lang="en-US" dirty="0" err="1" smtClean="0"/>
+              <a:t>nodurile</a:t>
+            </a:r>
+            <a:r>
+              <a:rPr lang="en-US" dirty="0" smtClean="0"/>
+              <a:t> care nu au 2 </a:t>
+            </a:r>
+            <a:r>
+              <a:rPr lang="en-US" dirty="0" err="1" smtClean="0"/>
+              <a:t>fii</a:t>
+            </a:r>
+            <a:endParaRPr lang="en-US" dirty="0" smtClean="0"/>
+          </a:p>
+          <a:p>
+            <a:pPr lvl="1"/>
+            <a:endParaRPr lang="en-US" dirty="0" smtClean="0"/>
+          </a:p>
+        </p:txBody>
+      </p:sp>
+      <p:sp>
+        <p:nvSpPr>
+          <p:cNvPr id="4" name="Date Placeholder 3"/>
+          <p:cNvSpPr>
+            <a:spLocks noGrp="1"/>
+          </p:cNvSpPr>
+          <p:nvPr>
+            <p:ph type="dt" sz="half" idx="10"/>
+          </p:nvPr>
+        </p:nvSpPr>
+        <p:spPr/>
+        <p:txBody>
+          <a:bodyPr/>
+          <a:lstStyle/>
+          <a:p>
+            <a:r>
+              <a:rPr lang="en-US" smtClean="0"/>
+              <a:t>6 mai 2014</a:t>
+            </a:r>
+            <a:endParaRPr lang="en-US"/>
+          </a:p>
+        </p:txBody>
+      </p:sp>
+      <p:sp>
+        <p:nvSpPr>
+          <p:cNvPr id="5" name="Footer Placeholder 4"/>
+          <p:cNvSpPr>
+            <a:spLocks noGrp="1"/>
+          </p:cNvSpPr>
+          <p:nvPr>
+            <p:ph type="ftr" sz="quarter" idx="11"/>
+          </p:nvPr>
+        </p:nvSpPr>
+        <p:spPr/>
+        <p:txBody>
+          <a:bodyPr/>
+          <a:lstStyle/>
+          <a:p>
+            <a:r>
+              <a:rPr lang="en-US" smtClean="0"/>
+              <a:t>Curs 11 - Treap-uri</a:t>
+            </a:r>
+            <a:endParaRPr lang="en-US"/>
+          </a:p>
+        </p:txBody>
+      </p:sp>
+      <p:sp>
+        <p:nvSpPr>
+          <p:cNvPr id="6" name="Slide Number Placeholder 5"/>
+          <p:cNvSpPr>
+            <a:spLocks noGrp="1"/>
+          </p:cNvSpPr>
+          <p:nvPr>
+            <p:ph type="sldNum" sz="quarter" idx="12"/>
+          </p:nvPr>
+        </p:nvSpPr>
+        <p:spPr/>
+        <p:txBody>
+          <a:bodyPr/>
+          <a:lstStyle/>
+          <a:p>
+            <a:fld id="{32700B58-0F6D-B04A-BA00-FEC84FEE7A82}" type="slidenum">
+              <a:rPr lang="en-US" smtClean="0"/>
+              <a:t>7</a:t>
+            </a:fld>
+            <a:endParaRPr lang="en-US"/>
+          </a:p>
+        </p:txBody>
+      </p:sp>
+    </p:spTree>
+    <p:extLst>
+      <p:ext uri="{BB962C8B-B14F-4D97-AF65-F5344CB8AC3E}">
+        <p14:creationId xmlns:p14="http://schemas.microsoft.com/office/powerpoint/2010/main" val="593988739"/>
+      </p:ext>
+    </p:extLst>
+  </p:cSld>
+  <p:clrMapOvr>
+    <a:masterClrMapping/>
+  </p:clrMapOvr>
+  <p:timing>
+    <p:tnLst>
+      <p:par>
+        <p:cTn xmlns:p14="http://schemas.microsoft.com/office/powerpoint/2010/main" id="1" dur="indefinite" restart="never" nodeType="tmRoot"/>
+      </p:par>
+    </p:tnLst>
+  </p:timing>
+</p:sld>
+</file>
+
+<file path=ppt/slides/slide8.xml><?xml version="1.0" encoding="utf-8"?>
+<p:sld xmlns:a="http://schemas.openxmlformats.org/drawingml/2006/main" xmlns:r="http://schemas.openxmlformats.org/officeDocument/2006/relationships" xmlns:p="http://schemas.openxmlformats.org/presentationml/2006/main">
+  <p:cSld>
+    <p:spTree>
+      <p:nvGrpSpPr>
+        <p:cNvPr id="1" name=""/>
+        <p:cNvGrpSpPr/>
+        <p:nvPr/>
+      </p:nvGrpSpPr>
+      <p:grpSpPr>
+        <a:xfrm>
+          <a:off x="0" y="0"/>
+          <a:ext cx="0" cy="0"/>
+          <a:chOff x="0" y="0"/>
+          <a:chExt cx="0" cy="0"/>
+        </a:xfrm>
+      </p:grpSpPr>
+      <p:sp>
+        <p:nvSpPr>
+          <p:cNvPr id="2" name="Title 1"/>
+          <p:cNvSpPr>
+            <a:spLocks noGrp="1"/>
+          </p:cNvSpPr>
+          <p:nvPr>
+            <p:ph type="title"/>
+          </p:nvPr>
+        </p:nvSpPr>
+        <p:spPr/>
+        <p:txBody>
+          <a:bodyPr/>
+          <a:lstStyle/>
+          <a:p>
+            <a:r>
+              <a:rPr lang="en-US" dirty="0" err="1" smtClean="0"/>
+              <a:t>Echilibrare</a:t>
+            </a:r>
+            <a:endParaRPr lang="en-US" dirty="0"/>
+          </a:p>
+        </p:txBody>
+      </p:sp>
+      <p:sp>
+        <p:nvSpPr>
+          <p:cNvPr id="3" name="Content Placeholder 2"/>
+          <p:cNvSpPr>
+            <a:spLocks noGrp="1"/>
+          </p:cNvSpPr>
+          <p:nvPr>
+            <p:ph idx="1"/>
+          </p:nvPr>
+        </p:nvSpPr>
+        <p:spPr/>
+        <p:txBody>
+          <a:bodyPr/>
+          <a:lstStyle/>
+          <a:p>
+            <a:r>
+              <a:rPr lang="en-US" dirty="0" err="1" smtClean="0"/>
+              <a:t>Totuși</a:t>
+            </a:r>
+            <a:r>
+              <a:rPr lang="en-US" dirty="0" smtClean="0"/>
+              <a:t>, </a:t>
+            </a:r>
+            <a:r>
+              <a:rPr lang="en-US" dirty="0" err="1" smtClean="0"/>
+              <a:t>când</a:t>
+            </a:r>
+            <a:r>
+              <a:rPr lang="en-US" dirty="0" smtClean="0"/>
+              <a:t> </a:t>
+            </a:r>
+            <a:r>
+              <a:rPr lang="en-US" dirty="0" err="1" smtClean="0"/>
+              <a:t>facem</a:t>
+            </a:r>
+            <a:r>
+              <a:rPr lang="en-US" dirty="0" smtClean="0"/>
+              <a:t> </a:t>
+            </a:r>
+            <a:r>
+              <a:rPr lang="en-US" dirty="0" err="1" smtClean="0"/>
+              <a:t>rotațiile</a:t>
+            </a:r>
+            <a:r>
+              <a:rPr lang="en-US" dirty="0" smtClean="0"/>
+              <a:t>?</a:t>
+            </a:r>
+          </a:p>
+          <a:p>
+            <a:r>
+              <a:rPr lang="en-US" dirty="0" err="1" smtClean="0"/>
+              <a:t>Îi</a:t>
+            </a:r>
+            <a:r>
+              <a:rPr lang="en-US" dirty="0" smtClean="0"/>
+              <a:t> </a:t>
+            </a:r>
+            <a:r>
+              <a:rPr lang="en-US" dirty="0" err="1" smtClean="0"/>
+              <a:t>vom</a:t>
+            </a:r>
+            <a:r>
+              <a:rPr lang="en-US" dirty="0" smtClean="0"/>
+              <a:t> </a:t>
+            </a:r>
+            <a:r>
+              <a:rPr lang="en-US" dirty="0" err="1" smtClean="0"/>
+              <a:t>asigna</a:t>
+            </a:r>
+            <a:r>
+              <a:rPr lang="en-US" dirty="0" smtClean="0"/>
+              <a:t> </a:t>
+            </a:r>
+            <a:r>
+              <a:rPr lang="en-US" dirty="0" err="1" smtClean="0"/>
+              <a:t>fiecărui</a:t>
+            </a:r>
+            <a:r>
+              <a:rPr lang="en-US" dirty="0" smtClean="0"/>
+              <a:t> nod, la </a:t>
+            </a:r>
+            <a:r>
+              <a:rPr lang="en-US" dirty="0" err="1" smtClean="0"/>
+              <a:t>inserare</a:t>
+            </a:r>
+            <a:r>
+              <a:rPr lang="en-US" dirty="0" smtClean="0"/>
+              <a:t>, o </a:t>
+            </a:r>
+            <a:r>
+              <a:rPr lang="en-US" dirty="0" err="1" smtClean="0"/>
+              <a:t>prioritate</a:t>
+            </a:r>
+            <a:r>
+              <a:rPr lang="en-US" dirty="0" smtClean="0"/>
+              <a:t> </a:t>
+            </a:r>
+            <a:r>
+              <a:rPr lang="en-US" b="1" dirty="0" smtClean="0"/>
+              <a:t>random</a:t>
+            </a:r>
+          </a:p>
+          <a:p>
+            <a:r>
+              <a:rPr lang="en-US" dirty="0" err="1" smtClean="0"/>
+              <a:t>Prioritatea</a:t>
+            </a:r>
+            <a:r>
+              <a:rPr lang="en-US" dirty="0" smtClean="0"/>
+              <a:t> </a:t>
+            </a:r>
+            <a:r>
+              <a:rPr lang="en-US" dirty="0" err="1" smtClean="0"/>
+              <a:t>unui</a:t>
+            </a:r>
+            <a:r>
+              <a:rPr lang="en-US" dirty="0" smtClean="0"/>
+              <a:t> nod </a:t>
+            </a:r>
+            <a:r>
+              <a:rPr lang="en-US" dirty="0" err="1" smtClean="0"/>
+              <a:t>trebuie</a:t>
+            </a:r>
+            <a:r>
+              <a:rPr lang="en-US" dirty="0" smtClean="0"/>
+              <a:t> </a:t>
+            </a:r>
+            <a:r>
+              <a:rPr lang="en-US" dirty="0" err="1" smtClean="0"/>
+              <a:t>să</a:t>
+            </a:r>
+            <a:r>
+              <a:rPr lang="en-US" dirty="0" smtClean="0"/>
+              <a:t> fie </a:t>
+            </a:r>
+            <a:r>
+              <a:rPr lang="en-US" dirty="0" err="1" smtClean="0"/>
+              <a:t>mai</a:t>
+            </a:r>
+            <a:r>
+              <a:rPr lang="en-US" dirty="0" smtClean="0"/>
+              <a:t> mare </a:t>
+            </a:r>
+            <a:r>
+              <a:rPr lang="en-US" dirty="0" err="1" smtClean="0"/>
+              <a:t>ca</a:t>
+            </a:r>
+            <a:r>
+              <a:rPr lang="en-US" dirty="0" smtClean="0"/>
+              <a:t> </a:t>
+            </a:r>
+            <a:r>
+              <a:rPr lang="en-US" dirty="0" err="1" smtClean="0"/>
+              <a:t>prioritatea</a:t>
+            </a:r>
+            <a:r>
+              <a:rPr lang="en-US" dirty="0" smtClean="0"/>
+              <a:t> </a:t>
+            </a:r>
+            <a:r>
+              <a:rPr lang="en-US" dirty="0" err="1" smtClean="0"/>
+              <a:t>fiilor</a:t>
+            </a:r>
+            <a:r>
+              <a:rPr lang="en-US" dirty="0" smtClean="0"/>
+              <a:t> </a:t>
+            </a:r>
+            <a:r>
+              <a:rPr lang="en-US" dirty="0" err="1" smtClean="0"/>
+              <a:t>săi</a:t>
+            </a:r>
+            <a:r>
+              <a:rPr lang="en-US" dirty="0" smtClean="0"/>
+              <a:t> (</a:t>
+            </a:r>
+            <a:r>
+              <a:rPr lang="en-US" b="1" dirty="0" err="1" smtClean="0"/>
+              <a:t>invariantul</a:t>
+            </a:r>
+            <a:r>
+              <a:rPr lang="en-US" b="1" dirty="0" smtClean="0"/>
+              <a:t> de heap</a:t>
+            </a:r>
+            <a:r>
+              <a:rPr lang="en-US" dirty="0" smtClean="0"/>
+              <a:t>)</a:t>
+            </a:r>
+          </a:p>
+          <a:p>
+            <a:r>
+              <a:rPr lang="en-US" dirty="0" err="1" smtClean="0"/>
+              <a:t>Vom</a:t>
+            </a:r>
+            <a:r>
+              <a:rPr lang="en-US" dirty="0" smtClean="0"/>
+              <a:t> </a:t>
+            </a:r>
+            <a:r>
+              <a:rPr lang="en-US" dirty="0" err="1" smtClean="0"/>
+              <a:t>folosi</a:t>
+            </a:r>
+            <a:r>
+              <a:rPr lang="en-US" dirty="0" smtClean="0"/>
+              <a:t> </a:t>
+            </a:r>
+            <a:r>
+              <a:rPr lang="en-US" dirty="0" err="1" smtClean="0"/>
+              <a:t>rotații</a:t>
+            </a:r>
+            <a:r>
+              <a:rPr lang="en-US" dirty="0" smtClean="0"/>
+              <a:t> </a:t>
+            </a:r>
+            <a:r>
+              <a:rPr lang="en-US" dirty="0" err="1" smtClean="0"/>
+              <a:t>ca</a:t>
+            </a:r>
+            <a:r>
+              <a:rPr lang="en-US" dirty="0" smtClean="0"/>
+              <a:t> </a:t>
+            </a:r>
+            <a:r>
+              <a:rPr lang="en-US" dirty="0" err="1" smtClean="0"/>
+              <a:t>să</a:t>
+            </a:r>
+            <a:r>
+              <a:rPr lang="en-US" dirty="0" smtClean="0"/>
+              <a:t> </a:t>
+            </a:r>
+            <a:r>
+              <a:rPr lang="en-US" dirty="0" err="1" smtClean="0"/>
+              <a:t>asigurăm</a:t>
+            </a:r>
+            <a:r>
+              <a:rPr lang="en-US" dirty="0" smtClean="0"/>
+              <a:t> </a:t>
+            </a:r>
+            <a:r>
+              <a:rPr lang="en-US" dirty="0" err="1" smtClean="0"/>
+              <a:t>păstrarea</a:t>
+            </a:r>
+            <a:r>
+              <a:rPr lang="en-US" dirty="0" smtClean="0"/>
+              <a:t> </a:t>
+            </a:r>
+            <a:r>
+              <a:rPr lang="en-US" dirty="0" err="1" smtClean="0"/>
+              <a:t>acestui</a:t>
+            </a:r>
+            <a:r>
+              <a:rPr lang="en-US" dirty="0" smtClean="0"/>
+              <a:t> invariant</a:t>
+            </a:r>
+            <a:endParaRPr lang="en-US" dirty="0"/>
+          </a:p>
+        </p:txBody>
+      </p:sp>
+      <p:sp>
+        <p:nvSpPr>
+          <p:cNvPr id="4" name="Date Placeholder 3"/>
+          <p:cNvSpPr>
+            <a:spLocks noGrp="1"/>
+          </p:cNvSpPr>
+          <p:nvPr>
+            <p:ph type="dt" sz="half" idx="10"/>
+          </p:nvPr>
+        </p:nvSpPr>
+        <p:spPr/>
+        <p:txBody>
+          <a:bodyPr/>
+          <a:lstStyle/>
+          <a:p>
+            <a:r>
+              <a:rPr lang="en-US" smtClean="0"/>
+              <a:t>6 mai 2014</a:t>
+            </a:r>
+            <a:endParaRPr lang="en-US"/>
+          </a:p>
+        </p:txBody>
+      </p:sp>
+      <p:sp>
+        <p:nvSpPr>
+          <p:cNvPr id="5" name="Footer Placeholder 4"/>
+          <p:cNvSpPr>
+            <a:spLocks noGrp="1"/>
+          </p:cNvSpPr>
+          <p:nvPr>
+            <p:ph type="ftr" sz="quarter" idx="11"/>
+          </p:nvPr>
+        </p:nvSpPr>
+        <p:spPr/>
+        <p:txBody>
+          <a:bodyPr/>
+          <a:lstStyle/>
+          <a:p>
+            <a:r>
+              <a:rPr lang="en-US" smtClean="0"/>
+              <a:t>Curs 11 - Treap-uri</a:t>
+            </a:r>
+            <a:endParaRPr lang="en-US"/>
+          </a:p>
+        </p:txBody>
+      </p:sp>
+      <p:sp>
+        <p:nvSpPr>
+          <p:cNvPr id="6" name="Slide Number Placeholder 5"/>
+          <p:cNvSpPr>
+            <a:spLocks noGrp="1"/>
+          </p:cNvSpPr>
+          <p:nvPr>
+            <p:ph type="sldNum" sz="quarter" idx="12"/>
+          </p:nvPr>
+        </p:nvSpPr>
+        <p:spPr/>
+        <p:txBody>
+          <a:bodyPr/>
+          <a:lstStyle/>
+          <a:p>
+            <a:fld id="{32700B58-0F6D-B04A-BA00-FEC84FEE7A82}" type="slidenum">
+              <a:rPr lang="en-US" smtClean="0"/>
+              <a:t>8</a:t>
+            </a:fld>
+            <a:endParaRPr lang="en-US"/>
+          </a:p>
+        </p:txBody>
+      </p:sp>
+    </p:spTree>
+    <p:extLst>
+      <p:ext uri="{BB962C8B-B14F-4D97-AF65-F5344CB8AC3E}">
+        <p14:creationId xmlns:p14="http://schemas.microsoft.com/office/powerpoint/2010/main" val="3944121548"/>
+      </p:ext>
+    </p:extLst>
+  </p:cSld>
+  <p:clrMapOvr>
+    <a:masterClrMapping/>
+  </p:clrMapOvr>
+  <p:timing>
+    <p:tnLst>
+      <p:par>
+        <p:cTn xmlns:p14="http://schemas.microsoft.com/office/powerpoint/2010/main" id="1" dur="indefinite" restart="never" nodeType="tmRoot"/>
+      </p:par>
+    </p:tnLst>
+  </p:timing>
+</p:sld>
+</file>
+
+<file path=ppt/slides/slide9.xml><?xml version="1.0" encoding="utf-8"?>
+<p:sld xmlns:a="http://schemas.openxmlformats.org/drawingml/2006/main" xmlns:r="http://schemas.openxmlformats.org/officeDocument/2006/relationships" xmlns:p="http://schemas.openxmlformats.org/presentationml/2006/main">
+  <p:cSld>
+    <p:spTree>
+      <p:nvGrpSpPr>
+        <p:cNvPr id="1" name=""/>
+        <p:cNvGrpSpPr/>
+        <p:nvPr/>
+      </p:nvGrpSpPr>
+      <p:grpSpPr>
+        <a:xfrm>
+          <a:off x="0" y="0"/>
+          <a:ext cx="0" cy="0"/>
+          <a:chOff x="0" y="0"/>
+          <a:chExt cx="0" cy="0"/>
+        </a:xfrm>
+      </p:grpSpPr>
+      <p:sp>
+        <p:nvSpPr>
+          <p:cNvPr id="2" name="Title 1"/>
+          <p:cNvSpPr>
+            <a:spLocks noGrp="1"/>
+          </p:cNvSpPr>
+          <p:nvPr>
+            <p:ph type="title"/>
+          </p:nvPr>
+        </p:nvSpPr>
+        <p:spPr/>
+        <p:txBody>
+          <a:bodyPr/>
+          <a:lstStyle/>
+          <a:p>
+            <a:r>
+              <a:rPr lang="en-US" dirty="0" err="1" smtClean="0"/>
+              <a:t>Treap</a:t>
+            </a:r>
+            <a:endParaRPr lang="en-US" dirty="0"/>
+          </a:p>
+        </p:txBody>
+      </p:sp>
+      <p:sp>
+        <p:nvSpPr>
+          <p:cNvPr id="3" name="Content Placeholder 2"/>
+          <p:cNvSpPr>
+            <a:spLocks noGrp="1"/>
+          </p:cNvSpPr>
+          <p:nvPr>
+            <p:ph idx="1"/>
+          </p:nvPr>
+        </p:nvSpPr>
+        <p:spPr/>
+        <p:txBody>
+          <a:bodyPr/>
+          <a:lstStyle/>
+          <a:p>
+            <a:r>
+              <a:rPr lang="en-US" dirty="0" smtClean="0"/>
+              <a:t>Un </a:t>
+            </a:r>
+            <a:r>
+              <a:rPr lang="en-US" dirty="0" err="1" smtClean="0"/>
+              <a:t>treap</a:t>
+            </a:r>
+            <a:r>
+              <a:rPr lang="en-US" dirty="0" smtClean="0"/>
+              <a:t> </a:t>
+            </a:r>
+            <a:r>
+              <a:rPr lang="en-US" dirty="0" err="1" smtClean="0"/>
+              <a:t>este</a:t>
+            </a:r>
+            <a:r>
+              <a:rPr lang="en-US" dirty="0" smtClean="0"/>
+              <a:t> un arbore </a:t>
+            </a:r>
+            <a:r>
+              <a:rPr lang="en-US" dirty="0" err="1" smtClean="0"/>
+              <a:t>binar</a:t>
+            </a:r>
+            <a:r>
+              <a:rPr lang="en-US" dirty="0" smtClean="0"/>
+              <a:t> care </a:t>
+            </a:r>
+            <a:r>
+              <a:rPr lang="en-US" dirty="0" err="1" smtClean="0"/>
+              <a:t>respectă</a:t>
+            </a:r>
+            <a:r>
+              <a:rPr lang="en-US" dirty="0" smtClean="0"/>
+              <a:t> </a:t>
+            </a:r>
+            <a:r>
+              <a:rPr lang="en-US" dirty="0" err="1" smtClean="0"/>
+              <a:t>doi</a:t>
+            </a:r>
+            <a:r>
+              <a:rPr lang="en-US" dirty="0" smtClean="0"/>
+              <a:t> </a:t>
+            </a:r>
+            <a:r>
+              <a:rPr lang="en-US" dirty="0" err="1" smtClean="0"/>
+              <a:t>invarianți</a:t>
+            </a:r>
+            <a:endParaRPr lang="en-US" dirty="0" smtClean="0"/>
+          </a:p>
+          <a:p>
+            <a:pPr lvl="1"/>
+            <a:r>
+              <a:rPr lang="en-US" dirty="0" err="1" smtClean="0"/>
+              <a:t>Invariantul</a:t>
+            </a:r>
+            <a:r>
+              <a:rPr lang="en-US" dirty="0" smtClean="0"/>
+              <a:t> </a:t>
+            </a:r>
+            <a:r>
+              <a:rPr lang="en-US" dirty="0" err="1" smtClean="0"/>
+              <a:t>arborelui</a:t>
+            </a:r>
+            <a:r>
+              <a:rPr lang="en-US" dirty="0" smtClean="0"/>
+              <a:t> de </a:t>
+            </a:r>
+            <a:r>
+              <a:rPr lang="en-US" dirty="0" err="1" smtClean="0"/>
+              <a:t>căutare</a:t>
+            </a:r>
+            <a:r>
+              <a:rPr lang="en-US" dirty="0" smtClean="0"/>
+              <a:t> </a:t>
+            </a:r>
+            <a:r>
+              <a:rPr lang="en-US" dirty="0" err="1" smtClean="0"/>
+              <a:t>pentru</a:t>
+            </a:r>
+            <a:r>
+              <a:rPr lang="en-US" dirty="0" smtClean="0"/>
+              <a:t> </a:t>
+            </a:r>
+            <a:r>
+              <a:rPr lang="en-US" dirty="0" err="1" smtClean="0"/>
+              <a:t>chei</a:t>
+            </a:r>
+            <a:r>
+              <a:rPr lang="en-US" dirty="0" smtClean="0"/>
+              <a:t> (</a:t>
+            </a:r>
+            <a:r>
+              <a:rPr lang="en-US" b="1" dirty="0" smtClean="0"/>
+              <a:t>tr</a:t>
+            </a:r>
+            <a:r>
+              <a:rPr lang="en-US" dirty="0" smtClean="0"/>
+              <a:t>ee)</a:t>
+            </a:r>
+          </a:p>
+          <a:p>
+            <a:pPr lvl="1"/>
+            <a:r>
+              <a:rPr lang="en-US" dirty="0" err="1" smtClean="0"/>
+              <a:t>Invariantul</a:t>
+            </a:r>
+            <a:r>
+              <a:rPr lang="en-US" dirty="0" smtClean="0"/>
+              <a:t> de heap </a:t>
+            </a:r>
+            <a:r>
+              <a:rPr lang="en-US" dirty="0" err="1" smtClean="0"/>
+              <a:t>pentru</a:t>
+            </a:r>
+            <a:r>
+              <a:rPr lang="en-US" dirty="0" smtClean="0"/>
+              <a:t> </a:t>
+            </a:r>
+            <a:r>
+              <a:rPr lang="en-US" dirty="0" err="1" smtClean="0"/>
+              <a:t>priorități</a:t>
+            </a:r>
+            <a:r>
+              <a:rPr lang="en-US" dirty="0" smtClean="0"/>
+              <a:t> (h</a:t>
+            </a:r>
+            <a:r>
+              <a:rPr lang="en-US" b="1" dirty="0" smtClean="0"/>
+              <a:t>eap</a:t>
+            </a:r>
+            <a:r>
+              <a:rPr lang="en-US" dirty="0" smtClean="0"/>
+              <a:t>)</a:t>
+            </a:r>
+          </a:p>
+          <a:p>
+            <a:r>
+              <a:rPr lang="en-US" dirty="0" smtClean="0"/>
+              <a:t>=&gt; </a:t>
+            </a:r>
+            <a:r>
+              <a:rPr lang="en-US" b="1" dirty="0" err="1" smtClean="0"/>
+              <a:t>treap</a:t>
+            </a:r>
+            <a:endParaRPr lang="en-US" b="1" dirty="0" smtClean="0"/>
+          </a:p>
+          <a:p>
+            <a:endParaRPr lang="en-US" dirty="0" smtClean="0"/>
+          </a:p>
+          <a:p>
+            <a:pPr lvl="1"/>
+            <a:endParaRPr lang="en-US" dirty="0"/>
+          </a:p>
+        </p:txBody>
+      </p:sp>
+      <p:sp>
+        <p:nvSpPr>
+          <p:cNvPr id="4" name="Date Placeholder 3"/>
+          <p:cNvSpPr>
+            <a:spLocks noGrp="1"/>
+          </p:cNvSpPr>
+          <p:nvPr>
+            <p:ph type="dt" sz="half" idx="10"/>
+          </p:nvPr>
+        </p:nvSpPr>
+        <p:spPr/>
+        <p:txBody>
+          <a:bodyPr/>
+          <a:lstStyle/>
+          <a:p>
+            <a:r>
+              <a:rPr lang="en-US" smtClean="0"/>
+              <a:t>6 mai 2014</a:t>
+            </a:r>
+            <a:endParaRPr lang="en-US"/>
+          </a:p>
+        </p:txBody>
+      </p:sp>
+      <p:sp>
+        <p:nvSpPr>
+          <p:cNvPr id="5" name="Footer Placeholder 4"/>
+          <p:cNvSpPr>
+            <a:spLocks noGrp="1"/>
+          </p:cNvSpPr>
+          <p:nvPr>
+            <p:ph type="ftr" sz="quarter" idx="11"/>
+          </p:nvPr>
+        </p:nvSpPr>
+        <p:spPr/>
+        <p:txBody>
+          <a:bodyPr/>
+          <a:lstStyle/>
+          <a:p>
+            <a:r>
+              <a:rPr lang="en-US" smtClean="0"/>
+              <a:t>Curs 11 - Treap-uri</a:t>
+            </a:r>
+            <a:endParaRPr lang="en-US"/>
+          </a:p>
+        </p:txBody>
+      </p:sp>
+      <p:sp>
+        <p:nvSpPr>
+          <p:cNvPr id="6" name="Slide Number Placeholder 5"/>
+          <p:cNvSpPr>
+            <a:spLocks noGrp="1"/>
+          </p:cNvSpPr>
+          <p:nvPr>
+            <p:ph type="sldNum" sz="quarter" idx="12"/>
+          </p:nvPr>
+        </p:nvSpPr>
+        <p:spPr/>
+        <p:txBody>
+          <a:bodyPr/>
+          <a:lstStyle/>
+          <a:p>
+            <a:fld id="{32700B58-0F6D-B04A-BA00-FEC84FEE7A82}" type="slidenum">
+              <a:rPr lang="en-US" smtClean="0"/>
+              <a:t>9</a:t>
+            </a:fld>
+            <a:endParaRPr lang="en-US"/>
+          </a:p>
+        </p:txBody>
+      </p:sp>
+      <p:pic>
+        <p:nvPicPr>
+          <p:cNvPr id="9" name="Picture 8" descr="Screen Shot 2014-04-26 at 10.25.54 PM.png"/>
+          <p:cNvPicPr>
+            <a:picLocks noChangeAspect="1"/>
+          </p:cNvPicPr>
+          <p:nvPr/>
+        </p:nvPicPr>
+        <p:blipFill>
+          <a:blip r:embed="rId2">
+            <a:extLst>
+              <a:ext uri="{28A0092B-C50C-407E-A947-70E740481C1C}">
+                <a14:useLocalDpi xmlns:a14="http://schemas.microsoft.com/office/drawing/2010/main" val="0"/>
+              </a:ext>
+            </a:extLst>
+          </a:blip>
+          <a:stretch>
+            <a:fillRect/>
+          </a:stretch>
+        </p:blipFill>
+        <p:spPr>
+          <a:xfrm>
+            <a:off x="1642617" y="4034952"/>
+            <a:ext cx="5700999" cy="1852310"/>
+          </a:xfrm>
+          <a:prstGeom prst="rect">
+            <a:avLst/>
+          </a:prstGeom>
+        </p:spPr>
+      </p:pic>
+    </p:spTree>
+    <p:extLst>
+      <p:ext uri="{BB962C8B-B14F-4D97-AF65-F5344CB8AC3E}">
+        <p14:creationId xmlns:p14="http://schemas.microsoft.com/office/powerpoint/2010/main" val="3827146525"/>
+      </p:ext>
+    </p:extLst>
+  </p:cSld>
+  <p:clrMapOvr>
+    <a:masterClrMapping/>
+  </p:clrMapOvr>
+  <p:timing>
+    <p:tnLst>
+      <p:par>
+        <p:cTn xmlns:p14="http://schemas.microsoft.com/office/powerpoint/2010/main" id="1" dur="indefinite" restart="never" nodeType="tmRoot"/>
+      </p:par>
+    </p:tnLst>
+  </p:timing>
 </p:sld>
 </file>
 

--- a/curs11.pptx
+++ b/curs11.pptx
@@ -5,10 +5,10 @@
     <p:sldMasterId id="2147483648" r:id="rId1"/>
   </p:sldMasterIdLst>
   <p:notesMasterIdLst>
-    <p:notesMasterId r:id="rId22"/>
+    <p:notesMasterId r:id="rId23"/>
   </p:notesMasterIdLst>
   <p:handoutMasterIdLst>
-    <p:handoutMasterId r:id="rId23"/>
+    <p:handoutMasterId r:id="rId24"/>
   </p:handoutMasterIdLst>
   <p:sldIdLst>
     <p:sldId id="256" r:id="rId2"/>
@@ -31,6 +31,7 @@
     <p:sldId id="271" r:id="rId19"/>
     <p:sldId id="272" r:id="rId20"/>
     <p:sldId id="273" r:id="rId21"/>
+    <p:sldId id="276" r:id="rId22"/>
   </p:sldIdLst>
   <p:sldSz cx="9144000" cy="6858000" type="screen4x3"/>
   <p:notesSz cx="6858000" cy="9144000"/>
@@ -214,7 +215,7 @@
           <a:p>
             <a:fld id="{09984762-D577-EE4A-8EBF-69220DDF3D43}" type="datetimeFigureOut">
               <a:rPr lang="en-US" smtClean="0"/>
-              <a:t>4/25/14</a:t>
+              <a:t>5/2/14</a:t>
             </a:fld>
             <a:endParaRPr lang="en-US"/>
           </a:p>
@@ -380,7 +381,7 @@
           <a:p>
             <a:fld id="{BFF3ED5F-7C49-6340-A964-75912870877B}" type="datetimeFigureOut">
               <a:rPr lang="en-US" smtClean="0"/>
-              <a:t>4/25/14</a:t>
+              <a:t>5/2/14</a:t>
             </a:fld>
             <a:endParaRPr lang="en-US"/>
           </a:p>
@@ -3855,7 +3856,7 @@
             </a:r>
             <a:r>
               <a:rPr lang="en-US" dirty="0" err="1" smtClean="0"/>
-              <a:t>cautare</a:t>
+              <a:t>căutare</a:t>
             </a:r>
             <a:r>
               <a:rPr lang="en-US" dirty="0" smtClean="0"/>
@@ -3863,7 +3864,7 @@
             </a:r>
             <a:r>
               <a:rPr lang="en-US" dirty="0" err="1" smtClean="0"/>
-              <a:t>echilibrati</a:t>
+              <a:t>echilibrați</a:t>
             </a:r>
             <a:r>
               <a:rPr lang="en-US" dirty="0" smtClean="0"/>
@@ -3874,11 +3875,7 @@
             </a:br>
             <a:r>
               <a:rPr lang="en-US" dirty="0" err="1" smtClean="0"/>
-              <a:t>Treap</a:t>
-            </a:r>
-            <a:r>
-              <a:rPr lang="en-US" dirty="0" err="1" smtClean="0"/>
-              <a:t>-uri</a:t>
+              <a:t>Treap-uri</a:t>
             </a:r>
             <a:endParaRPr lang="en-US" dirty="0"/>
           </a:p>
@@ -4262,23 +4259,35 @@
             </a:r>
             <a:r>
               <a:rPr lang="en-US" sz="2300" dirty="0" err="1" smtClean="0"/>
-              <a:t>coboram</a:t>
-            </a:r>
-            <a:r>
-              <a:rPr lang="en-US" sz="2300" dirty="0" smtClean="0"/>
-              <a:t> in arbore </a:t>
-            </a:r>
-            <a:r>
-              <a:rPr lang="en-US" sz="2300" dirty="0" err="1" smtClean="0"/>
-              <a:t>pana</a:t>
+              <a:t>coborâm</a:t>
             </a:r>
             <a:r>
               <a:rPr lang="en-US" sz="2300" dirty="0" smtClean="0"/>
               <a:t> </a:t>
             </a:r>
             <a:r>
+              <a:rPr lang="en-US" sz="2300" dirty="0" err="1"/>
+              <a:t>î</a:t>
+            </a:r>
+            <a:r>
               <a:rPr lang="en-US" sz="2300" dirty="0" err="1" smtClean="0"/>
-              <a:t>gasim</a:t>
+              <a:t>n</a:t>
+            </a:r>
+            <a:r>
+              <a:rPr lang="en-US" sz="2300" dirty="0" smtClean="0"/>
+              <a:t> arbore </a:t>
+            </a:r>
+            <a:r>
+              <a:rPr lang="en-US" sz="2300" dirty="0" err="1" smtClean="0"/>
+              <a:t>până</a:t>
+            </a:r>
+            <a:r>
+              <a:rPr lang="en-US" sz="2300" dirty="0" smtClean="0"/>
+              <a:t> </a:t>
+            </a:r>
+            <a:r>
+              <a:rPr lang="en-US" sz="2300" dirty="0" err="1" smtClean="0"/>
+              <a:t>găsim</a:t>
             </a:r>
             <a:r>
               <a:rPr lang="en-US" sz="2300" dirty="0" smtClean="0"/>
@@ -4312,7 +4321,7 @@
             </a:r>
             <a:r>
               <a:rPr lang="en-US" sz="2300" dirty="0" err="1" smtClean="0"/>
-              <a:t>grija</a:t>
+              <a:t>grijă</a:t>
             </a:r>
             <a:r>
               <a:rPr lang="en-US" sz="2300" dirty="0" smtClean="0"/>
@@ -4320,7 +4329,7 @@
             </a:r>
             <a:r>
               <a:rPr lang="en-US" sz="2300" dirty="0" err="1" smtClean="0"/>
-              <a:t>sa</a:t>
+              <a:t>să</a:t>
             </a:r>
             <a:r>
               <a:rPr lang="en-US" sz="2300" dirty="0" smtClean="0"/>
@@ -4478,7 +4487,173 @@
   <p:timing>
     <p:tnLst>
       <p:par>
-        <p:cTn xmlns:p14="http://schemas.microsoft.com/office/powerpoint/2010/main" id="1" dur="indefinite" restart="never" nodeType="tmRoot"/>
+        <p:cTn xmlns:p14="http://schemas.microsoft.com/office/powerpoint/2010/main" id="1" dur="indefinite" restart="never" nodeType="tmRoot">
+          <p:childTnLst>
+            <p:seq concurrent="1" nextAc="seek">
+              <p:cTn id="2" dur="indefinite" nodeType="mainSeq">
+                <p:childTnLst>
+                  <p:par>
+                    <p:cTn id="3" fill="hold">
+                      <p:stCondLst>
+                        <p:cond delay="indefinite"/>
+                      </p:stCondLst>
+                      <p:childTnLst>
+                        <p:par>
+                          <p:cTn id="4" fill="hold">
+                            <p:stCondLst>
+                              <p:cond delay="0"/>
+                            </p:stCondLst>
+                            <p:childTnLst>
+                              <p:par>
+                                <p:cTn id="5" presetID="1" presetClass="entr" presetSubtype="0" fill="hold" nodeType="clickEffect">
+                                  <p:stCondLst>
+                                    <p:cond delay="0"/>
+                                  </p:stCondLst>
+                                  <p:childTnLst>
+                                    <p:set>
+                                      <p:cBhvr>
+                                        <p:cTn id="6" dur="1" fill="hold">
+                                          <p:stCondLst>
+                                            <p:cond delay="0"/>
+                                          </p:stCondLst>
+                                        </p:cTn>
+                                        <p:tgtEl>
+                                          <p:spTgt spid="3">
+                                            <p:txEl>
+                                              <p:pRg st="0" end="0"/>
+                                            </p:txEl>
+                                          </p:spTgt>
+                                        </p:tgtEl>
+                                        <p:attrNameLst>
+                                          <p:attrName>style.visibility</p:attrName>
+                                        </p:attrNameLst>
+                                      </p:cBhvr>
+                                      <p:to>
+                                        <p:strVal val="visible"/>
+                                      </p:to>
+                                    </p:set>
+                                  </p:childTnLst>
+                                </p:cTn>
+                              </p:par>
+                            </p:childTnLst>
+                          </p:cTn>
+                        </p:par>
+                      </p:childTnLst>
+                    </p:cTn>
+                  </p:par>
+                  <p:par>
+                    <p:cTn id="7" fill="hold">
+                      <p:stCondLst>
+                        <p:cond delay="indefinite"/>
+                      </p:stCondLst>
+                      <p:childTnLst>
+                        <p:par>
+                          <p:cTn id="8" fill="hold">
+                            <p:stCondLst>
+                              <p:cond delay="0"/>
+                            </p:stCondLst>
+                            <p:childTnLst>
+                              <p:par>
+                                <p:cTn id="9" presetID="1" presetClass="entr" presetSubtype="0" fill="hold" nodeType="clickEffect">
+                                  <p:stCondLst>
+                                    <p:cond delay="0"/>
+                                  </p:stCondLst>
+                                  <p:childTnLst>
+                                    <p:set>
+                                      <p:cBhvr>
+                                        <p:cTn id="10" dur="1" fill="hold">
+                                          <p:stCondLst>
+                                            <p:cond delay="0"/>
+                                          </p:stCondLst>
+                                        </p:cTn>
+                                        <p:tgtEl>
+                                          <p:spTgt spid="3">
+                                            <p:txEl>
+                                              <p:pRg st="1" end="1"/>
+                                            </p:txEl>
+                                          </p:spTgt>
+                                        </p:tgtEl>
+                                        <p:attrNameLst>
+                                          <p:attrName>style.visibility</p:attrName>
+                                        </p:attrNameLst>
+                                      </p:cBhvr>
+                                      <p:to>
+                                        <p:strVal val="visible"/>
+                                      </p:to>
+                                    </p:set>
+                                  </p:childTnLst>
+                                </p:cTn>
+                              </p:par>
+                            </p:childTnLst>
+                          </p:cTn>
+                        </p:par>
+                      </p:childTnLst>
+                    </p:cTn>
+                  </p:par>
+                  <p:par>
+                    <p:cTn id="11" fill="hold">
+                      <p:stCondLst>
+                        <p:cond delay="indefinite"/>
+                      </p:stCondLst>
+                      <p:childTnLst>
+                        <p:par>
+                          <p:cTn id="12" fill="hold">
+                            <p:stCondLst>
+                              <p:cond delay="0"/>
+                            </p:stCondLst>
+                            <p:childTnLst>
+                              <p:par>
+                                <p:cTn id="13" presetID="1" presetClass="entr" presetSubtype="0" fill="hold" nodeType="clickEffect">
+                                  <p:stCondLst>
+                                    <p:cond delay="0"/>
+                                  </p:stCondLst>
+                                  <p:childTnLst>
+                                    <p:set>
+                                      <p:cBhvr>
+                                        <p:cTn id="14" dur="1" fill="hold">
+                                          <p:stCondLst>
+                                            <p:cond delay="0"/>
+                                          </p:stCondLst>
+                                        </p:cTn>
+                                        <p:tgtEl>
+                                          <p:spTgt spid="8"/>
+                                        </p:tgtEl>
+                                        <p:attrNameLst>
+                                          <p:attrName>style.visibility</p:attrName>
+                                        </p:attrNameLst>
+                                      </p:cBhvr>
+                                      <p:to>
+                                        <p:strVal val="visible"/>
+                                      </p:to>
+                                    </p:set>
+                                  </p:childTnLst>
+                                </p:cTn>
+                              </p:par>
+                            </p:childTnLst>
+                          </p:cTn>
+                        </p:par>
+                      </p:childTnLst>
+                    </p:cTn>
+                  </p:par>
+                </p:childTnLst>
+              </p:cTn>
+              <p:prevCondLst>
+                <p:cond evt="onPrev" delay="0">
+                  <p:tgtEl>
+                    <p:sldTgt/>
+                  </p:tgtEl>
+                </p:cond>
+              </p:prevCondLst>
+              <p:nextCondLst>
+                <p:cond evt="onNext" delay="0">
+                  <p:tgtEl>
+                    <p:sldTgt/>
+                  </p:tgtEl>
+                </p:cond>
+              </p:nextCondLst>
+            </p:seq>
+          </p:childTnLst>
+        </p:cTn>
       </p:par>
     </p:tnLst>
   </p:timing>
@@ -5051,8 +5226,12 @@
           <a:lstStyle/>
           <a:p>
             <a:r>
-              <a:rPr lang="en-US" dirty="0" err="1" smtClean="0"/>
-              <a:t>Stergere</a:t>
+              <a:rPr lang="en-US" dirty="0" err="1"/>
+              <a:t>Ș</a:t>
+            </a:r>
+            <a:r>
+              <a:rPr lang="en-US" dirty="0" err="1" smtClean="0"/>
+              <a:t>tergere</a:t>
             </a:r>
             <a:endParaRPr lang="en-US" dirty="0"/>
           </a:p>
@@ -5093,7 +5272,7 @@
             </a:r>
             <a:r>
               <a:rPr lang="en-US" sz="2300" dirty="0" err="1" smtClean="0"/>
-              <a:t>pana</a:t>
+              <a:t>până</a:t>
             </a:r>
             <a:r>
               <a:rPr lang="en-US" sz="2300" dirty="0" smtClean="0"/>
@@ -5302,7 +5481,173 @@
   <p:timing>
     <p:tnLst>
       <p:par>
-        <p:cTn xmlns:p14="http://schemas.microsoft.com/office/powerpoint/2010/main" id="1" dur="indefinite" restart="never" nodeType="tmRoot"/>
+        <p:cTn xmlns:p14="http://schemas.microsoft.com/office/powerpoint/2010/main" id="1" dur="indefinite" restart="never" nodeType="tmRoot">
+          <p:childTnLst>
+            <p:seq concurrent="1" nextAc="seek">
+              <p:cTn id="2" dur="indefinite" nodeType="mainSeq">
+                <p:childTnLst>
+                  <p:par>
+                    <p:cTn id="3" fill="hold">
+                      <p:stCondLst>
+                        <p:cond delay="indefinite"/>
+                      </p:stCondLst>
+                      <p:childTnLst>
+                        <p:par>
+                          <p:cTn id="4" fill="hold">
+                            <p:stCondLst>
+                              <p:cond delay="0"/>
+                            </p:stCondLst>
+                            <p:childTnLst>
+                              <p:par>
+                                <p:cTn id="5" presetID="1" presetClass="entr" presetSubtype="0" fill="hold" nodeType="clickEffect">
+                                  <p:stCondLst>
+                                    <p:cond delay="0"/>
+                                  </p:stCondLst>
+                                  <p:childTnLst>
+                                    <p:set>
+                                      <p:cBhvr>
+                                        <p:cTn id="6" dur="1" fill="hold">
+                                          <p:stCondLst>
+                                            <p:cond delay="0"/>
+                                          </p:stCondLst>
+                                        </p:cTn>
+                                        <p:tgtEl>
+                                          <p:spTgt spid="3">
+                                            <p:txEl>
+                                              <p:pRg st="0" end="0"/>
+                                            </p:txEl>
+                                          </p:spTgt>
+                                        </p:tgtEl>
+                                        <p:attrNameLst>
+                                          <p:attrName>style.visibility</p:attrName>
+                                        </p:attrNameLst>
+                                      </p:cBhvr>
+                                      <p:to>
+                                        <p:strVal val="visible"/>
+                                      </p:to>
+                                    </p:set>
+                                  </p:childTnLst>
+                                </p:cTn>
+                              </p:par>
+                            </p:childTnLst>
+                          </p:cTn>
+                        </p:par>
+                      </p:childTnLst>
+                    </p:cTn>
+                  </p:par>
+                  <p:par>
+                    <p:cTn id="7" fill="hold">
+                      <p:stCondLst>
+                        <p:cond delay="indefinite"/>
+                      </p:stCondLst>
+                      <p:childTnLst>
+                        <p:par>
+                          <p:cTn id="8" fill="hold">
+                            <p:stCondLst>
+                              <p:cond delay="0"/>
+                            </p:stCondLst>
+                            <p:childTnLst>
+                              <p:par>
+                                <p:cTn id="9" presetID="1" presetClass="entr" presetSubtype="0" fill="hold" nodeType="clickEffect">
+                                  <p:stCondLst>
+                                    <p:cond delay="0"/>
+                                  </p:stCondLst>
+                                  <p:childTnLst>
+                                    <p:set>
+                                      <p:cBhvr>
+                                        <p:cTn id="10" dur="1" fill="hold">
+                                          <p:stCondLst>
+                                            <p:cond delay="0"/>
+                                          </p:stCondLst>
+                                        </p:cTn>
+                                        <p:tgtEl>
+                                          <p:spTgt spid="3">
+                                            <p:txEl>
+                                              <p:pRg st="1" end="1"/>
+                                            </p:txEl>
+                                          </p:spTgt>
+                                        </p:tgtEl>
+                                        <p:attrNameLst>
+                                          <p:attrName>style.visibility</p:attrName>
+                                        </p:attrNameLst>
+                                      </p:cBhvr>
+                                      <p:to>
+                                        <p:strVal val="visible"/>
+                                      </p:to>
+                                    </p:set>
+                                  </p:childTnLst>
+                                </p:cTn>
+                              </p:par>
+                            </p:childTnLst>
+                          </p:cTn>
+                        </p:par>
+                      </p:childTnLst>
+                    </p:cTn>
+                  </p:par>
+                  <p:par>
+                    <p:cTn id="11" fill="hold">
+                      <p:stCondLst>
+                        <p:cond delay="indefinite"/>
+                      </p:stCondLst>
+                      <p:childTnLst>
+                        <p:par>
+                          <p:cTn id="12" fill="hold">
+                            <p:stCondLst>
+                              <p:cond delay="0"/>
+                            </p:stCondLst>
+                            <p:childTnLst>
+                              <p:par>
+                                <p:cTn id="13" presetID="1" presetClass="entr" presetSubtype="0" fill="hold" nodeType="clickEffect">
+                                  <p:stCondLst>
+                                    <p:cond delay="0"/>
+                                  </p:stCondLst>
+                                  <p:childTnLst>
+                                    <p:set>
+                                      <p:cBhvr>
+                                        <p:cTn id="14" dur="1" fill="hold">
+                                          <p:stCondLst>
+                                            <p:cond delay="0"/>
+                                          </p:stCondLst>
+                                        </p:cTn>
+                                        <p:tgtEl>
+                                          <p:spTgt spid="7"/>
+                                        </p:tgtEl>
+                                        <p:attrNameLst>
+                                          <p:attrName>style.visibility</p:attrName>
+                                        </p:attrNameLst>
+                                      </p:cBhvr>
+                                      <p:to>
+                                        <p:strVal val="visible"/>
+                                      </p:to>
+                                    </p:set>
+                                  </p:childTnLst>
+                                </p:cTn>
+                              </p:par>
+                            </p:childTnLst>
+                          </p:cTn>
+                        </p:par>
+                      </p:childTnLst>
+                    </p:cTn>
+                  </p:par>
+                </p:childTnLst>
+              </p:cTn>
+              <p:prevCondLst>
+                <p:cond evt="onPrev" delay="0">
+                  <p:tgtEl>
+                    <p:sldTgt/>
+                  </p:tgtEl>
+                </p:cond>
+              </p:prevCondLst>
+              <p:nextCondLst>
+                <p:cond evt="onNext" delay="0">
+                  <p:tgtEl>
+                    <p:sldTgt/>
+                  </p:tgtEl>
+                </p:cond>
+              </p:nextCondLst>
+            </p:seq>
+          </p:childTnLst>
+        </p:cTn>
       </p:par>
     </p:tnLst>
   </p:timing>
@@ -5508,7 +5853,79 @@
   <p:timing>
     <p:tnLst>
       <p:par>
-        <p:cTn xmlns:p14="http://schemas.microsoft.com/office/powerpoint/2010/main" id="1" dur="indefinite" restart="never" nodeType="tmRoot"/>
+        <p:cTn xmlns:p14="http://schemas.microsoft.com/office/powerpoint/2010/main" id="1" dur="indefinite" restart="never" nodeType="tmRoot">
+          <p:childTnLst>
+            <p:seq concurrent="1" nextAc="seek">
+              <p:cTn id="2" dur="indefinite" nodeType="mainSeq">
+                <p:childTnLst>
+                  <p:par>
+                    <p:cTn id="3" fill="hold">
+                      <p:stCondLst>
+                        <p:cond delay="indefinite"/>
+                      </p:stCondLst>
+                      <p:childTnLst>
+                        <p:par>
+                          <p:cTn id="4" fill="hold">
+                            <p:stCondLst>
+                              <p:cond delay="0"/>
+                            </p:stCondLst>
+                            <p:childTnLst>
+                              <p:par>
+                                <p:cTn id="5" presetID="1" presetClass="entr" presetSubtype="0" fill="hold" nodeType="clickEffect">
+                                  <p:stCondLst>
+                                    <p:cond delay="0"/>
+                                  </p:stCondLst>
+                                  <p:childTnLst>
+                                    <p:set>
+                                      <p:cBhvr>
+                                        <p:cTn id="6" dur="1" fill="hold">
+                                          <p:stCondLst>
+                                            <p:cond delay="0"/>
+                                          </p:stCondLst>
+                                        </p:cTn>
+                                        <p:tgtEl>
+                                          <p:spTgt spid="3">
+                                            <p:txEl>
+                                              <p:pRg st="2" end="2"/>
+                                            </p:txEl>
+                                          </p:spTgt>
+                                        </p:tgtEl>
+                                        <p:attrNameLst>
+                                          <p:attrName>style.visibility</p:attrName>
+                                        </p:attrNameLst>
+                                      </p:cBhvr>
+                                      <p:to>
+                                        <p:strVal val="visible"/>
+                                      </p:to>
+                                    </p:set>
+                                  </p:childTnLst>
+                                </p:cTn>
+                              </p:par>
+                            </p:childTnLst>
+                          </p:cTn>
+                        </p:par>
+                      </p:childTnLst>
+                    </p:cTn>
+                  </p:par>
+                </p:childTnLst>
+              </p:cTn>
+              <p:prevCondLst>
+                <p:cond evt="onPrev" delay="0">
+                  <p:tgtEl>
+                    <p:sldTgt/>
+                  </p:tgtEl>
+                </p:cond>
+              </p:prevCondLst>
+              <p:nextCondLst>
+                <p:cond evt="onNext" delay="0">
+                  <p:tgtEl>
+                    <p:sldTgt/>
+                  </p:tgtEl>
+                </p:cond>
+              </p:nextCondLst>
+            </p:seq>
+          </p:childTnLst>
+        </p:cTn>
       </p:par>
     </p:tnLst>
   </p:timing>
@@ -5868,7 +6285,288 @@
   <p:timing>
     <p:tnLst>
       <p:par>
-        <p:cTn xmlns:p14="http://schemas.microsoft.com/office/powerpoint/2010/main" id="1" dur="indefinite" restart="never" nodeType="tmRoot"/>
+        <p:cTn xmlns:p14="http://schemas.microsoft.com/office/powerpoint/2010/main" id="1" dur="indefinite" restart="never" nodeType="tmRoot">
+          <p:childTnLst>
+            <p:seq concurrent="1" nextAc="seek">
+              <p:cTn id="2" dur="indefinite" nodeType="mainSeq">
+                <p:childTnLst>
+                  <p:par>
+                    <p:cTn id="3" fill="hold">
+                      <p:stCondLst>
+                        <p:cond delay="indefinite"/>
+                      </p:stCondLst>
+                      <p:childTnLst>
+                        <p:par>
+                          <p:cTn id="4" fill="hold">
+                            <p:stCondLst>
+                              <p:cond delay="0"/>
+                            </p:stCondLst>
+                            <p:childTnLst>
+                              <p:par>
+                                <p:cTn id="5" presetID="1" presetClass="entr" presetSubtype="0" fill="hold" nodeType="clickEffect">
+                                  <p:stCondLst>
+                                    <p:cond delay="0"/>
+                                  </p:stCondLst>
+                                  <p:childTnLst>
+                                    <p:set>
+                                      <p:cBhvr>
+                                        <p:cTn id="6" dur="1" fill="hold">
+                                          <p:stCondLst>
+                                            <p:cond delay="0"/>
+                                          </p:stCondLst>
+                                        </p:cTn>
+                                        <p:tgtEl>
+                                          <p:spTgt spid="3">
+                                            <p:txEl>
+                                              <p:pRg st="0" end="0"/>
+                                            </p:txEl>
+                                          </p:spTgt>
+                                        </p:tgtEl>
+                                        <p:attrNameLst>
+                                          <p:attrName>style.visibility</p:attrName>
+                                        </p:attrNameLst>
+                                      </p:cBhvr>
+                                      <p:to>
+                                        <p:strVal val="visible"/>
+                                      </p:to>
+                                    </p:set>
+                                  </p:childTnLst>
+                                </p:cTn>
+                              </p:par>
+                              <p:par>
+                                <p:cTn id="7" presetID="1" presetClass="entr" presetSubtype="0" fill="hold" nodeType="withEffect">
+                                  <p:stCondLst>
+                                    <p:cond delay="0"/>
+                                  </p:stCondLst>
+                                  <p:childTnLst>
+                                    <p:set>
+                                      <p:cBhvr>
+                                        <p:cTn id="8" dur="1" fill="hold">
+                                          <p:stCondLst>
+                                            <p:cond delay="0"/>
+                                          </p:stCondLst>
+                                        </p:cTn>
+                                        <p:tgtEl>
+                                          <p:spTgt spid="3">
+                                            <p:txEl>
+                                              <p:pRg st="1" end="1"/>
+                                            </p:txEl>
+                                          </p:spTgt>
+                                        </p:tgtEl>
+                                        <p:attrNameLst>
+                                          <p:attrName>style.visibility</p:attrName>
+                                        </p:attrNameLst>
+                                      </p:cBhvr>
+                                      <p:to>
+                                        <p:strVal val="visible"/>
+                                      </p:to>
+                                    </p:set>
+                                  </p:childTnLst>
+                                </p:cTn>
+                              </p:par>
+                            </p:childTnLst>
+                          </p:cTn>
+                        </p:par>
+                      </p:childTnLst>
+                    </p:cTn>
+                  </p:par>
+                  <p:par>
+                    <p:cTn id="9" fill="hold">
+                      <p:stCondLst>
+                        <p:cond delay="indefinite"/>
+                      </p:stCondLst>
+                      <p:childTnLst>
+                        <p:par>
+                          <p:cTn id="10" fill="hold">
+                            <p:stCondLst>
+                              <p:cond delay="0"/>
+                            </p:stCondLst>
+                            <p:childTnLst>
+                              <p:par>
+                                <p:cTn id="11" presetID="1" presetClass="entr" presetSubtype="0" fill="hold" nodeType="clickEffect">
+                                  <p:stCondLst>
+                                    <p:cond delay="0"/>
+                                  </p:stCondLst>
+                                  <p:childTnLst>
+                                    <p:set>
+                                      <p:cBhvr>
+                                        <p:cTn id="12" dur="1" fill="hold">
+                                          <p:stCondLst>
+                                            <p:cond delay="0"/>
+                                          </p:stCondLst>
+                                        </p:cTn>
+                                        <p:tgtEl>
+                                          <p:spTgt spid="3">
+                                            <p:txEl>
+                                              <p:pRg st="2" end="2"/>
+                                            </p:txEl>
+                                          </p:spTgt>
+                                        </p:tgtEl>
+                                        <p:attrNameLst>
+                                          <p:attrName>style.visibility</p:attrName>
+                                        </p:attrNameLst>
+                                      </p:cBhvr>
+                                      <p:to>
+                                        <p:strVal val="visible"/>
+                                      </p:to>
+                                    </p:set>
+                                  </p:childTnLst>
+                                </p:cTn>
+                              </p:par>
+                              <p:par>
+                                <p:cTn id="13" presetID="1" presetClass="entr" presetSubtype="0" fill="hold" nodeType="withEffect">
+                                  <p:stCondLst>
+                                    <p:cond delay="0"/>
+                                  </p:stCondLst>
+                                  <p:childTnLst>
+                                    <p:set>
+                                      <p:cBhvr>
+                                        <p:cTn id="14" dur="1" fill="hold">
+                                          <p:stCondLst>
+                                            <p:cond delay="0"/>
+                                          </p:stCondLst>
+                                        </p:cTn>
+                                        <p:tgtEl>
+                                          <p:spTgt spid="3">
+                                            <p:txEl>
+                                              <p:pRg st="3" end="3"/>
+                                            </p:txEl>
+                                          </p:spTgt>
+                                        </p:tgtEl>
+                                        <p:attrNameLst>
+                                          <p:attrName>style.visibility</p:attrName>
+                                        </p:attrNameLst>
+                                      </p:cBhvr>
+                                      <p:to>
+                                        <p:strVal val="visible"/>
+                                      </p:to>
+                                    </p:set>
+                                  </p:childTnLst>
+                                </p:cTn>
+                              </p:par>
+                            </p:childTnLst>
+                          </p:cTn>
+                        </p:par>
+                      </p:childTnLst>
+                    </p:cTn>
+                  </p:par>
+                  <p:par>
+                    <p:cTn id="15" fill="hold">
+                      <p:stCondLst>
+                        <p:cond delay="indefinite"/>
+                      </p:stCondLst>
+                      <p:childTnLst>
+                        <p:par>
+                          <p:cTn id="16" fill="hold">
+                            <p:stCondLst>
+                              <p:cond delay="0"/>
+                            </p:stCondLst>
+                            <p:childTnLst>
+                              <p:par>
+                                <p:cTn id="17" presetID="1" presetClass="entr" presetSubtype="0" fill="hold" nodeType="clickEffect">
+                                  <p:stCondLst>
+                                    <p:cond delay="0"/>
+                                  </p:stCondLst>
+                                  <p:childTnLst>
+                                    <p:set>
+                                      <p:cBhvr>
+                                        <p:cTn id="18" dur="1" fill="hold">
+                                          <p:stCondLst>
+                                            <p:cond delay="0"/>
+                                          </p:stCondLst>
+                                        </p:cTn>
+                                        <p:tgtEl>
+                                          <p:spTgt spid="3">
+                                            <p:txEl>
+                                              <p:pRg st="4" end="4"/>
+                                            </p:txEl>
+                                          </p:spTgt>
+                                        </p:tgtEl>
+                                        <p:attrNameLst>
+                                          <p:attrName>style.visibility</p:attrName>
+                                        </p:attrNameLst>
+                                      </p:cBhvr>
+                                      <p:to>
+                                        <p:strVal val="visible"/>
+                                      </p:to>
+                                    </p:set>
+                                  </p:childTnLst>
+                                </p:cTn>
+                              </p:par>
+                            </p:childTnLst>
+                          </p:cTn>
+                        </p:par>
+                      </p:childTnLst>
+                    </p:cTn>
+                  </p:par>
+                  <p:par>
+                    <p:cTn id="19" fill="hold">
+                      <p:stCondLst>
+                        <p:cond delay="indefinite"/>
+                      </p:stCondLst>
+                      <p:childTnLst>
+                        <p:par>
+                          <p:cTn id="20" fill="hold">
+                            <p:stCondLst>
+                              <p:cond delay="0"/>
+                            </p:stCondLst>
+                            <p:childTnLst>
+                              <p:par>
+                                <p:cTn id="21" presetID="1" presetClass="entr" presetSubtype="0" fill="hold" nodeType="clickEffect">
+                                  <p:stCondLst>
+                                    <p:cond delay="0"/>
+                                  </p:stCondLst>
+                                  <p:childTnLst>
+                                    <p:set>
+                                      <p:cBhvr>
+                                        <p:cTn id="22" dur="1" fill="hold">
+                                          <p:stCondLst>
+                                            <p:cond delay="0"/>
+                                          </p:stCondLst>
+                                        </p:cTn>
+                                        <p:tgtEl>
+                                          <p:spTgt spid="3">
+                                            <p:txEl>
+                                              <p:pRg st="5" end="5"/>
+                                            </p:txEl>
+                                          </p:spTgt>
+                                        </p:tgtEl>
+                                        <p:attrNameLst>
+                                          <p:attrName>style.visibility</p:attrName>
+                                        </p:attrNameLst>
+                                      </p:cBhvr>
+                                      <p:to>
+                                        <p:strVal val="visible"/>
+                                      </p:to>
+                                    </p:set>
+                                  </p:childTnLst>
+                                </p:cTn>
+                              </p:par>
+                            </p:childTnLst>
+                          </p:cTn>
+                        </p:par>
+                      </p:childTnLst>
+                    </p:cTn>
+                  </p:par>
+                </p:childTnLst>
+              </p:cTn>
+              <p:prevCondLst>
+                <p:cond evt="onPrev" delay="0">
+                  <p:tgtEl>
+                    <p:sldTgt/>
+                  </p:tgtEl>
+                </p:cond>
+              </p:prevCondLst>
+              <p:nextCondLst>
+                <p:cond evt="onNext" delay="0">
+                  <p:tgtEl>
+                    <p:sldTgt/>
+                  </p:tgtEl>
+                </p:cond>
+              </p:nextCondLst>
+            </p:seq>
+          </p:childTnLst>
+        </p:cTn>
       </p:par>
     </p:tnLst>
   </p:timing>
@@ -6206,7 +6904,275 @@
   <p:timing>
     <p:tnLst>
       <p:par>
-        <p:cTn xmlns:p14="http://schemas.microsoft.com/office/powerpoint/2010/main" id="1" dur="indefinite" restart="never" nodeType="tmRoot"/>
+        <p:cTn xmlns:p14="http://schemas.microsoft.com/office/powerpoint/2010/main" id="1" dur="indefinite" restart="never" nodeType="tmRoot">
+          <p:childTnLst>
+            <p:seq concurrent="1" nextAc="seek">
+              <p:cTn id="2" dur="indefinite" nodeType="mainSeq">
+                <p:childTnLst>
+                  <p:par>
+                    <p:cTn id="3" fill="hold">
+                      <p:stCondLst>
+                        <p:cond delay="indefinite"/>
+                      </p:stCondLst>
+                      <p:childTnLst>
+                        <p:par>
+                          <p:cTn id="4" fill="hold">
+                            <p:stCondLst>
+                              <p:cond delay="0"/>
+                            </p:stCondLst>
+                            <p:childTnLst>
+                              <p:par>
+                                <p:cTn id="5" presetID="1" presetClass="entr" presetSubtype="0" fill="hold" nodeType="clickEffect">
+                                  <p:stCondLst>
+                                    <p:cond delay="0"/>
+                                  </p:stCondLst>
+                                  <p:childTnLst>
+                                    <p:set>
+                                      <p:cBhvr>
+                                        <p:cTn id="6" dur="1" fill="hold">
+                                          <p:stCondLst>
+                                            <p:cond delay="0"/>
+                                          </p:stCondLst>
+                                        </p:cTn>
+                                        <p:tgtEl>
+                                          <p:spTgt spid="3">
+                                            <p:txEl>
+                                              <p:pRg st="0" end="0"/>
+                                            </p:txEl>
+                                          </p:spTgt>
+                                        </p:tgtEl>
+                                        <p:attrNameLst>
+                                          <p:attrName>style.visibility</p:attrName>
+                                        </p:attrNameLst>
+                                      </p:cBhvr>
+                                      <p:to>
+                                        <p:strVal val="visible"/>
+                                      </p:to>
+                                    </p:set>
+                                  </p:childTnLst>
+                                </p:cTn>
+                              </p:par>
+                            </p:childTnLst>
+                          </p:cTn>
+                        </p:par>
+                      </p:childTnLst>
+                    </p:cTn>
+                  </p:par>
+                  <p:par>
+                    <p:cTn id="7" fill="hold">
+                      <p:stCondLst>
+                        <p:cond delay="indefinite"/>
+                      </p:stCondLst>
+                      <p:childTnLst>
+                        <p:par>
+                          <p:cTn id="8" fill="hold">
+                            <p:stCondLst>
+                              <p:cond delay="0"/>
+                            </p:stCondLst>
+                            <p:childTnLst>
+                              <p:par>
+                                <p:cTn id="9" presetID="1" presetClass="entr" presetSubtype="0" fill="hold" nodeType="clickEffect">
+                                  <p:stCondLst>
+                                    <p:cond delay="0"/>
+                                  </p:stCondLst>
+                                  <p:childTnLst>
+                                    <p:set>
+                                      <p:cBhvr>
+                                        <p:cTn id="10" dur="1" fill="hold">
+                                          <p:stCondLst>
+                                            <p:cond delay="0"/>
+                                          </p:stCondLst>
+                                        </p:cTn>
+                                        <p:tgtEl>
+                                          <p:spTgt spid="3">
+                                            <p:txEl>
+                                              <p:pRg st="1" end="1"/>
+                                            </p:txEl>
+                                          </p:spTgt>
+                                        </p:tgtEl>
+                                        <p:attrNameLst>
+                                          <p:attrName>style.visibility</p:attrName>
+                                        </p:attrNameLst>
+                                      </p:cBhvr>
+                                      <p:to>
+                                        <p:strVal val="visible"/>
+                                      </p:to>
+                                    </p:set>
+                                  </p:childTnLst>
+                                </p:cTn>
+                              </p:par>
+                            </p:childTnLst>
+                          </p:cTn>
+                        </p:par>
+                      </p:childTnLst>
+                    </p:cTn>
+                  </p:par>
+                  <p:par>
+                    <p:cTn id="11" fill="hold">
+                      <p:stCondLst>
+                        <p:cond delay="indefinite"/>
+                      </p:stCondLst>
+                      <p:childTnLst>
+                        <p:par>
+                          <p:cTn id="12" fill="hold">
+                            <p:stCondLst>
+                              <p:cond delay="0"/>
+                            </p:stCondLst>
+                            <p:childTnLst>
+                              <p:par>
+                                <p:cTn id="13" presetID="1" presetClass="entr" presetSubtype="0" fill="hold" nodeType="clickEffect">
+                                  <p:stCondLst>
+                                    <p:cond delay="0"/>
+                                  </p:stCondLst>
+                                  <p:childTnLst>
+                                    <p:set>
+                                      <p:cBhvr>
+                                        <p:cTn id="14" dur="1" fill="hold">
+                                          <p:stCondLst>
+                                            <p:cond delay="0"/>
+                                          </p:stCondLst>
+                                        </p:cTn>
+                                        <p:tgtEl>
+                                          <p:spTgt spid="3">
+                                            <p:txEl>
+                                              <p:pRg st="2" end="2"/>
+                                            </p:txEl>
+                                          </p:spTgt>
+                                        </p:tgtEl>
+                                        <p:attrNameLst>
+                                          <p:attrName>style.visibility</p:attrName>
+                                        </p:attrNameLst>
+                                      </p:cBhvr>
+                                      <p:to>
+                                        <p:strVal val="visible"/>
+                                      </p:to>
+                                    </p:set>
+                                  </p:childTnLst>
+                                </p:cTn>
+                              </p:par>
+                            </p:childTnLst>
+                          </p:cTn>
+                        </p:par>
+                      </p:childTnLst>
+                    </p:cTn>
+                  </p:par>
+                  <p:par>
+                    <p:cTn id="15" fill="hold">
+                      <p:stCondLst>
+                        <p:cond delay="indefinite"/>
+                      </p:stCondLst>
+                      <p:childTnLst>
+                        <p:par>
+                          <p:cTn id="16" fill="hold">
+                            <p:stCondLst>
+                              <p:cond delay="0"/>
+                            </p:stCondLst>
+                            <p:childTnLst>
+                              <p:par>
+                                <p:cTn id="17" presetID="1" presetClass="entr" presetSubtype="0" fill="hold" nodeType="clickEffect">
+                                  <p:stCondLst>
+                                    <p:cond delay="0"/>
+                                  </p:stCondLst>
+                                  <p:childTnLst>
+                                    <p:set>
+                                      <p:cBhvr>
+                                        <p:cTn id="18" dur="1" fill="hold">
+                                          <p:stCondLst>
+                                            <p:cond delay="0"/>
+                                          </p:stCondLst>
+                                        </p:cTn>
+                                        <p:tgtEl>
+                                          <p:spTgt spid="3">
+                                            <p:txEl>
+                                              <p:pRg st="3" end="3"/>
+                                            </p:txEl>
+                                          </p:spTgt>
+                                        </p:tgtEl>
+                                        <p:attrNameLst>
+                                          <p:attrName>style.visibility</p:attrName>
+                                        </p:attrNameLst>
+                                      </p:cBhvr>
+                                      <p:to>
+                                        <p:strVal val="visible"/>
+                                      </p:to>
+                                    </p:set>
+                                  </p:childTnLst>
+                                </p:cTn>
+                              </p:par>
+                            </p:childTnLst>
+                          </p:cTn>
+                        </p:par>
+                      </p:childTnLst>
+                    </p:cTn>
+                  </p:par>
+                  <p:par>
+                    <p:cTn id="19" fill="hold">
+                      <p:stCondLst>
+                        <p:cond delay="indefinite"/>
+                      </p:stCondLst>
+                      <p:childTnLst>
+                        <p:par>
+                          <p:cTn id="20" fill="hold">
+                            <p:stCondLst>
+                              <p:cond delay="0"/>
+                            </p:stCondLst>
+                            <p:childTnLst>
+                              <p:par>
+                                <p:cTn id="21" presetID="1" presetClass="entr" presetSubtype="0" fill="hold" nodeType="clickEffect">
+                                  <p:stCondLst>
+                                    <p:cond delay="0"/>
+                                  </p:stCondLst>
+                                  <p:childTnLst>
+                                    <p:set>
+                                      <p:cBhvr>
+                                        <p:cTn id="22" dur="1" fill="hold">
+                                          <p:stCondLst>
+                                            <p:cond delay="0"/>
+                                          </p:stCondLst>
+                                        </p:cTn>
+                                        <p:tgtEl>
+                                          <p:spTgt spid="3">
+                                            <p:txEl>
+                                              <p:pRg st="4" end="4"/>
+                                            </p:txEl>
+                                          </p:spTgt>
+                                        </p:tgtEl>
+                                        <p:attrNameLst>
+                                          <p:attrName>style.visibility</p:attrName>
+                                        </p:attrNameLst>
+                                      </p:cBhvr>
+                                      <p:to>
+                                        <p:strVal val="visible"/>
+                                      </p:to>
+                                    </p:set>
+                                  </p:childTnLst>
+                                </p:cTn>
+                              </p:par>
+                            </p:childTnLst>
+                          </p:cTn>
+                        </p:par>
+                      </p:childTnLst>
+                    </p:cTn>
+                  </p:par>
+                </p:childTnLst>
+              </p:cTn>
+              <p:prevCondLst>
+                <p:cond evt="onPrev" delay="0">
+                  <p:tgtEl>
+                    <p:sldTgt/>
+                  </p:tgtEl>
+                </p:cond>
+              </p:prevCondLst>
+              <p:nextCondLst>
+                <p:cond evt="onNext" delay="0">
+                  <p:tgtEl>
+                    <p:sldTgt/>
+                  </p:tgtEl>
+                </p:cond>
+              </p:nextCondLst>
+            </p:seq>
+          </p:childTnLst>
+        </p:cTn>
       </p:par>
     </p:tnLst>
   </p:timing>
@@ -6476,7 +7442,275 @@
   <p:timing>
     <p:tnLst>
       <p:par>
-        <p:cTn xmlns:p14="http://schemas.microsoft.com/office/powerpoint/2010/main" id="1" dur="indefinite" restart="never" nodeType="tmRoot"/>
+        <p:cTn xmlns:p14="http://schemas.microsoft.com/office/powerpoint/2010/main" id="1" dur="indefinite" restart="never" nodeType="tmRoot">
+          <p:childTnLst>
+            <p:seq concurrent="1" nextAc="seek">
+              <p:cTn id="2" dur="indefinite" nodeType="mainSeq">
+                <p:childTnLst>
+                  <p:par>
+                    <p:cTn id="3" fill="hold">
+                      <p:stCondLst>
+                        <p:cond delay="indefinite"/>
+                      </p:stCondLst>
+                      <p:childTnLst>
+                        <p:par>
+                          <p:cTn id="4" fill="hold">
+                            <p:stCondLst>
+                              <p:cond delay="0"/>
+                            </p:stCondLst>
+                            <p:childTnLst>
+                              <p:par>
+                                <p:cTn id="5" presetID="1" presetClass="entr" presetSubtype="0" fill="hold" nodeType="clickEffect">
+                                  <p:stCondLst>
+                                    <p:cond delay="0"/>
+                                  </p:stCondLst>
+                                  <p:childTnLst>
+                                    <p:set>
+                                      <p:cBhvr>
+                                        <p:cTn id="6" dur="1" fill="hold">
+                                          <p:stCondLst>
+                                            <p:cond delay="0"/>
+                                          </p:stCondLst>
+                                        </p:cTn>
+                                        <p:tgtEl>
+                                          <p:spTgt spid="3">
+                                            <p:txEl>
+                                              <p:pRg st="2" end="2"/>
+                                            </p:txEl>
+                                          </p:spTgt>
+                                        </p:tgtEl>
+                                        <p:attrNameLst>
+                                          <p:attrName>style.visibility</p:attrName>
+                                        </p:attrNameLst>
+                                      </p:cBhvr>
+                                      <p:to>
+                                        <p:strVal val="visible"/>
+                                      </p:to>
+                                    </p:set>
+                                  </p:childTnLst>
+                                </p:cTn>
+                              </p:par>
+                            </p:childTnLst>
+                          </p:cTn>
+                        </p:par>
+                      </p:childTnLst>
+                    </p:cTn>
+                  </p:par>
+                  <p:par>
+                    <p:cTn id="7" fill="hold">
+                      <p:stCondLst>
+                        <p:cond delay="indefinite"/>
+                      </p:stCondLst>
+                      <p:childTnLst>
+                        <p:par>
+                          <p:cTn id="8" fill="hold">
+                            <p:stCondLst>
+                              <p:cond delay="0"/>
+                            </p:stCondLst>
+                            <p:childTnLst>
+                              <p:par>
+                                <p:cTn id="9" presetID="1" presetClass="entr" presetSubtype="0" fill="hold" nodeType="clickEffect">
+                                  <p:stCondLst>
+                                    <p:cond delay="0"/>
+                                  </p:stCondLst>
+                                  <p:childTnLst>
+                                    <p:set>
+                                      <p:cBhvr>
+                                        <p:cTn id="10" dur="1" fill="hold">
+                                          <p:stCondLst>
+                                            <p:cond delay="0"/>
+                                          </p:stCondLst>
+                                        </p:cTn>
+                                        <p:tgtEl>
+                                          <p:spTgt spid="3">
+                                            <p:txEl>
+                                              <p:pRg st="3" end="3"/>
+                                            </p:txEl>
+                                          </p:spTgt>
+                                        </p:tgtEl>
+                                        <p:attrNameLst>
+                                          <p:attrName>style.visibility</p:attrName>
+                                        </p:attrNameLst>
+                                      </p:cBhvr>
+                                      <p:to>
+                                        <p:strVal val="visible"/>
+                                      </p:to>
+                                    </p:set>
+                                  </p:childTnLst>
+                                </p:cTn>
+                              </p:par>
+                            </p:childTnLst>
+                          </p:cTn>
+                        </p:par>
+                      </p:childTnLst>
+                    </p:cTn>
+                  </p:par>
+                  <p:par>
+                    <p:cTn id="11" fill="hold">
+                      <p:stCondLst>
+                        <p:cond delay="indefinite"/>
+                      </p:stCondLst>
+                      <p:childTnLst>
+                        <p:par>
+                          <p:cTn id="12" fill="hold">
+                            <p:stCondLst>
+                              <p:cond delay="0"/>
+                            </p:stCondLst>
+                            <p:childTnLst>
+                              <p:par>
+                                <p:cTn id="13" presetID="1" presetClass="entr" presetSubtype="0" fill="hold" nodeType="clickEffect">
+                                  <p:stCondLst>
+                                    <p:cond delay="0"/>
+                                  </p:stCondLst>
+                                  <p:childTnLst>
+                                    <p:set>
+                                      <p:cBhvr>
+                                        <p:cTn id="14" dur="1" fill="hold">
+                                          <p:stCondLst>
+                                            <p:cond delay="0"/>
+                                          </p:stCondLst>
+                                        </p:cTn>
+                                        <p:tgtEl>
+                                          <p:spTgt spid="3">
+                                            <p:txEl>
+                                              <p:pRg st="4" end="4"/>
+                                            </p:txEl>
+                                          </p:spTgt>
+                                        </p:tgtEl>
+                                        <p:attrNameLst>
+                                          <p:attrName>style.visibility</p:attrName>
+                                        </p:attrNameLst>
+                                      </p:cBhvr>
+                                      <p:to>
+                                        <p:strVal val="visible"/>
+                                      </p:to>
+                                    </p:set>
+                                  </p:childTnLst>
+                                </p:cTn>
+                              </p:par>
+                            </p:childTnLst>
+                          </p:cTn>
+                        </p:par>
+                      </p:childTnLst>
+                    </p:cTn>
+                  </p:par>
+                  <p:par>
+                    <p:cTn id="15" fill="hold">
+                      <p:stCondLst>
+                        <p:cond delay="indefinite"/>
+                      </p:stCondLst>
+                      <p:childTnLst>
+                        <p:par>
+                          <p:cTn id="16" fill="hold">
+                            <p:stCondLst>
+                              <p:cond delay="0"/>
+                            </p:stCondLst>
+                            <p:childTnLst>
+                              <p:par>
+                                <p:cTn id="17" presetID="1" presetClass="entr" presetSubtype="0" fill="hold" nodeType="clickEffect">
+                                  <p:stCondLst>
+                                    <p:cond delay="0"/>
+                                  </p:stCondLst>
+                                  <p:childTnLst>
+                                    <p:set>
+                                      <p:cBhvr>
+                                        <p:cTn id="18" dur="1" fill="hold">
+                                          <p:stCondLst>
+                                            <p:cond delay="0"/>
+                                          </p:stCondLst>
+                                        </p:cTn>
+                                        <p:tgtEl>
+                                          <p:spTgt spid="3">
+                                            <p:txEl>
+                                              <p:pRg st="5" end="5"/>
+                                            </p:txEl>
+                                          </p:spTgt>
+                                        </p:tgtEl>
+                                        <p:attrNameLst>
+                                          <p:attrName>style.visibility</p:attrName>
+                                        </p:attrNameLst>
+                                      </p:cBhvr>
+                                      <p:to>
+                                        <p:strVal val="visible"/>
+                                      </p:to>
+                                    </p:set>
+                                  </p:childTnLst>
+                                </p:cTn>
+                              </p:par>
+                            </p:childTnLst>
+                          </p:cTn>
+                        </p:par>
+                      </p:childTnLst>
+                    </p:cTn>
+                  </p:par>
+                  <p:par>
+                    <p:cTn id="19" fill="hold">
+                      <p:stCondLst>
+                        <p:cond delay="indefinite"/>
+                      </p:stCondLst>
+                      <p:childTnLst>
+                        <p:par>
+                          <p:cTn id="20" fill="hold">
+                            <p:stCondLst>
+                              <p:cond delay="0"/>
+                            </p:stCondLst>
+                            <p:childTnLst>
+                              <p:par>
+                                <p:cTn id="21" presetID="1" presetClass="entr" presetSubtype="0" fill="hold" nodeType="clickEffect">
+                                  <p:stCondLst>
+                                    <p:cond delay="0"/>
+                                  </p:stCondLst>
+                                  <p:childTnLst>
+                                    <p:set>
+                                      <p:cBhvr>
+                                        <p:cTn id="22" dur="1" fill="hold">
+                                          <p:stCondLst>
+                                            <p:cond delay="0"/>
+                                          </p:stCondLst>
+                                        </p:cTn>
+                                        <p:tgtEl>
+                                          <p:spTgt spid="3">
+                                            <p:txEl>
+                                              <p:pRg st="6" end="6"/>
+                                            </p:txEl>
+                                          </p:spTgt>
+                                        </p:tgtEl>
+                                        <p:attrNameLst>
+                                          <p:attrName>style.visibility</p:attrName>
+                                        </p:attrNameLst>
+                                      </p:cBhvr>
+                                      <p:to>
+                                        <p:strVal val="visible"/>
+                                      </p:to>
+                                    </p:set>
+                                  </p:childTnLst>
+                                </p:cTn>
+                              </p:par>
+                            </p:childTnLst>
+                          </p:cTn>
+                        </p:par>
+                      </p:childTnLst>
+                    </p:cTn>
+                  </p:par>
+                </p:childTnLst>
+              </p:cTn>
+              <p:prevCondLst>
+                <p:cond evt="onPrev" delay="0">
+                  <p:tgtEl>
+                    <p:sldTgt/>
+                  </p:tgtEl>
+                </p:cond>
+              </p:prevCondLst>
+              <p:nextCondLst>
+                <p:cond evt="onNext" delay="0">
+                  <p:tgtEl>
+                    <p:sldTgt/>
+                  </p:tgtEl>
+                </p:cond>
+              </p:nextCondLst>
+            </p:seq>
+          </p:childTnLst>
+        </p:cTn>
       </p:par>
     </p:tnLst>
   </p:timing>
@@ -6617,11 +7851,7 @@
             </a:r>
             <a:r>
               <a:rPr lang="en-US" dirty="0" err="1" smtClean="0"/>
-              <a:t>dec</a:t>
-            </a:r>
-            <a:r>
-              <a:rPr lang="en-US" dirty="0" err="1" smtClean="0"/>
-              <a:t>at</a:t>
+              <a:t>decât</a:t>
             </a:r>
             <a:r>
               <a:rPr lang="en-US" dirty="0" smtClean="0"/>
@@ -6653,19 +7883,19 @@
             </a:r>
             <a:r>
               <a:rPr lang="en-US" dirty="0" err="1" smtClean="0"/>
-              <a:t>stang</a:t>
+              <a:t>stâng</a:t>
             </a:r>
             <a:endParaRPr lang="en-US" dirty="0" smtClean="0"/>
           </a:p>
           <a:p>
             <a:pPr lvl="1"/>
             <a:r>
-              <a:rPr lang="en-US" dirty="0" smtClean="0"/>
-              <a:t>Mai mica </a:t>
-            </a:r>
-            <a:r>
-              <a:rPr lang="en-US" dirty="0" err="1" smtClean="0"/>
-              <a:t>decat</a:t>
+              <a:rPr lang="en-US" dirty="0" err="1"/>
+              <a:t>m</a:t>
+            </a:r>
+            <a:r>
+              <a:rPr lang="en-US" dirty="0" err="1" smtClean="0"/>
+              <a:t>ai</a:t>
             </a:r>
             <a:r>
               <a:rPr lang="en-US" dirty="0" smtClean="0"/>
@@ -6673,6 +7903,22 @@
             </a:r>
             <a:r>
               <a:rPr lang="en-US" dirty="0" err="1" smtClean="0"/>
+              <a:t>mică</a:t>
+            </a:r>
+            <a:r>
+              <a:rPr lang="en-US" dirty="0" smtClean="0"/>
+              <a:t> </a:t>
+            </a:r>
+            <a:r>
+              <a:rPr lang="en-US" dirty="0" err="1" smtClean="0"/>
+              <a:t>decât</a:t>
+            </a:r>
+            <a:r>
+              <a:rPr lang="en-US" dirty="0" smtClean="0"/>
+              <a:t> </a:t>
+            </a:r>
+            <a:r>
+              <a:rPr lang="en-US" dirty="0" err="1" smtClean="0"/>
               <a:t>cheile</a:t>
             </a:r>
             <a:r>
@@ -6681,7 +7927,7 @@
             </a:r>
             <a:r>
               <a:rPr lang="en-US" dirty="0" err="1" smtClean="0"/>
-              <a:t>noduilor</a:t>
+              <a:t>nodurilor</a:t>
             </a:r>
             <a:r>
               <a:rPr lang="en-US" dirty="0" smtClean="0"/>
@@ -6704,23 +7950,31 @@
           <a:p>
             <a:r>
               <a:rPr lang="en-US" dirty="0" err="1" smtClean="0"/>
-              <a:t>Operatii</a:t>
+              <a:t>Operații</a:t>
             </a:r>
             <a:endParaRPr lang="en-US" dirty="0" smtClean="0"/>
           </a:p>
           <a:p>
             <a:pPr lvl="1"/>
             <a:r>
-              <a:rPr lang="en-US" dirty="0" err="1" smtClean="0"/>
-              <a:t>Inserare</a:t>
+              <a:rPr lang="en-US" dirty="0" err="1"/>
+              <a:t>i</a:t>
+            </a:r>
+            <a:r>
+              <a:rPr lang="en-US" dirty="0" err="1" smtClean="0"/>
+              <a:t>nserare</a:t>
             </a:r>
             <a:r>
               <a:rPr lang="en-US" dirty="0" smtClean="0"/>
               <a:t>, </a:t>
             </a:r>
             <a:r>
-              <a:rPr lang="en-US" dirty="0" err="1" smtClean="0"/>
-              <a:t>stergere</a:t>
+              <a:rPr lang="en-US" dirty="0" err="1"/>
+              <a:t>ș</a:t>
+            </a:r>
+            <a:r>
+              <a:rPr lang="en-US" dirty="0" err="1" smtClean="0"/>
+              <a:t>tergere</a:t>
             </a:r>
             <a:r>
               <a:rPr lang="en-US" dirty="0" smtClean="0"/>
@@ -6728,7 +7982,7 @@
             </a:r>
             <a:r>
               <a:rPr lang="en-US" dirty="0" err="1" smtClean="0"/>
-              <a:t>gasire</a:t>
+              <a:t>găsire</a:t>
             </a:r>
             <a:r>
               <a:rPr lang="en-US" dirty="0" smtClean="0"/>
@@ -6736,7 +7990,7 @@
             </a:r>
             <a:r>
               <a:rPr lang="en-US" dirty="0" err="1" smtClean="0"/>
-              <a:t>gasire</a:t>
+              <a:t>găsire</a:t>
             </a:r>
             <a:r>
               <a:rPr lang="en-US" dirty="0" smtClean="0"/>
@@ -6751,7 +8005,7 @@
             </a:r>
             <a:r>
               <a:rPr lang="en-US" dirty="0" err="1" smtClean="0"/>
-              <a:t>adancime_arbore</a:t>
+              <a:t>adâncime_arbore</a:t>
             </a:r>
             <a:r>
               <a:rPr lang="en-US" dirty="0" smtClean="0"/>
@@ -6845,7 +8099,319 @@
   <p:timing>
     <p:tnLst>
       <p:par>
-        <p:cTn xmlns:p14="http://schemas.microsoft.com/office/powerpoint/2010/main" id="1" dur="indefinite" restart="never" nodeType="tmRoot"/>
+        <p:cTn xmlns:p14="http://schemas.microsoft.com/office/powerpoint/2010/main" id="1" dur="indefinite" restart="never" nodeType="tmRoot">
+          <p:childTnLst>
+            <p:seq concurrent="1" nextAc="seek">
+              <p:cTn id="2" dur="indefinite" nodeType="mainSeq">
+                <p:childTnLst>
+                  <p:par>
+                    <p:cTn id="3" fill="hold">
+                      <p:stCondLst>
+                        <p:cond delay="indefinite"/>
+                      </p:stCondLst>
+                      <p:childTnLst>
+                        <p:par>
+                          <p:cTn id="4" fill="hold">
+                            <p:stCondLst>
+                              <p:cond delay="0"/>
+                            </p:stCondLst>
+                            <p:childTnLst>
+                              <p:par>
+                                <p:cTn id="5" presetID="1" presetClass="entr" presetSubtype="0" fill="hold" nodeType="clickEffect">
+                                  <p:stCondLst>
+                                    <p:cond delay="0"/>
+                                  </p:stCondLst>
+                                  <p:childTnLst>
+                                    <p:set>
+                                      <p:cBhvr>
+                                        <p:cTn id="6" dur="1" fill="hold">
+                                          <p:stCondLst>
+                                            <p:cond delay="0"/>
+                                          </p:stCondLst>
+                                        </p:cTn>
+                                        <p:tgtEl>
+                                          <p:spTgt spid="3">
+                                            <p:txEl>
+                                              <p:pRg st="0" end="0"/>
+                                            </p:txEl>
+                                          </p:spTgt>
+                                        </p:tgtEl>
+                                        <p:attrNameLst>
+                                          <p:attrName>style.visibility</p:attrName>
+                                        </p:attrNameLst>
+                                      </p:cBhvr>
+                                      <p:to>
+                                        <p:strVal val="visible"/>
+                                      </p:to>
+                                    </p:set>
+                                  </p:childTnLst>
+                                </p:cTn>
+                              </p:par>
+                            </p:childTnLst>
+                          </p:cTn>
+                        </p:par>
+                      </p:childTnLst>
+                    </p:cTn>
+                  </p:par>
+                  <p:par>
+                    <p:cTn id="7" fill="hold">
+                      <p:stCondLst>
+                        <p:cond delay="indefinite"/>
+                      </p:stCondLst>
+                      <p:childTnLst>
+                        <p:par>
+                          <p:cTn id="8" fill="hold">
+                            <p:stCondLst>
+                              <p:cond delay="0"/>
+                            </p:stCondLst>
+                            <p:childTnLst>
+                              <p:par>
+                                <p:cTn id="9" presetID="1" presetClass="entr" presetSubtype="0" fill="hold" nodeType="clickEffect">
+                                  <p:stCondLst>
+                                    <p:cond delay="0"/>
+                                  </p:stCondLst>
+                                  <p:childTnLst>
+                                    <p:set>
+                                      <p:cBhvr>
+                                        <p:cTn id="10" dur="1" fill="hold">
+                                          <p:stCondLst>
+                                            <p:cond delay="0"/>
+                                          </p:stCondLst>
+                                        </p:cTn>
+                                        <p:tgtEl>
+                                          <p:spTgt spid="3">
+                                            <p:txEl>
+                                              <p:pRg st="1" end="1"/>
+                                            </p:txEl>
+                                          </p:spTgt>
+                                        </p:tgtEl>
+                                        <p:attrNameLst>
+                                          <p:attrName>style.visibility</p:attrName>
+                                        </p:attrNameLst>
+                                      </p:cBhvr>
+                                      <p:to>
+                                        <p:strVal val="visible"/>
+                                      </p:to>
+                                    </p:set>
+                                  </p:childTnLst>
+                                </p:cTn>
+                              </p:par>
+                              <p:par>
+                                <p:cTn id="11" presetID="1" presetClass="entr" presetSubtype="0" fill="hold" nodeType="withEffect">
+                                  <p:stCondLst>
+                                    <p:cond delay="0"/>
+                                  </p:stCondLst>
+                                  <p:childTnLst>
+                                    <p:set>
+                                      <p:cBhvr>
+                                        <p:cTn id="12" dur="1" fill="hold">
+                                          <p:stCondLst>
+                                            <p:cond delay="0"/>
+                                          </p:stCondLst>
+                                        </p:cTn>
+                                        <p:tgtEl>
+                                          <p:spTgt spid="3">
+                                            <p:txEl>
+                                              <p:pRg st="2" end="2"/>
+                                            </p:txEl>
+                                          </p:spTgt>
+                                        </p:tgtEl>
+                                        <p:attrNameLst>
+                                          <p:attrName>style.visibility</p:attrName>
+                                        </p:attrNameLst>
+                                      </p:cBhvr>
+                                      <p:to>
+                                        <p:strVal val="visible"/>
+                                      </p:to>
+                                    </p:set>
+                                  </p:childTnLst>
+                                </p:cTn>
+                              </p:par>
+                              <p:par>
+                                <p:cTn id="13" presetID="1" presetClass="entr" presetSubtype="0" fill="hold" nodeType="withEffect">
+                                  <p:stCondLst>
+                                    <p:cond delay="0"/>
+                                  </p:stCondLst>
+                                  <p:childTnLst>
+                                    <p:set>
+                                      <p:cBhvr>
+                                        <p:cTn id="14" dur="1" fill="hold">
+                                          <p:stCondLst>
+                                            <p:cond delay="0"/>
+                                          </p:stCondLst>
+                                        </p:cTn>
+                                        <p:tgtEl>
+                                          <p:spTgt spid="3">
+                                            <p:txEl>
+                                              <p:pRg st="3" end="3"/>
+                                            </p:txEl>
+                                          </p:spTgt>
+                                        </p:tgtEl>
+                                        <p:attrNameLst>
+                                          <p:attrName>style.visibility</p:attrName>
+                                        </p:attrNameLst>
+                                      </p:cBhvr>
+                                      <p:to>
+                                        <p:strVal val="visible"/>
+                                      </p:to>
+                                    </p:set>
+                                  </p:childTnLst>
+                                </p:cTn>
+                              </p:par>
+                            </p:childTnLst>
+                          </p:cTn>
+                        </p:par>
+                      </p:childTnLst>
+                    </p:cTn>
+                  </p:par>
+                  <p:par>
+                    <p:cTn id="15" fill="hold">
+                      <p:stCondLst>
+                        <p:cond delay="indefinite"/>
+                      </p:stCondLst>
+                      <p:childTnLst>
+                        <p:par>
+                          <p:cTn id="16" fill="hold">
+                            <p:stCondLst>
+                              <p:cond delay="0"/>
+                            </p:stCondLst>
+                            <p:childTnLst>
+                              <p:par>
+                                <p:cTn id="17" presetID="1" presetClass="entr" presetSubtype="0" fill="hold" nodeType="clickEffect">
+                                  <p:stCondLst>
+                                    <p:cond delay="0"/>
+                                  </p:stCondLst>
+                                  <p:childTnLst>
+                                    <p:set>
+                                      <p:cBhvr>
+                                        <p:cTn id="18" dur="1" fill="hold">
+                                          <p:stCondLst>
+                                            <p:cond delay="0"/>
+                                          </p:stCondLst>
+                                        </p:cTn>
+                                        <p:tgtEl>
+                                          <p:spTgt spid="3">
+                                            <p:txEl>
+                                              <p:pRg st="4" end="4"/>
+                                            </p:txEl>
+                                          </p:spTgt>
+                                        </p:tgtEl>
+                                        <p:attrNameLst>
+                                          <p:attrName>style.visibility</p:attrName>
+                                        </p:attrNameLst>
+                                      </p:cBhvr>
+                                      <p:to>
+                                        <p:strVal val="visible"/>
+                                      </p:to>
+                                    </p:set>
+                                  </p:childTnLst>
+                                </p:cTn>
+                              </p:par>
+                              <p:par>
+                                <p:cTn id="19" presetID="1" presetClass="entr" presetSubtype="0" fill="hold" nodeType="withEffect">
+                                  <p:stCondLst>
+                                    <p:cond delay="0"/>
+                                  </p:stCondLst>
+                                  <p:childTnLst>
+                                    <p:set>
+                                      <p:cBhvr>
+                                        <p:cTn id="20" dur="1" fill="hold">
+                                          <p:stCondLst>
+                                            <p:cond delay="0"/>
+                                          </p:stCondLst>
+                                        </p:cTn>
+                                        <p:tgtEl>
+                                          <p:spTgt spid="3">
+                                            <p:txEl>
+                                              <p:pRg st="5" end="5"/>
+                                            </p:txEl>
+                                          </p:spTgt>
+                                        </p:tgtEl>
+                                        <p:attrNameLst>
+                                          <p:attrName>style.visibility</p:attrName>
+                                        </p:attrNameLst>
+                                      </p:cBhvr>
+                                      <p:to>
+                                        <p:strVal val="visible"/>
+                                      </p:to>
+                                    </p:set>
+                                  </p:childTnLst>
+                                </p:cTn>
+                              </p:par>
+                            </p:childTnLst>
+                          </p:cTn>
+                        </p:par>
+                      </p:childTnLst>
+                    </p:cTn>
+                  </p:par>
+                  <p:par>
+                    <p:cTn id="21" fill="hold">
+                      <p:stCondLst>
+                        <p:cond delay="indefinite"/>
+                      </p:stCondLst>
+                      <p:childTnLst>
+                        <p:par>
+                          <p:cTn id="22" fill="hold">
+                            <p:stCondLst>
+                              <p:cond delay="0"/>
+                            </p:stCondLst>
+                            <p:childTnLst>
+                              <p:par>
+                                <p:cTn id="23" presetID="1" presetClass="entr" presetSubtype="0" fill="hold" nodeType="clickEffect">
+                                  <p:stCondLst>
+                                    <p:cond delay="0"/>
+                                  </p:stCondLst>
+                                  <p:childTnLst>
+                                    <p:set>
+                                      <p:cBhvr>
+                                        <p:cTn id="24" dur="1" fill="hold">
+                                          <p:stCondLst>
+                                            <p:cond delay="0"/>
+                                          </p:stCondLst>
+                                        </p:cTn>
+                                        <p:tgtEl>
+                                          <p:spTgt spid="3">
+                                            <p:txEl>
+                                              <p:pRg st="6" end="6"/>
+                                            </p:txEl>
+                                          </p:spTgt>
+                                        </p:tgtEl>
+                                        <p:attrNameLst>
+                                          <p:attrName>style.visibility</p:attrName>
+                                        </p:attrNameLst>
+                                      </p:cBhvr>
+                                      <p:to>
+                                        <p:strVal val="visible"/>
+                                      </p:to>
+                                    </p:set>
+                                  </p:childTnLst>
+                                </p:cTn>
+                              </p:par>
+                            </p:childTnLst>
+                          </p:cTn>
+                        </p:par>
+                      </p:childTnLst>
+                    </p:cTn>
+                  </p:par>
+                </p:childTnLst>
+              </p:cTn>
+              <p:prevCondLst>
+                <p:cond evt="onPrev" delay="0">
+                  <p:tgtEl>
+                    <p:sldTgt/>
+                  </p:tgtEl>
+                </p:cond>
+              </p:prevCondLst>
+              <p:nextCondLst>
+                <p:cond evt="onNext" delay="0">
+                  <p:tgtEl>
+                    <p:sldTgt/>
+                  </p:tgtEl>
+                </p:cond>
+              </p:nextCondLst>
+            </p:seq>
+          </p:childTnLst>
+        </p:cTn>
       </p:par>
     </p:tnLst>
   </p:timing>
@@ -7253,6 +8819,240 @@
 </p:sld>
 </file>
 
+<file path=ppt/slides/slide21.xml><?xml version="1.0" encoding="utf-8"?>
+<p:sld xmlns:a="http://schemas.openxmlformats.org/drawingml/2006/main" xmlns:r="http://schemas.openxmlformats.org/officeDocument/2006/relationships" xmlns:p="http://schemas.openxmlformats.org/presentationml/2006/main">
+  <p:cSld>
+    <p:spTree>
+      <p:nvGrpSpPr>
+        <p:cNvPr id="1" name=""/>
+        <p:cNvGrpSpPr/>
+        <p:nvPr/>
+      </p:nvGrpSpPr>
+      <p:grpSpPr>
+        <a:xfrm>
+          <a:off x="0" y="0"/>
+          <a:ext cx="0" cy="0"/>
+          <a:chOff x="0" y="0"/>
+          <a:chExt cx="0" cy="0"/>
+        </a:xfrm>
+      </p:grpSpPr>
+      <p:sp>
+        <p:nvSpPr>
+          <p:cNvPr id="2" name="Title 1"/>
+          <p:cNvSpPr>
+            <a:spLocks noGrp="1"/>
+          </p:cNvSpPr>
+          <p:nvPr>
+            <p:ph type="title"/>
+          </p:nvPr>
+        </p:nvSpPr>
+        <p:spPr/>
+        <p:txBody>
+          <a:bodyPr/>
+          <a:lstStyle/>
+          <a:p>
+            <a:r>
+              <a:rPr lang="en-US" dirty="0" err="1" smtClean="0"/>
+              <a:t>Bibliografie</a:t>
+            </a:r>
+            <a:endParaRPr lang="en-US" dirty="0"/>
+          </a:p>
+        </p:txBody>
+      </p:sp>
+      <p:sp>
+        <p:nvSpPr>
+          <p:cNvPr id="3" name="Content Placeholder 2"/>
+          <p:cNvSpPr>
+            <a:spLocks noGrp="1"/>
+          </p:cNvSpPr>
+          <p:nvPr>
+            <p:ph idx="1"/>
+          </p:nvPr>
+        </p:nvSpPr>
+        <p:spPr/>
+        <p:txBody>
+          <a:bodyPr/>
+          <a:lstStyle/>
+          <a:p>
+            <a:pPr marL="457200" indent="-457200">
+              <a:buFont typeface="+mj-lt"/>
+              <a:buAutoNum type="arabicPeriod"/>
+            </a:pPr>
+            <a:endParaRPr lang="en-US" dirty="0" smtClean="0">
+              <a:hlinkClick r:id="rId2"/>
+            </a:endParaRPr>
+          </a:p>
+          <a:p>
+            <a:pPr marL="457200" indent="-457200">
+              <a:buFont typeface="+mj-lt"/>
+              <a:buAutoNum type="arabicPeriod"/>
+            </a:pPr>
+            <a:r>
+              <a:rPr lang="en-US" dirty="0" smtClean="0">
+                <a:hlinkClick r:id="rId2"/>
+              </a:rPr>
+              <a:t>http</a:t>
+            </a:r>
+            <a:r>
+              <a:rPr lang="en-US" dirty="0">
+                <a:hlinkClick r:id="rId2"/>
+              </a:rPr>
+              <a:t>://www.cs.cmu.edu/afs/cs.cmu.edu/project/scandal/public/papers/treaps-spaa98.</a:t>
+            </a:r>
+            <a:r>
+              <a:rPr lang="en-US" dirty="0" smtClean="0">
+                <a:hlinkClick r:id="rId2"/>
+              </a:rPr>
+              <a:t>pdf</a:t>
+            </a:r>
+            <a:r>
+              <a:rPr lang="en-US" dirty="0" smtClean="0"/>
+              <a:t> </a:t>
+            </a:r>
+            <a:endParaRPr lang="en-US" dirty="0"/>
+          </a:p>
+          <a:p>
+            <a:pPr marL="457200" indent="-457200">
+              <a:buFont typeface="+mj-lt"/>
+              <a:buAutoNum type="arabicPeriod"/>
+            </a:pPr>
+            <a:r>
+              <a:rPr lang="en-US" dirty="0" smtClean="0">
+                <a:hlinkClick r:id="rId3"/>
+              </a:rPr>
+              <a:t>http</a:t>
+            </a:r>
+            <a:r>
+              <a:rPr lang="en-US" dirty="0">
+                <a:hlinkClick r:id="rId3"/>
+              </a:rPr>
+              <a:t>://compgeom.cs.uiuc.edu/~jeffe/teaching/algorithms/notes/10-</a:t>
+            </a:r>
+            <a:r>
+              <a:rPr lang="en-US" dirty="0" smtClean="0">
+                <a:hlinkClick r:id="rId3"/>
+              </a:rPr>
+              <a:t>treaps.pdf</a:t>
+            </a:r>
+            <a:r>
+              <a:rPr lang="en-US" dirty="0" smtClean="0"/>
+              <a:t> </a:t>
+            </a:r>
+            <a:endParaRPr lang="en-US" dirty="0"/>
+          </a:p>
+          <a:p>
+            <a:pPr marL="457200" indent="-457200">
+              <a:buFont typeface="+mj-lt"/>
+              <a:buAutoNum type="arabicPeriod"/>
+            </a:pPr>
+            <a:r>
+              <a:rPr lang="en-US" dirty="0" smtClean="0">
+                <a:hlinkClick r:id="rId4"/>
+              </a:rPr>
+              <a:t>http</a:t>
+            </a:r>
+            <a:r>
+              <a:rPr lang="en-US" dirty="0">
+                <a:hlinkClick r:id="rId4"/>
+              </a:rPr>
+              <a:t>://www.cs.cmu.edu/afs/cs.cmu.edu/academic/class/15451-s07/www/lecture_notes/lect0208.</a:t>
+            </a:r>
+            <a:r>
+              <a:rPr lang="en-US" dirty="0" smtClean="0">
+                <a:hlinkClick r:id="rId4"/>
+              </a:rPr>
+              <a:t>pdf</a:t>
+            </a:r>
+            <a:r>
+              <a:rPr lang="en-US" dirty="0" smtClean="0"/>
+              <a:t> </a:t>
+            </a:r>
+            <a:endParaRPr lang="en-US" dirty="0"/>
+          </a:p>
+        </p:txBody>
+      </p:sp>
+      <p:sp>
+        <p:nvSpPr>
+          <p:cNvPr id="4" name="Date Placeholder 3"/>
+          <p:cNvSpPr>
+            <a:spLocks noGrp="1"/>
+          </p:cNvSpPr>
+          <p:nvPr>
+            <p:ph type="dt" sz="half" idx="10"/>
+          </p:nvPr>
+        </p:nvSpPr>
+        <p:spPr/>
+        <p:txBody>
+          <a:bodyPr/>
+          <a:lstStyle/>
+          <a:p>
+            <a:r>
+              <a:rPr lang="en-US" smtClean="0"/>
+              <a:t>6 mai 2014</a:t>
+            </a:r>
+            <a:endParaRPr lang="en-US"/>
+          </a:p>
+        </p:txBody>
+      </p:sp>
+      <p:sp>
+        <p:nvSpPr>
+          <p:cNvPr id="5" name="Footer Placeholder 4"/>
+          <p:cNvSpPr>
+            <a:spLocks noGrp="1"/>
+          </p:cNvSpPr>
+          <p:nvPr>
+            <p:ph type="ftr" sz="quarter" idx="11"/>
+          </p:nvPr>
+        </p:nvSpPr>
+        <p:spPr/>
+        <p:txBody>
+          <a:bodyPr/>
+          <a:lstStyle/>
+          <a:p>
+            <a:r>
+              <a:rPr lang="en-US" smtClean="0"/>
+              <a:t>Curs 11 - Treap-uri</a:t>
+            </a:r>
+            <a:endParaRPr lang="en-US"/>
+          </a:p>
+        </p:txBody>
+      </p:sp>
+      <p:sp>
+        <p:nvSpPr>
+          <p:cNvPr id="6" name="Slide Number Placeholder 5"/>
+          <p:cNvSpPr>
+            <a:spLocks noGrp="1"/>
+          </p:cNvSpPr>
+          <p:nvPr>
+            <p:ph type="sldNum" sz="quarter" idx="12"/>
+          </p:nvPr>
+        </p:nvSpPr>
+        <p:spPr/>
+        <p:txBody>
+          <a:bodyPr/>
+          <a:lstStyle/>
+          <a:p>
+            <a:fld id="{32700B58-0F6D-B04A-BA00-FEC84FEE7A82}" type="slidenum">
+              <a:rPr lang="en-US" smtClean="0"/>
+              <a:t>21</a:t>
+            </a:fld>
+            <a:endParaRPr lang="en-US"/>
+          </a:p>
+        </p:txBody>
+      </p:sp>
+    </p:spTree>
+    <p:extLst>
+      <p:ext uri="{BB962C8B-B14F-4D97-AF65-F5344CB8AC3E}">
+        <p14:creationId xmlns:p14="http://schemas.microsoft.com/office/powerpoint/2010/main" val="1037487528"/>
+      </p:ext>
+    </p:extLst>
+  </p:cSld>
+  <p:clrMapOvr>
+    <a:masterClrMapping/>
+  </p:clrMapOvr>
+</p:sld>
+</file>
+
 <file path=ppt/slides/slide3.xml><?xml version="1.0" encoding="utf-8"?>
 <p:sld xmlns:a="http://schemas.openxmlformats.org/drawingml/2006/main" xmlns:r="http://schemas.openxmlformats.org/officeDocument/2006/relationships" xmlns:p="http://schemas.openxmlformats.org/presentationml/2006/main">
   <p:cSld>
@@ -7287,7 +9087,7 @@
           <a:p>
             <a:r>
               <a:rPr lang="en-US" dirty="0" err="1" smtClean="0"/>
-              <a:t>Aplicatii</a:t>
+              <a:t>Aplicații</a:t>
             </a:r>
             <a:endParaRPr lang="en-US" dirty="0"/>
           </a:p>
@@ -7328,7 +9128,7 @@
             </a:r>
             <a:r>
               <a:rPr lang="en-US" dirty="0" err="1" smtClean="0"/>
-              <a:t>foloseste</a:t>
+              <a:t>folosește</a:t>
             </a:r>
             <a:r>
               <a:rPr lang="en-US" dirty="0" smtClean="0"/>
@@ -7336,7 +9136,7 @@
             </a:r>
             <a:r>
               <a:rPr lang="en-US" dirty="0" err="1" smtClean="0"/>
-              <a:t>rosu-negru</a:t>
+              <a:t>roșu-negru</a:t>
             </a:r>
             <a:endParaRPr lang="en-US" dirty="0" smtClean="0"/>
           </a:p>
@@ -7374,16 +9174,24 @@
               <a:t>, </a:t>
             </a:r>
             <a:r>
-              <a:rPr lang="en-US" dirty="0" err="1" smtClean="0"/>
-              <a:t>sterse</a:t>
+              <a:rPr lang="en-US" dirty="0" err="1"/>
+              <a:t>ș</a:t>
+            </a:r>
+            <a:r>
+              <a:rPr lang="en-US" dirty="0" err="1" smtClean="0"/>
+              <a:t>terse</a:t>
             </a:r>
             <a:r>
               <a:rPr lang="en-US" dirty="0" smtClean="0"/>
               <a:t> </a:t>
             </a:r>
             <a:r>
-              <a:rPr lang="en-US" dirty="0" err="1" smtClean="0"/>
-              <a:t>si</a:t>
+              <a:rPr lang="en-US" dirty="0" err="1"/>
+              <a:t>ș</a:t>
+            </a:r>
+            <a:r>
+              <a:rPr lang="en-US" dirty="0" err="1" smtClean="0"/>
+              <a:t>i</a:t>
             </a:r>
             <a:r>
               <a:rPr lang="en-US" dirty="0" smtClean="0"/>
@@ -7391,7 +9199,7 @@
             </a:r>
             <a:r>
               <a:rPr lang="en-US" dirty="0" err="1" smtClean="0"/>
-              <a:t>gasite</a:t>
+              <a:t>găsite</a:t>
             </a:r>
             <a:endParaRPr lang="en-US" dirty="0" smtClean="0"/>
           </a:p>
@@ -7482,7 +9290,128 @@
   <p:timing>
     <p:tnLst>
       <p:par>
-        <p:cTn xmlns:p14="http://schemas.microsoft.com/office/powerpoint/2010/main" id="1" dur="indefinite" restart="never" nodeType="tmRoot"/>
+        <p:cTn xmlns:p14="http://schemas.microsoft.com/office/powerpoint/2010/main" id="1" dur="indefinite" restart="never" nodeType="tmRoot">
+          <p:childTnLst>
+            <p:seq concurrent="1" nextAc="seek">
+              <p:cTn id="2" dur="indefinite" nodeType="mainSeq">
+                <p:childTnLst>
+                  <p:par>
+                    <p:cTn id="3" fill="hold">
+                      <p:stCondLst>
+                        <p:cond delay="indefinite"/>
+                      </p:stCondLst>
+                      <p:childTnLst>
+                        <p:par>
+                          <p:cTn id="4" fill="hold">
+                            <p:stCondLst>
+                              <p:cond delay="0"/>
+                            </p:stCondLst>
+                            <p:childTnLst>
+                              <p:par>
+                                <p:cTn id="5" presetID="1" presetClass="entr" presetSubtype="0" fill="hold" nodeType="clickEffect">
+                                  <p:stCondLst>
+                                    <p:cond delay="0"/>
+                                  </p:stCondLst>
+                                  <p:childTnLst>
+                                    <p:set>
+                                      <p:cBhvr>
+                                        <p:cTn id="6" dur="1" fill="hold">
+                                          <p:stCondLst>
+                                            <p:cond delay="0"/>
+                                          </p:stCondLst>
+                                        </p:cTn>
+                                        <p:tgtEl>
+                                          <p:spTgt spid="3">
+                                            <p:txEl>
+                                              <p:pRg st="2" end="2"/>
+                                            </p:txEl>
+                                          </p:spTgt>
+                                        </p:tgtEl>
+                                        <p:attrNameLst>
+                                          <p:attrName>style.visibility</p:attrName>
+                                        </p:attrNameLst>
+                                      </p:cBhvr>
+                                      <p:to>
+                                        <p:strVal val="visible"/>
+                                      </p:to>
+                                    </p:set>
+                                  </p:childTnLst>
+                                </p:cTn>
+                              </p:par>
+                            </p:childTnLst>
+                          </p:cTn>
+                        </p:par>
+                      </p:childTnLst>
+                    </p:cTn>
+                  </p:par>
+                  <p:par>
+                    <p:cTn id="7" fill="hold">
+                      <p:stCondLst>
+                        <p:cond delay="indefinite"/>
+                      </p:stCondLst>
+                      <p:childTnLst>
+                        <p:par>
+                          <p:cTn id="8" fill="hold">
+                            <p:stCondLst>
+                              <p:cond delay="0"/>
+                            </p:stCondLst>
+                            <p:childTnLst>
+                              <p:par>
+                                <p:cTn id="9" presetID="1" presetClass="entr" presetSubtype="0" fill="hold" nodeType="clickEffect">
+                                  <p:stCondLst>
+                                    <p:cond delay="0"/>
+                                  </p:stCondLst>
+                                  <p:childTnLst>
+                                    <p:set>
+                                      <p:cBhvr>
+                                        <p:cTn id="10" dur="1" fill="hold">
+                                          <p:stCondLst>
+                                            <p:cond delay="0"/>
+                                          </p:stCondLst>
+                                        </p:cTn>
+                                        <p:tgtEl>
+                                          <p:spTgt spid="3">
+                                            <p:txEl>
+                                              <p:pRg st="3" end="3"/>
+                                            </p:txEl>
+                                          </p:spTgt>
+                                        </p:tgtEl>
+                                        <p:attrNameLst>
+                                          <p:attrName>style.visibility</p:attrName>
+                                        </p:attrNameLst>
+                                      </p:cBhvr>
+                                      <p:to>
+                                        <p:strVal val="visible"/>
+                                      </p:to>
+                                    </p:set>
+                                  </p:childTnLst>
+                                </p:cTn>
+                              </p:par>
+                            </p:childTnLst>
+                          </p:cTn>
+                        </p:par>
+                      </p:childTnLst>
+                    </p:cTn>
+                  </p:par>
+                </p:childTnLst>
+              </p:cTn>
+              <p:prevCondLst>
+                <p:cond evt="onPrev" delay="0">
+                  <p:tgtEl>
+                    <p:sldTgt/>
+                  </p:tgtEl>
+                </p:cond>
+              </p:prevCondLst>
+              <p:nextCondLst>
+                <p:cond evt="onNext" delay="0">
+                  <p:tgtEl>
+                    <p:sldTgt/>
+                  </p:tgtEl>
+                </p:cond>
+              </p:nextCondLst>
+            </p:seq>
+          </p:childTnLst>
+        </p:cTn>
       </p:par>
     </p:tnLst>
   </p:timing>
@@ -7722,6 +9651,36 @@
             <a:headEnd/>
             <a:tailEnd/>
           </a:ln>
+        </p:spPr>
+      </p:pic>
+      <p:pic>
+        <p:nvPicPr>
+          <p:cNvPr id="7" name="Picture 6" descr="unbalanced.png"/>
+          <p:cNvPicPr>
+            <a:picLocks noChangeAspect="1"/>
+          </p:cNvPicPr>
+          <p:nvPr/>
+        </p:nvPicPr>
+        <p:blipFill>
+          <a:blip r:embed="rId3">
+            <a:extLst>
+              <a:ext uri="{28A0092B-C50C-407E-A947-70E740481C1C}">
+                <a14:useLocalDpi xmlns:a14="http://schemas.microsoft.com/office/drawing/2010/main" val="0"/>
+              </a:ext>
+            </a:extLst>
+          </a:blip>
+          <a:stretch>
+            <a:fillRect/>
+          </a:stretch>
+        </p:blipFill>
+        <p:spPr>
+          <a:xfrm>
+            <a:off x="5109809" y="2296318"/>
+            <a:ext cx="2139250" cy="3965221"/>
+          </a:xfrm>
+          <a:prstGeom prst="rect">
+            <a:avLst/>
+          </a:prstGeom>
         </p:spPr>
       </p:pic>
     </p:spTree>
@@ -7840,6 +9799,51 @@
                       </p:childTnLst>
                     </p:cTn>
                   </p:par>
+                  <p:par>
+                    <p:cTn id="11" fill="hold">
+                      <p:stCondLst>
+                        <p:cond delay="indefinite"/>
+                      </p:stCondLst>
+                      <p:childTnLst>
+                        <p:par>
+                          <p:cTn id="12" fill="hold">
+                            <p:stCondLst>
+                              <p:cond delay="0"/>
+                            </p:stCondLst>
+                            <p:childTnLst>
+                              <p:par>
+                                <p:cTn id="13" presetID="1" presetClass="entr" presetSubtype="0" fill="hold" nodeType="clickEffect">
+                                  <p:stCondLst>
+                                    <p:cond delay="0"/>
+                                  </p:stCondLst>
+                                  <p:childTnLst>
+                                    <p:set>
+                                      <p:cBhvr>
+                                        <p:cTn id="14" dur="1" fill="hold">
+                                          <p:stCondLst>
+                                            <p:cond delay="0"/>
+                                          </p:stCondLst>
+                                        </p:cTn>
+                                        <p:tgtEl>
+                                          <p:spTgt spid="7"/>
+                                        </p:tgtEl>
+                                        <p:attrNameLst>
+                                          <p:attrName>style.visibility</p:attrName>
+                                        </p:attrNameLst>
+                                      </p:cBhvr>
+                                      <p:to>
+                                        <p:strVal val="visible"/>
+                                      </p:to>
+                                    </p:set>
+                                  </p:childTnLst>
+                                </p:cTn>
+                              </p:par>
+                            </p:childTnLst>
+                          </p:cTn>
+                        </p:par>
+                      </p:childTnLst>
+                    </p:cTn>
+                  </p:par>
                 </p:childTnLst>
               </p:cTn>
               <p:prevCondLst>
@@ -7936,22 +9940,26 @@
             </a:r>
             <a:r>
               <a:rPr lang="en-US" dirty="0" err="1" smtClean="0"/>
-              <a:t>ajuta</a:t>
+              <a:t>ajută</a:t>
             </a:r>
             <a:r>
               <a:rPr lang="en-US" dirty="0" smtClean="0"/>
               <a:t> </a:t>
             </a:r>
             <a:r>
-              <a:rPr lang="en-US" dirty="0" err="1" smtClean="0"/>
-              <a:t>intotdeauna</a:t>
+              <a:rPr lang="en-US" dirty="0" err="1"/>
+              <a:t>î</a:t>
+            </a:r>
+            <a:r>
+              <a:rPr lang="en-US" dirty="0" err="1" smtClean="0"/>
+              <a:t>ntotdeauna</a:t>
             </a:r>
             <a:endParaRPr lang="en-US" dirty="0" smtClean="0"/>
           </a:p>
           <a:p>
             <a:r>
               <a:rPr lang="en-US" dirty="0" err="1" smtClean="0"/>
-              <a:t>Desi</a:t>
+              <a:t>Deși</a:t>
             </a:r>
             <a:r>
               <a:rPr lang="en-US" dirty="0" smtClean="0"/>
@@ -7959,7 +9967,7 @@
             </a:r>
             <a:r>
               <a:rPr lang="en-US" dirty="0" err="1" smtClean="0"/>
-              <a:t>exista</a:t>
+              <a:t>există</a:t>
             </a:r>
             <a:r>
               <a:rPr lang="en-US" dirty="0" smtClean="0"/>
@@ -7991,7 +9999,7 @@
             </a:r>
             <a:r>
               <a:rPr lang="en-US" dirty="0" err="1" smtClean="0"/>
-              <a:t>obtine</a:t>
+              <a:t>obține</a:t>
             </a:r>
             <a:r>
               <a:rPr lang="en-US" dirty="0" smtClean="0"/>
@@ -8015,7 +10023,7 @@
             </a:r>
             <a:r>
               <a:rPr lang="en-US" dirty="0" err="1" smtClean="0"/>
-              <a:t>multime</a:t>
+              <a:t>mulțime</a:t>
             </a:r>
             <a:r>
               <a:rPr lang="en-US" dirty="0" smtClean="0"/>
@@ -8111,7 +10119,128 @@
   <p:timing>
     <p:tnLst>
       <p:par>
-        <p:cTn xmlns:p14="http://schemas.microsoft.com/office/powerpoint/2010/main" id="1" dur="indefinite" restart="never" nodeType="tmRoot"/>
+        <p:cTn xmlns:p14="http://schemas.microsoft.com/office/powerpoint/2010/main" id="1" dur="indefinite" restart="never" nodeType="tmRoot">
+          <p:childTnLst>
+            <p:seq concurrent="1" nextAc="seek">
+              <p:cTn id="2" dur="indefinite" nodeType="mainSeq">
+                <p:childTnLst>
+                  <p:par>
+                    <p:cTn id="3" fill="hold">
+                      <p:stCondLst>
+                        <p:cond delay="indefinite"/>
+                      </p:stCondLst>
+                      <p:childTnLst>
+                        <p:par>
+                          <p:cTn id="4" fill="hold">
+                            <p:stCondLst>
+                              <p:cond delay="0"/>
+                            </p:stCondLst>
+                            <p:childTnLst>
+                              <p:par>
+                                <p:cTn id="5" presetID="1" presetClass="entr" presetSubtype="0" fill="hold" nodeType="clickEffect">
+                                  <p:stCondLst>
+                                    <p:cond delay="0"/>
+                                  </p:stCondLst>
+                                  <p:childTnLst>
+                                    <p:set>
+                                      <p:cBhvr>
+                                        <p:cTn id="6" dur="1" fill="hold">
+                                          <p:stCondLst>
+                                            <p:cond delay="0"/>
+                                          </p:stCondLst>
+                                        </p:cTn>
+                                        <p:tgtEl>
+                                          <p:spTgt spid="3">
+                                            <p:txEl>
+                                              <p:pRg st="2" end="2"/>
+                                            </p:txEl>
+                                          </p:spTgt>
+                                        </p:tgtEl>
+                                        <p:attrNameLst>
+                                          <p:attrName>style.visibility</p:attrName>
+                                        </p:attrNameLst>
+                                      </p:cBhvr>
+                                      <p:to>
+                                        <p:strVal val="visible"/>
+                                      </p:to>
+                                    </p:set>
+                                  </p:childTnLst>
+                                </p:cTn>
+                              </p:par>
+                            </p:childTnLst>
+                          </p:cTn>
+                        </p:par>
+                      </p:childTnLst>
+                    </p:cTn>
+                  </p:par>
+                  <p:par>
+                    <p:cTn id="7" fill="hold">
+                      <p:stCondLst>
+                        <p:cond delay="indefinite"/>
+                      </p:stCondLst>
+                      <p:childTnLst>
+                        <p:par>
+                          <p:cTn id="8" fill="hold">
+                            <p:stCondLst>
+                              <p:cond delay="0"/>
+                            </p:stCondLst>
+                            <p:childTnLst>
+                              <p:par>
+                                <p:cTn id="9" presetID="1" presetClass="entr" presetSubtype="0" fill="hold" nodeType="clickEffect">
+                                  <p:stCondLst>
+                                    <p:cond delay="0"/>
+                                  </p:stCondLst>
+                                  <p:childTnLst>
+                                    <p:set>
+                                      <p:cBhvr>
+                                        <p:cTn id="10" dur="1" fill="hold">
+                                          <p:stCondLst>
+                                            <p:cond delay="0"/>
+                                          </p:stCondLst>
+                                        </p:cTn>
+                                        <p:tgtEl>
+                                          <p:spTgt spid="3">
+                                            <p:txEl>
+                                              <p:pRg st="3" end="3"/>
+                                            </p:txEl>
+                                          </p:spTgt>
+                                        </p:tgtEl>
+                                        <p:attrNameLst>
+                                          <p:attrName>style.visibility</p:attrName>
+                                        </p:attrNameLst>
+                                      </p:cBhvr>
+                                      <p:to>
+                                        <p:strVal val="visible"/>
+                                      </p:to>
+                                    </p:set>
+                                  </p:childTnLst>
+                                </p:cTn>
+                              </p:par>
+                            </p:childTnLst>
+                          </p:cTn>
+                        </p:par>
+                      </p:childTnLst>
+                    </p:cTn>
+                  </p:par>
+                </p:childTnLst>
+              </p:cTn>
+              <p:prevCondLst>
+                <p:cond evt="onPrev" delay="0">
+                  <p:tgtEl>
+                    <p:sldTgt/>
+                  </p:tgtEl>
+                </p:cond>
+              </p:prevCondLst>
+              <p:nextCondLst>
+                <p:cond evt="onNext" delay="0">
+                  <p:tgtEl>
+                    <p:sldTgt/>
+                  </p:tgtEl>
+                </p:cond>
+              </p:nextCondLst>
+            </p:seq>
+          </p:childTnLst>
+        </p:cTn>
       </p:par>
     </p:tnLst>
   </p:timing>
@@ -8195,7 +10324,15 @@
             </a:r>
             <a:r>
               <a:rPr lang="en-US" dirty="0" smtClean="0"/>
-              <a:t> in arbore (</a:t>
+              <a:t> </a:t>
+            </a:r>
+            <a:r>
+              <a:rPr lang="en-US" dirty="0" err="1" smtClean="0"/>
+              <a:t>în</a:t>
+            </a:r>
+            <a:r>
+              <a:rPr lang="en-US" dirty="0" smtClean="0"/>
+              <a:t> arbore (</a:t>
             </a:r>
             <a:r>
               <a:rPr lang="en-US" dirty="0" err="1" smtClean="0"/>
@@ -8345,7 +10482,124 @@
   <p:timing>
     <p:tnLst>
       <p:par>
-        <p:cTn xmlns:p14="http://schemas.microsoft.com/office/powerpoint/2010/main" id="1" dur="indefinite" restart="never" nodeType="tmRoot"/>
+        <p:cTn xmlns:p14="http://schemas.microsoft.com/office/powerpoint/2010/main" id="1" dur="indefinite" restart="never" nodeType="tmRoot">
+          <p:childTnLst>
+            <p:seq concurrent="1" nextAc="seek">
+              <p:cTn id="2" dur="indefinite" nodeType="mainSeq">
+                <p:childTnLst>
+                  <p:par>
+                    <p:cTn id="3" fill="hold">
+                      <p:stCondLst>
+                        <p:cond delay="indefinite"/>
+                      </p:stCondLst>
+                      <p:childTnLst>
+                        <p:par>
+                          <p:cTn id="4" fill="hold">
+                            <p:stCondLst>
+                              <p:cond delay="0"/>
+                            </p:stCondLst>
+                            <p:childTnLst>
+                              <p:par>
+                                <p:cTn id="5" presetID="1" presetClass="entr" presetSubtype="0" fill="hold" nodeType="clickEffect">
+                                  <p:stCondLst>
+                                    <p:cond delay="0"/>
+                                  </p:stCondLst>
+                                  <p:childTnLst>
+                                    <p:set>
+                                      <p:cBhvr>
+                                        <p:cTn id="6" dur="1" fill="hold">
+                                          <p:stCondLst>
+                                            <p:cond delay="0"/>
+                                          </p:stCondLst>
+                                        </p:cTn>
+                                        <p:tgtEl>
+                                          <p:spTgt spid="3">
+                                            <p:txEl>
+                                              <p:pRg st="0" end="0"/>
+                                            </p:txEl>
+                                          </p:spTgt>
+                                        </p:tgtEl>
+                                        <p:attrNameLst>
+                                          <p:attrName>style.visibility</p:attrName>
+                                        </p:attrNameLst>
+                                      </p:cBhvr>
+                                      <p:to>
+                                        <p:strVal val="visible"/>
+                                      </p:to>
+                                    </p:set>
+                                  </p:childTnLst>
+                                </p:cTn>
+                              </p:par>
+                            </p:childTnLst>
+                          </p:cTn>
+                        </p:par>
+                      </p:childTnLst>
+                    </p:cTn>
+                  </p:par>
+                  <p:par>
+                    <p:cTn id="7" fill="hold">
+                      <p:stCondLst>
+                        <p:cond delay="indefinite"/>
+                      </p:stCondLst>
+                      <p:childTnLst>
+                        <p:par>
+                          <p:cTn id="8" fill="hold">
+                            <p:stCondLst>
+                              <p:cond delay="0"/>
+                            </p:stCondLst>
+                            <p:childTnLst>
+                              <p:par>
+                                <p:cTn id="9" presetID="1" presetClass="entr" presetSubtype="0" fill="hold" nodeType="clickEffect">
+                                  <p:stCondLst>
+                                    <p:cond delay="0"/>
+                                  </p:stCondLst>
+                                  <p:childTnLst>
+                                    <p:set>
+                                      <p:cBhvr>
+                                        <p:cTn id="10" dur="1" fill="hold">
+                                          <p:stCondLst>
+                                            <p:cond delay="0"/>
+                                          </p:stCondLst>
+                                        </p:cTn>
+                                        <p:tgtEl>
+                                          <p:spTgt spid="8"/>
+                                        </p:tgtEl>
+                                        <p:attrNameLst>
+                                          <p:attrName>style.visibility</p:attrName>
+                                        </p:attrNameLst>
+                                      </p:cBhvr>
+                                      <p:to>
+                                        <p:strVal val="visible"/>
+                                      </p:to>
+                                    </p:set>
+                                  </p:childTnLst>
+                                </p:cTn>
+                              </p:par>
+                            </p:childTnLst>
+                          </p:cTn>
+                        </p:par>
+                      </p:childTnLst>
+                    </p:cTn>
+                  </p:par>
+                </p:childTnLst>
+              </p:cTn>
+              <p:prevCondLst>
+                <p:cond evt="onPrev" delay="0">
+                  <p:tgtEl>
+                    <p:sldTgt/>
+                  </p:tgtEl>
+                </p:cond>
+              </p:prevCondLst>
+              <p:nextCondLst>
+                <p:cond evt="onNext" delay="0">
+                  <p:tgtEl>
+                    <p:sldTgt/>
+                  </p:tgtEl>
+                </p:cond>
+              </p:nextCondLst>
+            </p:seq>
+          </p:childTnLst>
+        </p:cTn>
       </p:par>
     </p:tnLst>
   </p:timing>
@@ -8493,8 +10747,12 @@
           <a:p>
             <a:pPr lvl="1"/>
             <a:r>
-              <a:rPr lang="en-US" dirty="0" err="1" smtClean="0"/>
-              <a:t>Valori</a:t>
+              <a:rPr lang="en-US" dirty="0" err="1"/>
+              <a:t>v</a:t>
+            </a:r>
+            <a:r>
+              <a:rPr lang="en-US" dirty="0" err="1" smtClean="0"/>
+              <a:t>alori</a:t>
             </a:r>
             <a:r>
               <a:rPr lang="en-US" dirty="0" smtClean="0"/>
@@ -8525,8 +10783,12 @@
           <a:p>
             <a:pPr lvl="1"/>
             <a:r>
-              <a:rPr lang="en-US" dirty="0" err="1" smtClean="0"/>
-              <a:t>Grijă</a:t>
+              <a:rPr lang="en-US" dirty="0" err="1"/>
+              <a:t>g</a:t>
+            </a:r>
+            <a:r>
+              <a:rPr lang="en-US" dirty="0" err="1" smtClean="0"/>
+              <a:t>rijă</a:t>
             </a:r>
             <a:r>
               <a:rPr lang="en-US" dirty="0" smtClean="0"/>
@@ -8541,8 +10803,12 @@
           <a:p>
             <a:pPr lvl="1"/>
             <a:r>
-              <a:rPr lang="en-US" dirty="0" err="1" smtClean="0"/>
-              <a:t>Noduri</a:t>
+              <a:rPr lang="en-US" dirty="0" err="1"/>
+              <a:t>n</a:t>
+            </a:r>
+            <a:r>
+              <a:rPr lang="en-US" dirty="0" err="1" smtClean="0"/>
+              <a:t>oduri</a:t>
             </a:r>
             <a:r>
               <a:rPr lang="en-US" dirty="0" smtClean="0"/>
@@ -8658,7 +10924,368 @@
   <p:timing>
     <p:tnLst>
       <p:par>
-        <p:cTn xmlns:p14="http://schemas.microsoft.com/office/powerpoint/2010/main" id="1" dur="indefinite" restart="never" nodeType="tmRoot"/>
+        <p:cTn xmlns:p14="http://schemas.microsoft.com/office/powerpoint/2010/main" id="1" dur="indefinite" restart="never" nodeType="tmRoot">
+          <p:childTnLst>
+            <p:seq concurrent="1" nextAc="seek">
+              <p:cTn id="2" dur="indefinite" nodeType="mainSeq">
+                <p:childTnLst>
+                  <p:par>
+                    <p:cTn id="3" fill="hold">
+                      <p:stCondLst>
+                        <p:cond delay="indefinite"/>
+                      </p:stCondLst>
+                      <p:childTnLst>
+                        <p:par>
+                          <p:cTn id="4" fill="hold">
+                            <p:stCondLst>
+                              <p:cond delay="0"/>
+                            </p:stCondLst>
+                            <p:childTnLst>
+                              <p:par>
+                                <p:cTn id="5" presetID="1" presetClass="entr" presetSubtype="0" fill="hold" nodeType="clickEffect">
+                                  <p:stCondLst>
+                                    <p:cond delay="0"/>
+                                  </p:stCondLst>
+                                  <p:childTnLst>
+                                    <p:set>
+                                      <p:cBhvr>
+                                        <p:cTn id="6" dur="1" fill="hold">
+                                          <p:stCondLst>
+                                            <p:cond delay="0"/>
+                                          </p:stCondLst>
+                                        </p:cTn>
+                                        <p:tgtEl>
+                                          <p:spTgt spid="3">
+                                            <p:txEl>
+                                              <p:pRg st="0" end="0"/>
+                                            </p:txEl>
+                                          </p:spTgt>
+                                        </p:tgtEl>
+                                        <p:attrNameLst>
+                                          <p:attrName>style.visibility</p:attrName>
+                                        </p:attrNameLst>
+                                      </p:cBhvr>
+                                      <p:to>
+                                        <p:strVal val="visible"/>
+                                      </p:to>
+                                    </p:set>
+                                  </p:childTnLst>
+                                </p:cTn>
+                              </p:par>
+                              <p:par>
+                                <p:cTn id="7" presetID="1" presetClass="entr" presetSubtype="0" fill="hold" nodeType="withEffect">
+                                  <p:stCondLst>
+                                    <p:cond delay="0"/>
+                                  </p:stCondLst>
+                                  <p:childTnLst>
+                                    <p:set>
+                                      <p:cBhvr>
+                                        <p:cTn id="8" dur="1" fill="hold">
+                                          <p:stCondLst>
+                                            <p:cond delay="0"/>
+                                          </p:stCondLst>
+                                        </p:cTn>
+                                        <p:tgtEl>
+                                          <p:spTgt spid="3">
+                                            <p:txEl>
+                                              <p:pRg st="1" end="1"/>
+                                            </p:txEl>
+                                          </p:spTgt>
+                                        </p:tgtEl>
+                                        <p:attrNameLst>
+                                          <p:attrName>style.visibility</p:attrName>
+                                        </p:attrNameLst>
+                                      </p:cBhvr>
+                                      <p:to>
+                                        <p:strVal val="visible"/>
+                                      </p:to>
+                                    </p:set>
+                                  </p:childTnLst>
+                                </p:cTn>
+                              </p:par>
+                            </p:childTnLst>
+                          </p:cTn>
+                        </p:par>
+                      </p:childTnLst>
+                    </p:cTn>
+                  </p:par>
+                  <p:par>
+                    <p:cTn id="9" fill="hold">
+                      <p:stCondLst>
+                        <p:cond delay="indefinite"/>
+                      </p:stCondLst>
+                      <p:childTnLst>
+                        <p:par>
+                          <p:cTn id="10" fill="hold">
+                            <p:stCondLst>
+                              <p:cond delay="0"/>
+                            </p:stCondLst>
+                            <p:childTnLst>
+                              <p:par>
+                                <p:cTn id="11" presetID="1" presetClass="entr" presetSubtype="0" fill="hold" nodeType="clickEffect">
+                                  <p:stCondLst>
+                                    <p:cond delay="0"/>
+                                  </p:stCondLst>
+                                  <p:childTnLst>
+                                    <p:set>
+                                      <p:cBhvr>
+                                        <p:cTn id="12" dur="1" fill="hold">
+                                          <p:stCondLst>
+                                            <p:cond delay="0"/>
+                                          </p:stCondLst>
+                                        </p:cTn>
+                                        <p:tgtEl>
+                                          <p:spTgt spid="3">
+                                            <p:txEl>
+                                              <p:pRg st="2" end="2"/>
+                                            </p:txEl>
+                                          </p:spTgt>
+                                        </p:tgtEl>
+                                        <p:attrNameLst>
+                                          <p:attrName>style.visibility</p:attrName>
+                                        </p:attrNameLst>
+                                      </p:cBhvr>
+                                      <p:to>
+                                        <p:strVal val="visible"/>
+                                      </p:to>
+                                    </p:set>
+                                  </p:childTnLst>
+                                </p:cTn>
+                              </p:par>
+                              <p:par>
+                                <p:cTn id="13" presetID="1" presetClass="entr" presetSubtype="0" fill="hold" nodeType="withEffect">
+                                  <p:stCondLst>
+                                    <p:cond delay="0"/>
+                                  </p:stCondLst>
+                                  <p:childTnLst>
+                                    <p:set>
+                                      <p:cBhvr>
+                                        <p:cTn id="14" dur="1" fill="hold">
+                                          <p:stCondLst>
+                                            <p:cond delay="0"/>
+                                          </p:stCondLst>
+                                        </p:cTn>
+                                        <p:tgtEl>
+                                          <p:spTgt spid="3">
+                                            <p:txEl>
+                                              <p:pRg st="3" end="3"/>
+                                            </p:txEl>
+                                          </p:spTgt>
+                                        </p:tgtEl>
+                                        <p:attrNameLst>
+                                          <p:attrName>style.visibility</p:attrName>
+                                        </p:attrNameLst>
+                                      </p:cBhvr>
+                                      <p:to>
+                                        <p:strVal val="visible"/>
+                                      </p:to>
+                                    </p:set>
+                                  </p:childTnLst>
+                                </p:cTn>
+                              </p:par>
+                            </p:childTnLst>
+                          </p:cTn>
+                        </p:par>
+                      </p:childTnLst>
+                    </p:cTn>
+                  </p:par>
+                  <p:par>
+                    <p:cTn id="15" fill="hold">
+                      <p:stCondLst>
+                        <p:cond delay="indefinite"/>
+                      </p:stCondLst>
+                      <p:childTnLst>
+                        <p:par>
+                          <p:cTn id="16" fill="hold">
+                            <p:stCondLst>
+                              <p:cond delay="0"/>
+                            </p:stCondLst>
+                            <p:childTnLst>
+                              <p:par>
+                                <p:cTn id="17" presetID="1" presetClass="entr" presetSubtype="0" fill="hold" nodeType="clickEffect">
+                                  <p:stCondLst>
+                                    <p:cond delay="0"/>
+                                  </p:stCondLst>
+                                  <p:childTnLst>
+                                    <p:set>
+                                      <p:cBhvr>
+                                        <p:cTn id="18" dur="1" fill="hold">
+                                          <p:stCondLst>
+                                            <p:cond delay="0"/>
+                                          </p:stCondLst>
+                                        </p:cTn>
+                                        <p:tgtEl>
+                                          <p:spTgt spid="3">
+                                            <p:txEl>
+                                              <p:pRg st="5" end="5"/>
+                                            </p:txEl>
+                                          </p:spTgt>
+                                        </p:tgtEl>
+                                        <p:attrNameLst>
+                                          <p:attrName>style.visibility</p:attrName>
+                                        </p:attrNameLst>
+                                      </p:cBhvr>
+                                      <p:to>
+                                        <p:strVal val="visible"/>
+                                      </p:to>
+                                    </p:set>
+                                  </p:childTnLst>
+                                </p:cTn>
+                              </p:par>
+                              <p:par>
+                                <p:cTn id="19" presetID="1" presetClass="entr" presetSubtype="0" fill="hold" nodeType="withEffect">
+                                  <p:stCondLst>
+                                    <p:cond delay="0"/>
+                                  </p:stCondLst>
+                                  <p:childTnLst>
+                                    <p:set>
+                                      <p:cBhvr>
+                                        <p:cTn id="20" dur="1" fill="hold">
+                                          <p:stCondLst>
+                                            <p:cond delay="0"/>
+                                          </p:stCondLst>
+                                        </p:cTn>
+                                        <p:tgtEl>
+                                          <p:spTgt spid="3">
+                                            <p:txEl>
+                                              <p:pRg st="6" end="6"/>
+                                            </p:txEl>
+                                          </p:spTgt>
+                                        </p:tgtEl>
+                                        <p:attrNameLst>
+                                          <p:attrName>style.visibility</p:attrName>
+                                        </p:attrNameLst>
+                                      </p:cBhvr>
+                                      <p:to>
+                                        <p:strVal val="visible"/>
+                                      </p:to>
+                                    </p:set>
+                                  </p:childTnLst>
+                                </p:cTn>
+                              </p:par>
+                            </p:childTnLst>
+                          </p:cTn>
+                        </p:par>
+                      </p:childTnLst>
+                    </p:cTn>
+                  </p:par>
+                  <p:par>
+                    <p:cTn id="21" fill="hold">
+                      <p:stCondLst>
+                        <p:cond delay="indefinite"/>
+                      </p:stCondLst>
+                      <p:childTnLst>
+                        <p:par>
+                          <p:cTn id="22" fill="hold">
+                            <p:stCondLst>
+                              <p:cond delay="0"/>
+                            </p:stCondLst>
+                            <p:childTnLst>
+                              <p:par>
+                                <p:cTn id="23" presetID="1" presetClass="entr" presetSubtype="0" fill="hold" nodeType="clickEffect">
+                                  <p:stCondLst>
+                                    <p:cond delay="0"/>
+                                  </p:stCondLst>
+                                  <p:childTnLst>
+                                    <p:set>
+                                      <p:cBhvr>
+                                        <p:cTn id="24" dur="1" fill="hold">
+                                          <p:stCondLst>
+                                            <p:cond delay="0"/>
+                                          </p:stCondLst>
+                                        </p:cTn>
+                                        <p:tgtEl>
+                                          <p:spTgt spid="3">
+                                            <p:txEl>
+                                              <p:pRg st="7" end="7"/>
+                                            </p:txEl>
+                                          </p:spTgt>
+                                        </p:tgtEl>
+                                        <p:attrNameLst>
+                                          <p:attrName>style.visibility</p:attrName>
+                                        </p:attrNameLst>
+                                      </p:cBhvr>
+                                      <p:to>
+                                        <p:strVal val="visible"/>
+                                      </p:to>
+                                    </p:set>
+                                  </p:childTnLst>
+                                </p:cTn>
+                              </p:par>
+                            </p:childTnLst>
+                          </p:cTn>
+                        </p:par>
+                      </p:childTnLst>
+                    </p:cTn>
+                  </p:par>
+                  <p:par>
+                    <p:cTn id="25" fill="hold">
+                      <p:stCondLst>
+                        <p:cond delay="indefinite"/>
+                      </p:stCondLst>
+                      <p:childTnLst>
+                        <p:par>
+                          <p:cTn id="26" fill="hold">
+                            <p:stCondLst>
+                              <p:cond delay="0"/>
+                            </p:stCondLst>
+                            <p:childTnLst>
+                              <p:par>
+                                <p:cTn id="27" presetID="1" presetClass="entr" presetSubtype="0" fill="hold" nodeType="clickEffect">
+                                  <p:stCondLst>
+                                    <p:cond delay="0"/>
+                                  </p:stCondLst>
+                                  <p:childTnLst>
+                                    <p:set>
+                                      <p:cBhvr>
+                                        <p:cTn id="28" dur="1" fill="hold">
+                                          <p:stCondLst>
+                                            <p:cond delay="0"/>
+                                          </p:stCondLst>
+                                        </p:cTn>
+                                        <p:tgtEl>
+                                          <p:spTgt spid="3">
+                                            <p:txEl>
+                                              <p:pRg st="8" end="8"/>
+                                            </p:txEl>
+                                          </p:spTgt>
+                                        </p:tgtEl>
+                                        <p:attrNameLst>
+                                          <p:attrName>style.visibility</p:attrName>
+                                        </p:attrNameLst>
+                                      </p:cBhvr>
+                                      <p:to>
+                                        <p:strVal val="visible"/>
+                                      </p:to>
+                                    </p:set>
+                                  </p:childTnLst>
+                                </p:cTn>
+                              </p:par>
+                            </p:childTnLst>
+                          </p:cTn>
+                        </p:par>
+                      </p:childTnLst>
+                    </p:cTn>
+                  </p:par>
+                </p:childTnLst>
+              </p:cTn>
+              <p:prevCondLst>
+                <p:cond evt="onPrev" delay="0">
+                  <p:tgtEl>
+                    <p:sldTgt/>
+                  </p:tgtEl>
+                </p:cond>
+              </p:prevCondLst>
+              <p:nextCondLst>
+                <p:cond evt="onNext" delay="0">
+                  <p:tgtEl>
+                    <p:sldTgt/>
+                  </p:tgtEl>
+                </p:cond>
+              </p:nextCondLst>
+            </p:seq>
+          </p:childTnLst>
+        </p:cTn>
       </p:par>
     </p:tnLst>
   </p:timing>
@@ -9044,7 +11671,226 @@
   <p:timing>
     <p:tnLst>
       <p:par>
-        <p:cTn xmlns:p14="http://schemas.microsoft.com/office/powerpoint/2010/main" id="1" dur="indefinite" restart="never" nodeType="tmRoot"/>
+        <p:cTn xmlns:p14="http://schemas.microsoft.com/office/powerpoint/2010/main" id="1" dur="indefinite" restart="never" nodeType="tmRoot">
+          <p:childTnLst>
+            <p:seq concurrent="1" nextAc="seek">
+              <p:cTn id="2" dur="indefinite" nodeType="mainSeq">
+                <p:childTnLst>
+                  <p:par>
+                    <p:cTn id="3" fill="hold">
+                      <p:stCondLst>
+                        <p:cond delay="indefinite"/>
+                      </p:stCondLst>
+                      <p:childTnLst>
+                        <p:par>
+                          <p:cTn id="4" fill="hold">
+                            <p:stCondLst>
+                              <p:cond delay="0"/>
+                            </p:stCondLst>
+                            <p:childTnLst>
+                              <p:par>
+                                <p:cTn id="5" presetID="1" presetClass="entr" presetSubtype="0" fill="hold" nodeType="clickEffect">
+                                  <p:stCondLst>
+                                    <p:cond delay="0"/>
+                                  </p:stCondLst>
+                                  <p:childTnLst>
+                                    <p:set>
+                                      <p:cBhvr>
+                                        <p:cTn id="6" dur="1" fill="hold">
+                                          <p:stCondLst>
+                                            <p:cond delay="0"/>
+                                          </p:stCondLst>
+                                        </p:cTn>
+                                        <p:tgtEl>
+                                          <p:spTgt spid="3">
+                                            <p:txEl>
+                                              <p:pRg st="0" end="0"/>
+                                            </p:txEl>
+                                          </p:spTgt>
+                                        </p:tgtEl>
+                                        <p:attrNameLst>
+                                          <p:attrName>style.visibility</p:attrName>
+                                        </p:attrNameLst>
+                                      </p:cBhvr>
+                                      <p:to>
+                                        <p:strVal val="visible"/>
+                                      </p:to>
+                                    </p:set>
+                                  </p:childTnLst>
+                                </p:cTn>
+                              </p:par>
+                            </p:childTnLst>
+                          </p:cTn>
+                        </p:par>
+                      </p:childTnLst>
+                    </p:cTn>
+                  </p:par>
+                  <p:par>
+                    <p:cTn id="7" fill="hold">
+                      <p:stCondLst>
+                        <p:cond delay="indefinite"/>
+                      </p:stCondLst>
+                      <p:childTnLst>
+                        <p:par>
+                          <p:cTn id="8" fill="hold">
+                            <p:stCondLst>
+                              <p:cond delay="0"/>
+                            </p:stCondLst>
+                            <p:childTnLst>
+                              <p:par>
+                                <p:cTn id="9" presetID="1" presetClass="entr" presetSubtype="0" fill="hold" nodeType="clickEffect">
+                                  <p:stCondLst>
+                                    <p:cond delay="0"/>
+                                  </p:stCondLst>
+                                  <p:childTnLst>
+                                    <p:set>
+                                      <p:cBhvr>
+                                        <p:cTn id="10" dur="1" fill="hold">
+                                          <p:stCondLst>
+                                            <p:cond delay="0"/>
+                                          </p:stCondLst>
+                                        </p:cTn>
+                                        <p:tgtEl>
+                                          <p:spTgt spid="3">
+                                            <p:txEl>
+                                              <p:pRg st="1" end="1"/>
+                                            </p:txEl>
+                                          </p:spTgt>
+                                        </p:tgtEl>
+                                        <p:attrNameLst>
+                                          <p:attrName>style.visibility</p:attrName>
+                                        </p:attrNameLst>
+                                      </p:cBhvr>
+                                      <p:to>
+                                        <p:strVal val="visible"/>
+                                      </p:to>
+                                    </p:set>
+                                  </p:childTnLst>
+                                </p:cTn>
+                              </p:par>
+                            </p:childTnLst>
+                          </p:cTn>
+                        </p:par>
+                      </p:childTnLst>
+                    </p:cTn>
+                  </p:par>
+                  <p:par>
+                    <p:cTn id="11" fill="hold">
+                      <p:stCondLst>
+                        <p:cond delay="indefinite"/>
+                      </p:stCondLst>
+                      <p:childTnLst>
+                        <p:par>
+                          <p:cTn id="12" fill="hold">
+                            <p:stCondLst>
+                              <p:cond delay="0"/>
+                            </p:stCondLst>
+                            <p:childTnLst>
+                              <p:par>
+                                <p:cTn id="13" presetID="1" presetClass="entr" presetSubtype="0" fill="hold" nodeType="clickEffect">
+                                  <p:stCondLst>
+                                    <p:cond delay="0"/>
+                                  </p:stCondLst>
+                                  <p:childTnLst>
+                                    <p:set>
+                                      <p:cBhvr>
+                                        <p:cTn id="14" dur="1" fill="hold">
+                                          <p:stCondLst>
+                                            <p:cond delay="0"/>
+                                          </p:stCondLst>
+                                        </p:cTn>
+                                        <p:tgtEl>
+                                          <p:spTgt spid="3">
+                                            <p:txEl>
+                                              <p:pRg st="2" end="2"/>
+                                            </p:txEl>
+                                          </p:spTgt>
+                                        </p:tgtEl>
+                                        <p:attrNameLst>
+                                          <p:attrName>style.visibility</p:attrName>
+                                        </p:attrNameLst>
+                                      </p:cBhvr>
+                                      <p:to>
+                                        <p:strVal val="visible"/>
+                                      </p:to>
+                                    </p:set>
+                                  </p:childTnLst>
+                                </p:cTn>
+                              </p:par>
+                            </p:childTnLst>
+                          </p:cTn>
+                        </p:par>
+                      </p:childTnLst>
+                    </p:cTn>
+                  </p:par>
+                  <p:par>
+                    <p:cTn id="15" fill="hold">
+                      <p:stCondLst>
+                        <p:cond delay="indefinite"/>
+                      </p:stCondLst>
+                      <p:childTnLst>
+                        <p:par>
+                          <p:cTn id="16" fill="hold">
+                            <p:stCondLst>
+                              <p:cond delay="0"/>
+                            </p:stCondLst>
+                            <p:childTnLst>
+                              <p:par>
+                                <p:cTn id="17" presetID="1" presetClass="entr" presetSubtype="0" fill="hold" nodeType="clickEffect">
+                                  <p:stCondLst>
+                                    <p:cond delay="0"/>
+                                  </p:stCondLst>
+                                  <p:childTnLst>
+                                    <p:set>
+                                      <p:cBhvr>
+                                        <p:cTn id="18" dur="1" fill="hold">
+                                          <p:stCondLst>
+                                            <p:cond delay="0"/>
+                                          </p:stCondLst>
+                                        </p:cTn>
+                                        <p:tgtEl>
+                                          <p:spTgt spid="3">
+                                            <p:txEl>
+                                              <p:pRg st="3" end="3"/>
+                                            </p:txEl>
+                                          </p:spTgt>
+                                        </p:tgtEl>
+                                        <p:attrNameLst>
+                                          <p:attrName>style.visibility</p:attrName>
+                                        </p:attrNameLst>
+                                      </p:cBhvr>
+                                      <p:to>
+                                        <p:strVal val="visible"/>
+                                      </p:to>
+                                    </p:set>
+                                  </p:childTnLst>
+                                </p:cTn>
+                              </p:par>
+                            </p:childTnLst>
+                          </p:cTn>
+                        </p:par>
+                      </p:childTnLst>
+                    </p:cTn>
+                  </p:par>
+                </p:childTnLst>
+              </p:cTn>
+              <p:prevCondLst>
+                <p:cond evt="onPrev" delay="0">
+                  <p:tgtEl>
+                    <p:sldTgt/>
+                  </p:tgtEl>
+                </p:cond>
+              </p:prevCondLst>
+              <p:nextCondLst>
+                <p:cond evt="onNext" delay="0">
+                  <p:tgtEl>
+                    <p:sldTgt/>
+                  </p:tgtEl>
+                </p:cond>
+              </p:nextCondLst>
+            </p:seq>
+          </p:childTnLst>
+        </p:cTn>
       </p:par>
     </p:tnLst>
   </p:timing>
@@ -9374,7 +12220,235 @@
   <p:timing>
     <p:tnLst>
       <p:par>
-        <p:cTn xmlns:p14="http://schemas.microsoft.com/office/powerpoint/2010/main" id="1" dur="indefinite" restart="never" nodeType="tmRoot"/>
+        <p:cTn xmlns:p14="http://schemas.microsoft.com/office/powerpoint/2010/main" id="1" dur="indefinite" restart="never" nodeType="tmRoot">
+          <p:childTnLst>
+            <p:seq concurrent="1" nextAc="seek">
+              <p:cTn id="2" dur="indefinite" nodeType="mainSeq">
+                <p:childTnLst>
+                  <p:par>
+                    <p:cTn id="3" fill="hold">
+                      <p:stCondLst>
+                        <p:cond delay="indefinite"/>
+                      </p:stCondLst>
+                      <p:childTnLst>
+                        <p:par>
+                          <p:cTn id="4" fill="hold">
+                            <p:stCondLst>
+                              <p:cond delay="0"/>
+                            </p:stCondLst>
+                            <p:childTnLst>
+                              <p:par>
+                                <p:cTn id="5" presetID="1" presetClass="entr" presetSubtype="0" fill="hold" nodeType="clickEffect">
+                                  <p:stCondLst>
+                                    <p:cond delay="0"/>
+                                  </p:stCondLst>
+                                  <p:childTnLst>
+                                    <p:set>
+                                      <p:cBhvr>
+                                        <p:cTn id="6" dur="1" fill="hold">
+                                          <p:stCondLst>
+                                            <p:cond delay="0"/>
+                                          </p:stCondLst>
+                                        </p:cTn>
+                                        <p:tgtEl>
+                                          <p:spTgt spid="3">
+                                            <p:txEl>
+                                              <p:pRg st="0" end="0"/>
+                                            </p:txEl>
+                                          </p:spTgt>
+                                        </p:tgtEl>
+                                        <p:attrNameLst>
+                                          <p:attrName>style.visibility</p:attrName>
+                                        </p:attrNameLst>
+                                      </p:cBhvr>
+                                      <p:to>
+                                        <p:strVal val="visible"/>
+                                      </p:to>
+                                    </p:set>
+                                  </p:childTnLst>
+                                </p:cTn>
+                              </p:par>
+                              <p:par>
+                                <p:cTn id="7" presetID="1" presetClass="entr" presetSubtype="0" fill="hold" nodeType="withEffect">
+                                  <p:stCondLst>
+                                    <p:cond delay="0"/>
+                                  </p:stCondLst>
+                                  <p:childTnLst>
+                                    <p:set>
+                                      <p:cBhvr>
+                                        <p:cTn id="8" dur="1" fill="hold">
+                                          <p:stCondLst>
+                                            <p:cond delay="0"/>
+                                          </p:stCondLst>
+                                        </p:cTn>
+                                        <p:tgtEl>
+                                          <p:spTgt spid="3">
+                                            <p:txEl>
+                                              <p:pRg st="1" end="1"/>
+                                            </p:txEl>
+                                          </p:spTgt>
+                                        </p:tgtEl>
+                                        <p:attrNameLst>
+                                          <p:attrName>style.visibility</p:attrName>
+                                        </p:attrNameLst>
+                                      </p:cBhvr>
+                                      <p:to>
+                                        <p:strVal val="visible"/>
+                                      </p:to>
+                                    </p:set>
+                                  </p:childTnLst>
+                                </p:cTn>
+                              </p:par>
+                              <p:par>
+                                <p:cTn id="9" presetID="1" presetClass="entr" presetSubtype="0" fill="hold" nodeType="withEffect">
+                                  <p:stCondLst>
+                                    <p:cond delay="0"/>
+                                  </p:stCondLst>
+                                  <p:childTnLst>
+                                    <p:set>
+                                      <p:cBhvr>
+                                        <p:cTn id="10" dur="1" fill="hold">
+                                          <p:stCondLst>
+                                            <p:cond delay="0"/>
+                                          </p:stCondLst>
+                                        </p:cTn>
+                                        <p:tgtEl>
+                                          <p:spTgt spid="3">
+                                            <p:txEl>
+                                              <p:pRg st="2" end="2"/>
+                                            </p:txEl>
+                                          </p:spTgt>
+                                        </p:tgtEl>
+                                        <p:attrNameLst>
+                                          <p:attrName>style.visibility</p:attrName>
+                                        </p:attrNameLst>
+                                      </p:cBhvr>
+                                      <p:to>
+                                        <p:strVal val="visible"/>
+                                      </p:to>
+                                    </p:set>
+                                  </p:childTnLst>
+                                </p:cTn>
+                              </p:par>
+                            </p:childTnLst>
+                          </p:cTn>
+                        </p:par>
+                      </p:childTnLst>
+                    </p:cTn>
+                  </p:par>
+                  <p:par>
+                    <p:cTn id="11" fill="hold">
+                      <p:stCondLst>
+                        <p:cond delay="indefinite"/>
+                      </p:stCondLst>
+                      <p:childTnLst>
+                        <p:par>
+                          <p:cTn id="12" fill="hold">
+                            <p:stCondLst>
+                              <p:cond delay="0"/>
+                            </p:stCondLst>
+                            <p:childTnLst>
+                              <p:par>
+                                <p:cTn id="13" presetID="1" presetClass="entr" presetSubtype="0" fill="hold" nodeType="clickEffect">
+                                  <p:stCondLst>
+                                    <p:cond delay="0"/>
+                                  </p:stCondLst>
+                                  <p:childTnLst>
+                                    <p:set>
+                                      <p:cBhvr>
+                                        <p:cTn id="14" dur="1" fill="hold">
+                                          <p:stCondLst>
+                                            <p:cond delay="0"/>
+                                          </p:stCondLst>
+                                        </p:cTn>
+                                        <p:tgtEl>
+                                          <p:spTgt spid="3">
+                                            <p:txEl>
+                                              <p:pRg st="3" end="3"/>
+                                            </p:txEl>
+                                          </p:spTgt>
+                                        </p:tgtEl>
+                                        <p:attrNameLst>
+                                          <p:attrName>style.visibility</p:attrName>
+                                        </p:attrNameLst>
+                                      </p:cBhvr>
+                                      <p:to>
+                                        <p:strVal val="visible"/>
+                                      </p:to>
+                                    </p:set>
+                                  </p:childTnLst>
+                                </p:cTn>
+                              </p:par>
+                            </p:childTnLst>
+                          </p:cTn>
+                        </p:par>
+                      </p:childTnLst>
+                    </p:cTn>
+                  </p:par>
+                  <p:par>
+                    <p:cTn id="15" fill="hold">
+                      <p:stCondLst>
+                        <p:cond delay="indefinite"/>
+                      </p:stCondLst>
+                      <p:childTnLst>
+                        <p:par>
+                          <p:cTn id="16" fill="hold">
+                            <p:stCondLst>
+                              <p:cond delay="0"/>
+                            </p:stCondLst>
+                            <p:childTnLst>
+                              <p:par>
+                                <p:cTn id="17" presetID="1" presetClass="entr" presetSubtype="0" fill="hold" nodeType="clickEffect">
+                                  <p:stCondLst>
+                                    <p:cond delay="0"/>
+                                  </p:stCondLst>
+                                  <p:childTnLst>
+                                    <p:set>
+                                      <p:cBhvr>
+                                        <p:cTn id="18" dur="1" fill="hold">
+                                          <p:stCondLst>
+                                            <p:cond delay="0"/>
+                                          </p:stCondLst>
+                                        </p:cTn>
+                                        <p:tgtEl>
+                                          <p:spTgt spid="9"/>
+                                        </p:tgtEl>
+                                        <p:attrNameLst>
+                                          <p:attrName>style.visibility</p:attrName>
+                                        </p:attrNameLst>
+                                      </p:cBhvr>
+                                      <p:to>
+                                        <p:strVal val="visible"/>
+                                      </p:to>
+                                    </p:set>
+                                  </p:childTnLst>
+                                </p:cTn>
+                              </p:par>
+                            </p:childTnLst>
+                          </p:cTn>
+                        </p:par>
+                      </p:childTnLst>
+                    </p:cTn>
+                  </p:par>
+                </p:childTnLst>
+              </p:cTn>
+              <p:prevCondLst>
+                <p:cond evt="onPrev" delay="0">
+                  <p:tgtEl>
+                    <p:sldTgt/>
+                  </p:tgtEl>
+                </p:cond>
+              </p:prevCondLst>
+              <p:nextCondLst>
+                <p:cond evt="onNext" delay="0">
+                  <p:tgtEl>
+                    <p:sldTgt/>
+                  </p:tgtEl>
+                </p:cond>
+              </p:nextCondLst>
+            </p:seq>
+          </p:childTnLst>
+        </p:cTn>
       </p:par>
     </p:tnLst>
   </p:timing>

--- a/curs11.pptx
+++ b/curs11.pptx
@@ -4466,8 +4466,8 @@
         </p:blipFill>
         <p:spPr>
           <a:xfrm>
-            <a:off x="1336049" y="3122234"/>
-            <a:ext cx="5935044" cy="3281044"/>
+            <a:off x="1336049" y="3185604"/>
+            <a:ext cx="5820412" cy="3217673"/>
           </a:xfrm>
           <a:prstGeom prst="rect">
             <a:avLst/>
@@ -5363,7 +5363,11 @@
             </a:r>
             <a:r>
               <a:rPr lang="en-US" sz="2300" dirty="0" smtClean="0"/>
-              <a:t> mare</a:t>
+              <a:t> </a:t>
+            </a:r>
+            <a:r>
+              <a:rPr lang="en-US" sz="2300" dirty="0" err="1" smtClean="0"/>
+              <a:t>mică</a:t>
             </a:r>
             <a:endParaRPr lang="en-US" sz="2300" dirty="0"/>
           </a:p>
@@ -9050,6 +9054,13 @@
   <p:clrMapOvr>
     <a:masterClrMapping/>
   </p:clrMapOvr>
+  <p:timing>
+    <p:tnLst>
+      <p:par>
+        <p:cTn xmlns:p14="http://schemas.microsoft.com/office/powerpoint/2010/main" id="1" dur="indefinite" restart="never" nodeType="tmRoot"/>
+      </p:par>
+    </p:tnLst>
+  </p:timing>
 </p:sld>
 </file>
 
